--- a/report/report.pptx
+++ b/report/report.pptx
@@ -1,26 +1,29 @@
 
 <file path=ppt/presentation.xml><?xml version="1.0" encoding="utf-8"?>
-<p:presentation xmlns:a="http://schemas.openxmlformats.org/drawingml/2006/main" xmlns:r="http://schemas.openxmlformats.org/officeDocument/2006/relationships" xmlns:mc="http://schemas.openxmlformats.org/markup-compatibility/2006" xmlns:mv="urn:schemas-microsoft-com:mac:vml" xmlns:p="http://schemas.openxmlformats.org/presentationml/2006/main" xmlns:c="http://schemas.openxmlformats.org/drawingml/2006/chart" xmlns:dgm="http://schemas.openxmlformats.org/drawingml/2006/diagram" xmlns:o="urn:schemas-microsoft-com:office:office" xmlns:v="urn:schemas-microsoft-com:vml" xmlns:pvml="urn:schemas-microsoft-com:office:powerpoint" xmlns:com="http://schemas.openxmlformats.org/drawingml/2006/compatibility" xmlns:p14="http://schemas.microsoft.com/office/powerpoint/2010/main" xmlns:p15="http://schemas.microsoft.com/office/powerpoint/2012/main" xmlns:ahyp="http://schemas.microsoft.com/office/drawing/2018/hyperlinkcolor" autoCompressPictures="0" strictFirstAndLastChars="0" saveSubsetFonts="1">
+<p:presentation xmlns:a="http://schemas.openxmlformats.org/drawingml/2006/main" xmlns:r="http://schemas.openxmlformats.org/officeDocument/2006/relationships" xmlns:p="http://schemas.openxmlformats.org/presentationml/2006/main" strictFirstAndLastChars="0" saveSubsetFonts="1" autoCompressPictures="0">
   <p:sldMasterIdLst>
-    <p:sldMasterId id="2147483659" r:id="rId4"/>
+    <p:sldMasterId id="2147483659" r:id="rId1"/>
   </p:sldMasterIdLst>
   <p:notesMasterIdLst>
-    <p:notesMasterId r:id="rId5"/>
+    <p:notesMasterId r:id="rId13"/>
   </p:notesMasterIdLst>
   <p:sldIdLst>
-    <p:sldId id="256" r:id="rId6"/>
-    <p:sldId id="257" r:id="rId7"/>
-    <p:sldId id="258" r:id="rId8"/>
-    <p:sldId id="259" r:id="rId9"/>
-    <p:sldId id="260" r:id="rId10"/>
-    <p:sldId id="261" r:id="rId11"/>
-    <p:sldId id="262" r:id="rId12"/>
-    <p:sldId id="263" r:id="rId13"/>
+    <p:sldId id="256" r:id="rId2"/>
+    <p:sldId id="267" r:id="rId3"/>
+    <p:sldId id="258" r:id="rId4"/>
+    <p:sldId id="266" r:id="rId5"/>
+    <p:sldId id="259" r:id="rId6"/>
+    <p:sldId id="260" r:id="rId7"/>
+    <p:sldId id="261" r:id="rId8"/>
+    <p:sldId id="262" r:id="rId9"/>
+    <p:sldId id="264" r:id="rId10"/>
+    <p:sldId id="263" r:id="rId11"/>
+    <p:sldId id="265" r:id="rId12"/>
   </p:sldIdLst>
-  <p:sldSz cy="5143500" cx="9144000"/>
+  <p:sldSz cx="9144000" cy="5143500" type="screen16x9"/>
   <p:notesSz cx="6858000" cy="9144000"/>
   <p:defaultTextStyle>
-    <a:defPPr lvl="0" marR="0" rtl="0" algn="l">
+    <a:defPPr marR="0" lvl="0" algn="l" rtl="0">
       <a:lnSpc>
         <a:spcPct val="100000"/>
       </a:lnSpc>
@@ -31,7 +34,7 @@
         <a:spcPts val="0"/>
       </a:spcAft>
     </a:defPPr>
-    <a:lvl1pPr lvl="0" marR="0" rtl="0" algn="l">
+    <a:lvl1pPr marR="0" lvl="0" algn="l" rtl="0">
       <a:lnSpc>
         <a:spcPct val="100000"/>
       </a:lnSpc>
@@ -45,7 +48,7 @@
         <a:srgbClr val="000000"/>
       </a:buClr>
       <a:buFont typeface="Arial"/>
-      <a:defRPr b="0" i="0" sz="1400" u="none" cap="none" strike="noStrike">
+      <a:defRPr sz="1400" b="0" i="0" u="none" strike="noStrike" cap="none">
         <a:solidFill>
           <a:srgbClr val="000000"/>
         </a:solidFill>
@@ -55,7 +58,7 @@
         <a:sym typeface="Arial"/>
       </a:defRPr>
     </a:lvl1pPr>
-    <a:lvl2pPr lvl="1" marR="0" rtl="0" algn="l">
+    <a:lvl2pPr marR="0" lvl="1" algn="l" rtl="0">
       <a:lnSpc>
         <a:spcPct val="100000"/>
       </a:lnSpc>
@@ -69,7 +72,7 @@
         <a:srgbClr val="000000"/>
       </a:buClr>
       <a:buFont typeface="Arial"/>
-      <a:defRPr b="0" i="0" sz="1400" u="none" cap="none" strike="noStrike">
+      <a:defRPr sz="1400" b="0" i="0" u="none" strike="noStrike" cap="none">
         <a:solidFill>
           <a:srgbClr val="000000"/>
         </a:solidFill>
@@ -79,7 +82,7 @@
         <a:sym typeface="Arial"/>
       </a:defRPr>
     </a:lvl2pPr>
-    <a:lvl3pPr lvl="2" marR="0" rtl="0" algn="l">
+    <a:lvl3pPr marR="0" lvl="2" algn="l" rtl="0">
       <a:lnSpc>
         <a:spcPct val="100000"/>
       </a:lnSpc>
@@ -93,7 +96,7 @@
         <a:srgbClr val="000000"/>
       </a:buClr>
       <a:buFont typeface="Arial"/>
-      <a:defRPr b="0" i="0" sz="1400" u="none" cap="none" strike="noStrike">
+      <a:defRPr sz="1400" b="0" i="0" u="none" strike="noStrike" cap="none">
         <a:solidFill>
           <a:srgbClr val="000000"/>
         </a:solidFill>
@@ -103,7 +106,7 @@
         <a:sym typeface="Arial"/>
       </a:defRPr>
     </a:lvl3pPr>
-    <a:lvl4pPr lvl="3" marR="0" rtl="0" algn="l">
+    <a:lvl4pPr marR="0" lvl="3" algn="l" rtl="0">
       <a:lnSpc>
         <a:spcPct val="100000"/>
       </a:lnSpc>
@@ -117,7 +120,7 @@
         <a:srgbClr val="000000"/>
       </a:buClr>
       <a:buFont typeface="Arial"/>
-      <a:defRPr b="0" i="0" sz="1400" u="none" cap="none" strike="noStrike">
+      <a:defRPr sz="1400" b="0" i="0" u="none" strike="noStrike" cap="none">
         <a:solidFill>
           <a:srgbClr val="000000"/>
         </a:solidFill>
@@ -127,7 +130,7 @@
         <a:sym typeface="Arial"/>
       </a:defRPr>
     </a:lvl4pPr>
-    <a:lvl5pPr lvl="4" marR="0" rtl="0" algn="l">
+    <a:lvl5pPr marR="0" lvl="4" algn="l" rtl="0">
       <a:lnSpc>
         <a:spcPct val="100000"/>
       </a:lnSpc>
@@ -141,7 +144,7 @@
         <a:srgbClr val="000000"/>
       </a:buClr>
       <a:buFont typeface="Arial"/>
-      <a:defRPr b="0" i="0" sz="1400" u="none" cap="none" strike="noStrike">
+      <a:defRPr sz="1400" b="0" i="0" u="none" strike="noStrike" cap="none">
         <a:solidFill>
           <a:srgbClr val="000000"/>
         </a:solidFill>
@@ -151,7 +154,7 @@
         <a:sym typeface="Arial"/>
       </a:defRPr>
     </a:lvl5pPr>
-    <a:lvl6pPr lvl="5" marR="0" rtl="0" algn="l">
+    <a:lvl6pPr marR="0" lvl="5" algn="l" rtl="0">
       <a:lnSpc>
         <a:spcPct val="100000"/>
       </a:lnSpc>
@@ -165,7 +168,7 @@
         <a:srgbClr val="000000"/>
       </a:buClr>
       <a:buFont typeface="Arial"/>
-      <a:defRPr b="0" i="0" sz="1400" u="none" cap="none" strike="noStrike">
+      <a:defRPr sz="1400" b="0" i="0" u="none" strike="noStrike" cap="none">
         <a:solidFill>
           <a:srgbClr val="000000"/>
         </a:solidFill>
@@ -175,7 +178,7 @@
         <a:sym typeface="Arial"/>
       </a:defRPr>
     </a:lvl6pPr>
-    <a:lvl7pPr lvl="6" marR="0" rtl="0" algn="l">
+    <a:lvl7pPr marR="0" lvl="6" algn="l" rtl="0">
       <a:lnSpc>
         <a:spcPct val="100000"/>
       </a:lnSpc>
@@ -189,7 +192,7 @@
         <a:srgbClr val="000000"/>
       </a:buClr>
       <a:buFont typeface="Arial"/>
-      <a:defRPr b="0" i="0" sz="1400" u="none" cap="none" strike="noStrike">
+      <a:defRPr sz="1400" b="0" i="0" u="none" strike="noStrike" cap="none">
         <a:solidFill>
           <a:srgbClr val="000000"/>
         </a:solidFill>
@@ -199,7 +202,7 @@
         <a:sym typeface="Arial"/>
       </a:defRPr>
     </a:lvl7pPr>
-    <a:lvl8pPr lvl="7" marR="0" rtl="0" algn="l">
+    <a:lvl8pPr marR="0" lvl="7" algn="l" rtl="0">
       <a:lnSpc>
         <a:spcPct val="100000"/>
       </a:lnSpc>
@@ -213,7 +216,7 @@
         <a:srgbClr val="000000"/>
       </a:buClr>
       <a:buFont typeface="Arial"/>
-      <a:defRPr b="0" i="0" sz="1400" u="none" cap="none" strike="noStrike">
+      <a:defRPr sz="1400" b="0" i="0" u="none" strike="noStrike" cap="none">
         <a:solidFill>
           <a:srgbClr val="000000"/>
         </a:solidFill>
@@ -223,7 +226,7 @@
         <a:sym typeface="Arial"/>
       </a:defRPr>
     </a:lvl8pPr>
-    <a:lvl9pPr lvl="8" marR="0" rtl="0" algn="l">
+    <a:lvl9pPr marR="0" lvl="8" algn="l" rtl="0">
       <a:lnSpc>
         <a:spcPct val="100000"/>
       </a:lnSpc>
@@ -237,7 +240,7 @@
         <a:srgbClr val="000000"/>
       </a:buClr>
       <a:buFont typeface="Arial"/>
-      <a:defRPr b="0" i="0" sz="1400" u="none" cap="none" strike="noStrike">
+      <a:defRPr sz="1400" b="0" i="0" u="none" strike="noStrike" cap="none">
         <a:solidFill>
           <a:srgbClr val="000000"/>
         </a:solidFill>
@@ -250,7 +253,7 @@
   </p:defaultTextStyle>
   <p:extLst>
     <p:ext uri="{EFAFB233-063F-42B5-8137-9DF3F51BA10A}">
-      <p15:sldGuideLst>
+      <p15:sldGuideLst xmlns:p15="http://schemas.microsoft.com/office/powerpoint/2012/main">
         <p15:guide id="1" orient="horz" pos="1620">
           <p15:clr>
             <a:srgbClr val="A4A3A4"/>
@@ -268,11 +271,16 @@
 </file>
 
 <file path=ppt/notesMasters/notesMaster1.xml><?xml version="1.0" encoding="utf-8"?>
-<p:notesMaster xmlns:a="http://schemas.openxmlformats.org/drawingml/2006/main" xmlns:r="http://schemas.openxmlformats.org/officeDocument/2006/relationships" xmlns:mc="http://schemas.openxmlformats.org/markup-compatibility/2006" xmlns:mv="urn:schemas-microsoft-com:mac:vml" xmlns:p="http://schemas.openxmlformats.org/presentationml/2006/main" xmlns:c="http://schemas.openxmlformats.org/drawingml/2006/chart" xmlns:dgm="http://schemas.openxmlformats.org/drawingml/2006/diagram" xmlns:o="urn:schemas-microsoft-com:office:office" xmlns:v="urn:schemas-microsoft-com:vml" xmlns:pvml="urn:schemas-microsoft-com:office:powerpoint" xmlns:com="http://schemas.openxmlformats.org/drawingml/2006/compatibility" xmlns:p14="http://schemas.microsoft.com/office/powerpoint/2010/main" xmlns:p15="http://schemas.microsoft.com/office/powerpoint/2012/main" xmlns:ahyp="http://schemas.microsoft.com/office/drawing/2018/hyperlinkcolor">
+<p:notesMaster xmlns:a="http://schemas.openxmlformats.org/drawingml/2006/main" xmlns:r="http://schemas.openxmlformats.org/officeDocument/2006/relationships" xmlns:p="http://schemas.openxmlformats.org/presentationml/2006/main">
   <p:cSld>
+    <p:bg>
+      <p:bgRef idx="1001">
+        <a:schemeClr val="bg1"/>
+      </p:bgRef>
+    </p:bg>
     <p:spTree>
       <p:nvGrpSpPr>
-        <p:cNvPr id="2" name="Shape 2"/>
+        <p:cNvPr id="1" name="Shape 2"/>
         <p:cNvGrpSpPr/>
         <p:nvPr/>
       </p:nvGrpSpPr>
@@ -287,9 +295,11 @@
       <p:sp>
         <p:nvSpPr>
           <p:cNvPr id="3" name="Google Shape;3;n"/>
-          <p:cNvSpPr/>
+          <p:cNvSpPr>
+            <a:spLocks noGrp="1" noRot="1" noChangeAspect="1"/>
+          </p:cNvSpPr>
           <p:nvPr>
-            <p:ph idx="2" type="sldImg"/>
+            <p:ph type="sldImg" idx="2"/>
           </p:nvPr>
         </p:nvSpPr>
         <p:spPr>
@@ -298,9 +308,13 @@
             <a:ext cx="6096075" cy="3429000"/>
           </a:xfrm>
           <a:custGeom>
-            <a:rect b="b" l="l" r="r" t="t"/>
+            <a:avLst/>
+            <a:gdLst/>
+            <a:ahLst/>
+            <a:cxnLst/>
+            <a:rect l="l" t="t" r="r" b="b"/>
             <a:pathLst>
-              <a:path extrusionOk="0" h="120000" w="120000">
+              <a:path w="120000" h="120000" extrusionOk="0">
                 <a:moveTo>
                   <a:pt x="0" y="0"/>
                 </a:moveTo>
@@ -318,23 +332,25 @@
             </a:pathLst>
           </a:custGeom>
           <a:noFill/>
-          <a:ln cap="flat" cmpd="sng" w="9525">
+          <a:ln w="9525" cap="flat" cmpd="sng">
             <a:solidFill>
               <a:srgbClr val="000000"/>
             </a:solidFill>
             <a:prstDash val="solid"/>
             <a:round/>
-            <a:headEnd len="sm" w="sm" type="none"/>
-            <a:tailEnd len="sm" w="sm" type="none"/>
+            <a:headEnd type="none" w="sm" len="sm"/>
+            <a:tailEnd type="none" w="sm" len="sm"/>
           </a:ln>
         </p:spPr>
       </p:sp>
       <p:sp>
         <p:nvSpPr>
           <p:cNvPr id="4" name="Google Shape;4;n"/>
-          <p:cNvSpPr txBox="1"/>
+          <p:cNvSpPr txBox="1">
+            <a:spLocks noGrp="1"/>
+          </p:cNvSpPr>
           <p:nvPr>
-            <p:ph idx="1" type="body"/>
+            <p:ph type="body" idx="1"/>
           </p:nvPr>
         </p:nvSpPr>
         <p:spPr>
@@ -351,11 +367,11 @@
           </a:ln>
         </p:spPr>
         <p:txBody>
-          <a:bodyPr anchorCtr="0" anchor="t" bIns="91425" lIns="91425" spcFirstLastPara="1" rIns="91425" wrap="square" tIns="91425">
+          <a:bodyPr spcFirstLastPara="1" wrap="square" lIns="91425" tIns="91425" rIns="91425" bIns="91425" anchor="t" anchorCtr="0">
             <a:noAutofit/>
           </a:bodyPr>
           <a:lstStyle>
-            <a:lvl1pPr indent="-298450" lvl="0" marL="457200">
+            <a:lvl1pPr marL="457200" lvl="0" indent="-298450">
               <a:spcBef>
                 <a:spcPts val="0"/>
               </a:spcBef>
@@ -366,7 +382,7 @@
               <a:buChar char="●"/>
               <a:defRPr sz="1100"/>
             </a:lvl1pPr>
-            <a:lvl2pPr indent="-298450" lvl="1" marL="914400">
+            <a:lvl2pPr marL="914400" lvl="1" indent="-298450">
               <a:spcBef>
                 <a:spcPts val="0"/>
               </a:spcBef>
@@ -377,7 +393,7 @@
               <a:buChar char="○"/>
               <a:defRPr sz="1100"/>
             </a:lvl2pPr>
-            <a:lvl3pPr indent="-298450" lvl="2" marL="1371600">
+            <a:lvl3pPr marL="1371600" lvl="2" indent="-298450">
               <a:spcBef>
                 <a:spcPts val="0"/>
               </a:spcBef>
@@ -388,7 +404,7 @@
               <a:buChar char="■"/>
               <a:defRPr sz="1100"/>
             </a:lvl3pPr>
-            <a:lvl4pPr indent="-298450" lvl="3" marL="1828800">
+            <a:lvl4pPr marL="1828800" lvl="3" indent="-298450">
               <a:spcBef>
                 <a:spcPts val="0"/>
               </a:spcBef>
@@ -399,7 +415,7 @@
               <a:buChar char="●"/>
               <a:defRPr sz="1100"/>
             </a:lvl4pPr>
-            <a:lvl5pPr indent="-298450" lvl="4" marL="2286000">
+            <a:lvl5pPr marL="2286000" lvl="4" indent="-298450">
               <a:spcBef>
                 <a:spcPts val="0"/>
               </a:spcBef>
@@ -410,7 +426,7 @@
               <a:buChar char="○"/>
               <a:defRPr sz="1100"/>
             </a:lvl5pPr>
-            <a:lvl6pPr indent="-298450" lvl="5" marL="2743200">
+            <a:lvl6pPr marL="2743200" lvl="5" indent="-298450">
               <a:spcBef>
                 <a:spcPts val="0"/>
               </a:spcBef>
@@ -421,7 +437,7 @@
               <a:buChar char="■"/>
               <a:defRPr sz="1100"/>
             </a:lvl6pPr>
-            <a:lvl7pPr indent="-298450" lvl="6" marL="3200400">
+            <a:lvl7pPr marL="3200400" lvl="6" indent="-298450">
               <a:spcBef>
                 <a:spcPts val="0"/>
               </a:spcBef>
@@ -432,7 +448,7 @@
               <a:buChar char="●"/>
               <a:defRPr sz="1100"/>
             </a:lvl7pPr>
-            <a:lvl8pPr indent="-298450" lvl="7" marL="3657600">
+            <a:lvl8pPr marL="3657600" lvl="7" indent="-298450">
               <a:spcBef>
                 <a:spcPts val="0"/>
               </a:spcBef>
@@ -443,7 +459,7 @@
               <a:buChar char="○"/>
               <a:defRPr sz="1100"/>
             </a:lvl8pPr>
-            <a:lvl9pPr indent="-298450" lvl="8" marL="4114800">
+            <a:lvl9pPr marL="4114800" lvl="8" indent="-298450">
               <a:spcBef>
                 <a:spcPts val="0"/>
               </a:spcBef>
@@ -455,14 +471,16 @@
               <a:defRPr sz="1100"/>
             </a:lvl9pPr>
           </a:lstStyle>
-          <a:p/>
+          <a:p>
+            <a:endParaRPr/>
+          </a:p>
         </p:txBody>
       </p:sp>
     </p:spTree>
   </p:cSld>
-  <p:clrMap accent1="accent1" accent2="accent2" accent3="accent3" accent4="accent4" accent5="accent5" accent6="accent6" bg1="lt1" bg2="dk2" tx1="dk1" tx2="lt2" folHlink="folHlink" hlink="hlink"/>
+  <p:clrMap bg1="lt1" tx1="dk1" bg2="dk2" tx2="lt2" accent1="accent1" accent2="accent2" accent3="accent3" accent4="accent4" accent5="accent5" accent6="accent6" hlink="hlink" folHlink="folHlink"/>
   <p:notesStyle>
-    <a:defPPr lvl="0" marR="0" rtl="0" algn="l">
+    <a:defPPr marR="0" lvl="0" algn="l" rtl="0">
       <a:lnSpc>
         <a:spcPct val="100000"/>
       </a:lnSpc>
@@ -473,7 +491,7 @@
         <a:spcPts val="0"/>
       </a:spcAft>
     </a:defPPr>
-    <a:lvl1pPr lvl="0" marR="0" rtl="0" algn="l">
+    <a:lvl1pPr marR="0" lvl="0" algn="l" rtl="0">
       <a:lnSpc>
         <a:spcPct val="100000"/>
       </a:lnSpc>
@@ -487,7 +505,7 @@
         <a:srgbClr val="000000"/>
       </a:buClr>
       <a:buFont typeface="Arial"/>
-      <a:defRPr b="0" i="0" sz="1400" u="none" cap="none" strike="noStrike">
+      <a:defRPr sz="1400" b="0" i="0" u="none" strike="noStrike" cap="none">
         <a:solidFill>
           <a:srgbClr val="000000"/>
         </a:solidFill>
@@ -497,7 +515,7 @@
         <a:sym typeface="Arial"/>
       </a:defRPr>
     </a:lvl1pPr>
-    <a:lvl2pPr lvl="1" marR="0" rtl="0" algn="l">
+    <a:lvl2pPr marR="0" lvl="1" algn="l" rtl="0">
       <a:lnSpc>
         <a:spcPct val="100000"/>
       </a:lnSpc>
@@ -511,7 +529,7 @@
         <a:srgbClr val="000000"/>
       </a:buClr>
       <a:buFont typeface="Arial"/>
-      <a:defRPr b="0" i="0" sz="1400" u="none" cap="none" strike="noStrike">
+      <a:defRPr sz="1400" b="0" i="0" u="none" strike="noStrike" cap="none">
         <a:solidFill>
           <a:srgbClr val="000000"/>
         </a:solidFill>
@@ -521,7 +539,7 @@
         <a:sym typeface="Arial"/>
       </a:defRPr>
     </a:lvl2pPr>
-    <a:lvl3pPr lvl="2" marR="0" rtl="0" algn="l">
+    <a:lvl3pPr marR="0" lvl="2" algn="l" rtl="0">
       <a:lnSpc>
         <a:spcPct val="100000"/>
       </a:lnSpc>
@@ -535,7 +553,7 @@
         <a:srgbClr val="000000"/>
       </a:buClr>
       <a:buFont typeface="Arial"/>
-      <a:defRPr b="0" i="0" sz="1400" u="none" cap="none" strike="noStrike">
+      <a:defRPr sz="1400" b="0" i="0" u="none" strike="noStrike" cap="none">
         <a:solidFill>
           <a:srgbClr val="000000"/>
         </a:solidFill>
@@ -545,7 +563,7 @@
         <a:sym typeface="Arial"/>
       </a:defRPr>
     </a:lvl3pPr>
-    <a:lvl4pPr lvl="3" marR="0" rtl="0" algn="l">
+    <a:lvl4pPr marR="0" lvl="3" algn="l" rtl="0">
       <a:lnSpc>
         <a:spcPct val="100000"/>
       </a:lnSpc>
@@ -559,7 +577,7 @@
         <a:srgbClr val="000000"/>
       </a:buClr>
       <a:buFont typeface="Arial"/>
-      <a:defRPr b="0" i="0" sz="1400" u="none" cap="none" strike="noStrike">
+      <a:defRPr sz="1400" b="0" i="0" u="none" strike="noStrike" cap="none">
         <a:solidFill>
           <a:srgbClr val="000000"/>
         </a:solidFill>
@@ -569,7 +587,7 @@
         <a:sym typeface="Arial"/>
       </a:defRPr>
     </a:lvl4pPr>
-    <a:lvl5pPr lvl="4" marR="0" rtl="0" algn="l">
+    <a:lvl5pPr marR="0" lvl="4" algn="l" rtl="0">
       <a:lnSpc>
         <a:spcPct val="100000"/>
       </a:lnSpc>
@@ -583,7 +601,7 @@
         <a:srgbClr val="000000"/>
       </a:buClr>
       <a:buFont typeface="Arial"/>
-      <a:defRPr b="0" i="0" sz="1400" u="none" cap="none" strike="noStrike">
+      <a:defRPr sz="1400" b="0" i="0" u="none" strike="noStrike" cap="none">
         <a:solidFill>
           <a:srgbClr val="000000"/>
         </a:solidFill>
@@ -593,7 +611,7 @@
         <a:sym typeface="Arial"/>
       </a:defRPr>
     </a:lvl5pPr>
-    <a:lvl6pPr lvl="5" marR="0" rtl="0" algn="l">
+    <a:lvl6pPr marR="0" lvl="5" algn="l" rtl="0">
       <a:lnSpc>
         <a:spcPct val="100000"/>
       </a:lnSpc>
@@ -607,7 +625,7 @@
         <a:srgbClr val="000000"/>
       </a:buClr>
       <a:buFont typeface="Arial"/>
-      <a:defRPr b="0" i="0" sz="1400" u="none" cap="none" strike="noStrike">
+      <a:defRPr sz="1400" b="0" i="0" u="none" strike="noStrike" cap="none">
         <a:solidFill>
           <a:srgbClr val="000000"/>
         </a:solidFill>
@@ -617,7 +635,7 @@
         <a:sym typeface="Arial"/>
       </a:defRPr>
     </a:lvl6pPr>
-    <a:lvl7pPr lvl="6" marR="0" rtl="0" algn="l">
+    <a:lvl7pPr marR="0" lvl="6" algn="l" rtl="0">
       <a:lnSpc>
         <a:spcPct val="100000"/>
       </a:lnSpc>
@@ -631,7 +649,7 @@
         <a:srgbClr val="000000"/>
       </a:buClr>
       <a:buFont typeface="Arial"/>
-      <a:defRPr b="0" i="0" sz="1400" u="none" cap="none" strike="noStrike">
+      <a:defRPr sz="1400" b="0" i="0" u="none" strike="noStrike" cap="none">
         <a:solidFill>
           <a:srgbClr val="000000"/>
         </a:solidFill>
@@ -641,7 +659,7 @@
         <a:sym typeface="Arial"/>
       </a:defRPr>
     </a:lvl7pPr>
-    <a:lvl8pPr lvl="7" marR="0" rtl="0" algn="l">
+    <a:lvl8pPr marR="0" lvl="7" algn="l" rtl="0">
       <a:lnSpc>
         <a:spcPct val="100000"/>
       </a:lnSpc>
@@ -655,7 +673,7 @@
         <a:srgbClr val="000000"/>
       </a:buClr>
       <a:buFont typeface="Arial"/>
-      <a:defRPr b="0" i="0" sz="1400" u="none" cap="none" strike="noStrike">
+      <a:defRPr sz="1400" b="0" i="0" u="none" strike="noStrike" cap="none">
         <a:solidFill>
           <a:srgbClr val="000000"/>
         </a:solidFill>
@@ -665,7 +683,7 @@
         <a:sym typeface="Arial"/>
       </a:defRPr>
     </a:lvl8pPr>
-    <a:lvl9pPr lvl="8" marR="0" rtl="0" algn="l">
+    <a:lvl9pPr marR="0" lvl="8" algn="l" rtl="0">
       <a:lnSpc>
         <a:spcPct val="100000"/>
       </a:lnSpc>
@@ -679,7 +697,7 @@
         <a:srgbClr val="000000"/>
       </a:buClr>
       <a:buFont typeface="Arial"/>
-      <a:defRPr b="0" i="0" sz="1400" u="none" cap="none" strike="noStrike">
+      <a:defRPr sz="1400" b="0" i="0" u="none" strike="noStrike" cap="none">
         <a:solidFill>
           <a:srgbClr val="000000"/>
         </a:solidFill>
@@ -694,11 +712,11 @@
 </file>
 
 <file path=ppt/notesSlides/notesSlide1.xml><?xml version="1.0" encoding="utf-8"?>
-<p:notes xmlns:a="http://schemas.openxmlformats.org/drawingml/2006/main" xmlns:r="http://schemas.openxmlformats.org/officeDocument/2006/relationships" xmlns:mc="http://schemas.openxmlformats.org/markup-compatibility/2006" xmlns:mv="urn:schemas-microsoft-com:mac:vml" xmlns:p="http://schemas.openxmlformats.org/presentationml/2006/main" xmlns:c="http://schemas.openxmlformats.org/drawingml/2006/chart" xmlns:dgm="http://schemas.openxmlformats.org/drawingml/2006/diagram" xmlns:o="urn:schemas-microsoft-com:office:office" xmlns:v="urn:schemas-microsoft-com:vml" xmlns:pvml="urn:schemas-microsoft-com:office:powerpoint" xmlns:com="http://schemas.openxmlformats.org/drawingml/2006/compatibility" xmlns:p14="http://schemas.microsoft.com/office/powerpoint/2010/main" xmlns:p15="http://schemas.microsoft.com/office/powerpoint/2012/main" xmlns:ahyp="http://schemas.microsoft.com/office/drawing/2018/hyperlinkcolor" showMasterPhAnim="0" showMasterSp="0">
+<p:notes xmlns:a="http://schemas.openxmlformats.org/drawingml/2006/main" xmlns:r="http://schemas.openxmlformats.org/officeDocument/2006/relationships" xmlns:p="http://schemas.openxmlformats.org/presentationml/2006/main" showMasterSp="0" showMasterPhAnim="0">
   <p:cSld>
     <p:spTree>
       <p:nvGrpSpPr>
-        <p:cNvPr id="50" name="Shape 50"/>
+        <p:cNvPr id="1" name="Shape 50"/>
         <p:cNvGrpSpPr/>
         <p:nvPr/>
       </p:nvGrpSpPr>
@@ -713,20 +731,26 @@
       <p:sp>
         <p:nvSpPr>
           <p:cNvPr id="51" name="Google Shape;51;p:notes"/>
-          <p:cNvSpPr/>
+          <p:cNvSpPr>
+            <a:spLocks noGrp="1" noRot="1" noChangeAspect="1"/>
+          </p:cNvSpPr>
           <p:nvPr>
-            <p:ph idx="2" type="sldImg"/>
+            <p:ph type="sldImg" idx="2"/>
           </p:nvPr>
         </p:nvSpPr>
         <p:spPr>
           <a:xfrm>
-            <a:off x="381300" y="685800"/>
-            <a:ext cx="6096075" cy="3429000"/>
+            <a:off x="381000" y="685800"/>
+            <a:ext cx="6096000" cy="3429000"/>
           </a:xfrm>
           <a:custGeom>
-            <a:rect b="b" l="l" r="r" t="t"/>
+            <a:avLst/>
+            <a:gdLst/>
+            <a:ahLst/>
+            <a:cxnLst/>
+            <a:rect l="l" t="t" r="r" b="b"/>
             <a:pathLst>
-              <a:path extrusionOk="0" h="120000" w="120000">
+              <a:path w="120000" h="120000" extrusionOk="0">
                 <a:moveTo>
                   <a:pt x="0" y="0"/>
                 </a:moveTo>
@@ -748,9 +772,11 @@
       <p:sp>
         <p:nvSpPr>
           <p:cNvPr id="52" name="Google Shape;52;p:notes"/>
-          <p:cNvSpPr txBox="1"/>
+          <p:cNvSpPr txBox="1">
+            <a:spLocks noGrp="1"/>
+          </p:cNvSpPr>
           <p:nvPr>
-            <p:ph idx="1" type="body"/>
+            <p:ph type="body" idx="1"/>
           </p:nvPr>
         </p:nvSpPr>
         <p:spPr>
@@ -763,12 +789,12 @@
           </a:prstGeom>
         </p:spPr>
         <p:txBody>
-          <a:bodyPr anchorCtr="0" anchor="t" bIns="91425" lIns="91425" spcFirstLastPara="1" rIns="91425" wrap="square" tIns="91425">
+          <a:bodyPr spcFirstLastPara="1" wrap="square" lIns="91425" tIns="91425" rIns="91425" bIns="91425" anchor="t" anchorCtr="0">
             <a:noAutofit/>
           </a:bodyPr>
           <a:lstStyle/>
           <a:p>
-            <a:pPr indent="0" lvl="0" marL="0" rtl="0" algn="l">
+            <a:pPr marL="0" lvl="0" indent="0" algn="l" rtl="0">
               <a:spcBef>
                 <a:spcPts val="0"/>
               </a:spcBef>
@@ -777,9 +803,110 @@
               </a:spcAft>
               <a:buNone/>
             </a:pPr>
-            <a:r>
-              <a:t/>
-            </a:r>
+            <a:endParaRPr/>
+          </a:p>
+        </p:txBody>
+      </p:sp>
+    </p:spTree>
+  </p:cSld>
+  <p:clrMapOvr>
+    <a:masterClrMapping/>
+  </p:clrMapOvr>
+</p:notes>
+</file>
+
+<file path=ppt/notesSlides/notesSlide10.xml><?xml version="1.0" encoding="utf-8"?>
+<p:notes xmlns:a="http://schemas.openxmlformats.org/drawingml/2006/main" xmlns:r="http://schemas.openxmlformats.org/officeDocument/2006/relationships" xmlns:p="http://schemas.openxmlformats.org/presentationml/2006/main" showMasterSp="0" showMasterPhAnim="0">
+  <p:cSld>
+    <p:spTree>
+      <p:nvGrpSpPr>
+        <p:cNvPr id="1" name="Shape 115"/>
+        <p:cNvGrpSpPr/>
+        <p:nvPr/>
+      </p:nvGrpSpPr>
+      <p:grpSpPr>
+        <a:xfrm>
+          <a:off x="0" y="0"/>
+          <a:ext cx="0" cy="0"/>
+          <a:chOff x="0" y="0"/>
+          <a:chExt cx="0" cy="0"/>
+        </a:xfrm>
+      </p:grpSpPr>
+      <p:sp>
+        <p:nvSpPr>
+          <p:cNvPr id="116" name="Google Shape;116;g143e626ac9a_0_25:notes"/>
+          <p:cNvSpPr>
+            <a:spLocks noGrp="1" noRot="1" noChangeAspect="1"/>
+          </p:cNvSpPr>
+          <p:nvPr>
+            <p:ph type="sldImg" idx="2"/>
+          </p:nvPr>
+        </p:nvSpPr>
+        <p:spPr>
+          <a:xfrm>
+            <a:off x="381000" y="685800"/>
+            <a:ext cx="6096000" cy="3429000"/>
+          </a:xfrm>
+          <a:custGeom>
+            <a:avLst/>
+            <a:gdLst/>
+            <a:ahLst/>
+            <a:cxnLst/>
+            <a:rect l="l" t="t" r="r" b="b"/>
+            <a:pathLst>
+              <a:path w="120000" h="120000" extrusionOk="0">
+                <a:moveTo>
+                  <a:pt x="0" y="0"/>
+                </a:moveTo>
+                <a:lnTo>
+                  <a:pt x="120000" y="0"/>
+                </a:lnTo>
+                <a:lnTo>
+                  <a:pt x="120000" y="120000"/>
+                </a:lnTo>
+                <a:lnTo>
+                  <a:pt x="0" y="120000"/>
+                </a:lnTo>
+                <a:close/>
+              </a:path>
+            </a:pathLst>
+          </a:custGeom>
+        </p:spPr>
+      </p:sp>
+      <p:sp>
+        <p:nvSpPr>
+          <p:cNvPr id="117" name="Google Shape;117;g143e626ac9a_0_25:notes"/>
+          <p:cNvSpPr txBox="1">
+            <a:spLocks noGrp="1"/>
+          </p:cNvSpPr>
+          <p:nvPr>
+            <p:ph type="body" idx="1"/>
+          </p:nvPr>
+        </p:nvSpPr>
+        <p:spPr>
+          <a:xfrm>
+            <a:off x="685800" y="4343400"/>
+            <a:ext cx="5486400" cy="4114800"/>
+          </a:xfrm>
+          <a:prstGeom prst="rect">
+            <a:avLst/>
+          </a:prstGeom>
+        </p:spPr>
+        <p:txBody>
+          <a:bodyPr spcFirstLastPara="1" wrap="square" lIns="91425" tIns="91425" rIns="91425" bIns="91425" anchor="t" anchorCtr="0">
+            <a:noAutofit/>
+          </a:bodyPr>
+          <a:lstStyle/>
+          <a:p>
+            <a:pPr marL="0" lvl="0" indent="0" algn="l" rtl="0">
+              <a:spcBef>
+                <a:spcPts val="0"/>
+              </a:spcBef>
+              <a:spcAft>
+                <a:spcPts val="0"/>
+              </a:spcAft>
+              <a:buNone/>
+            </a:pPr>
             <a:endParaRPr/>
           </a:p>
         </p:txBody>
@@ -793,11 +920,11 @@
 </file>
 
 <file path=ppt/notesSlides/notesSlide2.xml><?xml version="1.0" encoding="utf-8"?>
-<p:notes xmlns:a="http://schemas.openxmlformats.org/drawingml/2006/main" xmlns:r="http://schemas.openxmlformats.org/officeDocument/2006/relationships" xmlns:mc="http://schemas.openxmlformats.org/markup-compatibility/2006" xmlns:mv="urn:schemas-microsoft-com:mac:vml" xmlns:p="http://schemas.openxmlformats.org/presentationml/2006/main" xmlns:c="http://schemas.openxmlformats.org/drawingml/2006/chart" xmlns:dgm="http://schemas.openxmlformats.org/drawingml/2006/diagram" xmlns:o="urn:schemas-microsoft-com:office:office" xmlns:v="urn:schemas-microsoft-com:vml" xmlns:pvml="urn:schemas-microsoft-com:office:powerpoint" xmlns:com="http://schemas.openxmlformats.org/drawingml/2006/compatibility" xmlns:p14="http://schemas.microsoft.com/office/powerpoint/2010/main" xmlns:p15="http://schemas.microsoft.com/office/powerpoint/2012/main" xmlns:ahyp="http://schemas.microsoft.com/office/drawing/2018/hyperlinkcolor" showMasterPhAnim="0" showMasterSp="0">
+<p:notes xmlns:a="http://schemas.openxmlformats.org/drawingml/2006/main" xmlns:r="http://schemas.openxmlformats.org/officeDocument/2006/relationships" xmlns:p="http://schemas.openxmlformats.org/presentationml/2006/main" showMasterSp="0" showMasterPhAnim="0">
   <p:cSld>
     <p:spTree>
       <p:nvGrpSpPr>
-        <p:cNvPr id="56" name="Shape 56"/>
+        <p:cNvPr id="1" name="Shape 56"/>
         <p:cNvGrpSpPr/>
         <p:nvPr/>
       </p:nvGrpSpPr>
@@ -812,20 +939,26 @@
       <p:sp>
         <p:nvSpPr>
           <p:cNvPr id="57" name="Google Shape;57;g143e626ac9a_0_0:notes"/>
-          <p:cNvSpPr/>
+          <p:cNvSpPr>
+            <a:spLocks noGrp="1" noRot="1" noChangeAspect="1"/>
+          </p:cNvSpPr>
           <p:nvPr>
-            <p:ph idx="2" type="sldImg"/>
+            <p:ph type="sldImg" idx="2"/>
           </p:nvPr>
         </p:nvSpPr>
         <p:spPr>
           <a:xfrm>
-            <a:off x="381300" y="685800"/>
+            <a:off x="381000" y="685800"/>
             <a:ext cx="6096000" cy="3429000"/>
           </a:xfrm>
           <a:custGeom>
-            <a:rect b="b" l="l" r="r" t="t"/>
+            <a:avLst/>
+            <a:gdLst/>
+            <a:ahLst/>
+            <a:cxnLst/>
+            <a:rect l="l" t="t" r="r" b="b"/>
             <a:pathLst>
-              <a:path extrusionOk="0" h="120000" w="120000">
+              <a:path w="120000" h="120000" extrusionOk="0">
                 <a:moveTo>
                   <a:pt x="0" y="0"/>
                 </a:moveTo>
@@ -847,9 +980,11 @@
       <p:sp>
         <p:nvSpPr>
           <p:cNvPr id="58" name="Google Shape;58;g143e626ac9a_0_0:notes"/>
-          <p:cNvSpPr txBox="1"/>
+          <p:cNvSpPr txBox="1">
+            <a:spLocks noGrp="1"/>
+          </p:cNvSpPr>
           <p:nvPr>
-            <p:ph idx="1" type="body"/>
+            <p:ph type="body" idx="1"/>
           </p:nvPr>
         </p:nvSpPr>
         <p:spPr>
@@ -862,12 +997,12 @@
           </a:prstGeom>
         </p:spPr>
         <p:txBody>
-          <a:bodyPr anchorCtr="0" anchor="t" bIns="91425" lIns="91425" spcFirstLastPara="1" rIns="91425" wrap="square" tIns="91425">
+          <a:bodyPr spcFirstLastPara="1" wrap="square" lIns="91425" tIns="91425" rIns="91425" bIns="91425" anchor="t" anchorCtr="0">
             <a:noAutofit/>
           </a:bodyPr>
           <a:lstStyle/>
           <a:p>
-            <a:pPr indent="0" lvl="0" marL="0" rtl="0" algn="l">
+            <a:pPr marL="0" lvl="0" indent="0" algn="l" rtl="0">
               <a:spcBef>
                 <a:spcPts val="0"/>
               </a:spcBef>
@@ -876,14 +1011,16 @@
               </a:spcAft>
               <a:buNone/>
             </a:pPr>
-            <a:r>
-              <a:t/>
-            </a:r>
             <a:endParaRPr/>
           </a:p>
         </p:txBody>
       </p:sp>
     </p:spTree>
+    <p:extLst>
+      <p:ext uri="{BB962C8B-B14F-4D97-AF65-F5344CB8AC3E}">
+        <p14:creationId xmlns:p14="http://schemas.microsoft.com/office/powerpoint/2010/main" val="170487903"/>
+      </p:ext>
+    </p:extLst>
   </p:cSld>
   <p:clrMapOvr>
     <a:masterClrMapping/>
@@ -892,11 +1029,11 @@
 </file>
 
 <file path=ppt/notesSlides/notesSlide3.xml><?xml version="1.0" encoding="utf-8"?>
-<p:notes xmlns:a="http://schemas.openxmlformats.org/drawingml/2006/main" xmlns:r="http://schemas.openxmlformats.org/officeDocument/2006/relationships" xmlns:mc="http://schemas.openxmlformats.org/markup-compatibility/2006" xmlns:mv="urn:schemas-microsoft-com:mac:vml" xmlns:p="http://schemas.openxmlformats.org/presentationml/2006/main" xmlns:c="http://schemas.openxmlformats.org/drawingml/2006/chart" xmlns:dgm="http://schemas.openxmlformats.org/drawingml/2006/diagram" xmlns:o="urn:schemas-microsoft-com:office:office" xmlns:v="urn:schemas-microsoft-com:vml" xmlns:pvml="urn:schemas-microsoft-com:office:powerpoint" xmlns:com="http://schemas.openxmlformats.org/drawingml/2006/compatibility" xmlns:p14="http://schemas.microsoft.com/office/powerpoint/2010/main" xmlns:p15="http://schemas.microsoft.com/office/powerpoint/2012/main" xmlns:ahyp="http://schemas.microsoft.com/office/drawing/2018/hyperlinkcolor" showMasterPhAnim="0" showMasterSp="0">
+<p:notes xmlns:a="http://schemas.openxmlformats.org/drawingml/2006/main" xmlns:r="http://schemas.openxmlformats.org/officeDocument/2006/relationships" xmlns:p="http://schemas.openxmlformats.org/presentationml/2006/main" showMasterSp="0" showMasterPhAnim="0">
   <p:cSld>
     <p:spTree>
       <p:nvGrpSpPr>
-        <p:cNvPr id="62" name="Shape 62"/>
+        <p:cNvPr id="1" name="Shape 62"/>
         <p:cNvGrpSpPr/>
         <p:nvPr/>
       </p:nvGrpSpPr>
@@ -911,20 +1048,26 @@
       <p:sp>
         <p:nvSpPr>
           <p:cNvPr id="63" name="Google Shape;63;g143e626ac9a_0_5:notes"/>
-          <p:cNvSpPr/>
+          <p:cNvSpPr>
+            <a:spLocks noGrp="1" noRot="1" noChangeAspect="1"/>
+          </p:cNvSpPr>
           <p:nvPr>
-            <p:ph idx="2" type="sldImg"/>
+            <p:ph type="sldImg" idx="2"/>
           </p:nvPr>
         </p:nvSpPr>
         <p:spPr>
           <a:xfrm>
-            <a:off x="381300" y="685800"/>
+            <a:off x="381000" y="685800"/>
             <a:ext cx="6096000" cy="3429000"/>
           </a:xfrm>
           <a:custGeom>
-            <a:rect b="b" l="l" r="r" t="t"/>
+            <a:avLst/>
+            <a:gdLst/>
+            <a:ahLst/>
+            <a:cxnLst/>
+            <a:rect l="l" t="t" r="r" b="b"/>
             <a:pathLst>
-              <a:path extrusionOk="0" h="120000" w="120000">
+              <a:path w="120000" h="120000" extrusionOk="0">
                 <a:moveTo>
                   <a:pt x="0" y="0"/>
                 </a:moveTo>
@@ -946,9 +1089,11 @@
       <p:sp>
         <p:nvSpPr>
           <p:cNvPr id="64" name="Google Shape;64;g143e626ac9a_0_5:notes"/>
-          <p:cNvSpPr txBox="1"/>
+          <p:cNvSpPr txBox="1">
+            <a:spLocks noGrp="1"/>
+          </p:cNvSpPr>
           <p:nvPr>
-            <p:ph idx="1" type="body"/>
+            <p:ph type="body" idx="1"/>
           </p:nvPr>
         </p:nvSpPr>
         <p:spPr>
@@ -961,12 +1106,12 @@
           </a:prstGeom>
         </p:spPr>
         <p:txBody>
-          <a:bodyPr anchorCtr="0" anchor="t" bIns="91425" lIns="91425" spcFirstLastPara="1" rIns="91425" wrap="square" tIns="91425">
+          <a:bodyPr spcFirstLastPara="1" wrap="square" lIns="91425" tIns="91425" rIns="91425" bIns="91425" anchor="t" anchorCtr="0">
             <a:noAutofit/>
           </a:bodyPr>
           <a:lstStyle/>
           <a:p>
-            <a:pPr indent="0" lvl="0" marL="0" rtl="0" algn="l">
+            <a:pPr marL="0" lvl="0" indent="0" algn="l" rtl="0">
               <a:spcBef>
                 <a:spcPts val="0"/>
               </a:spcBef>
@@ -977,16 +1122,12 @@
             </a:pPr>
             <a:r>
               <a:rPr lang="en-GB"/>
-              <a:t>With a config a user can set network  hyper</a:t>
-            </a:r>
-            <a:r>
-              <a:rPr lang="en-GB"/>
-              <a:t>parameters, parameters for training, select a dataset and if desired give a vector to generate images</a:t>
+              <a:t>With a config a user can set network  hyperparameters, parameters for training, select a dataset and if desired give a vector to generate images</a:t>
             </a:r>
             <a:endParaRPr/>
           </a:p>
           <a:p>
-            <a:pPr indent="0" lvl="0" marL="0" rtl="0" algn="l">
+            <a:pPr marL="0" lvl="0" indent="0" algn="l" rtl="0">
               <a:spcBef>
                 <a:spcPts val="0"/>
               </a:spcBef>
@@ -1012,11 +1153,11 @@
 </file>
 
 <file path=ppt/notesSlides/notesSlide4.xml><?xml version="1.0" encoding="utf-8"?>
-<p:notes xmlns:a="http://schemas.openxmlformats.org/drawingml/2006/main" xmlns:r="http://schemas.openxmlformats.org/officeDocument/2006/relationships" xmlns:mc="http://schemas.openxmlformats.org/markup-compatibility/2006" xmlns:mv="urn:schemas-microsoft-com:mac:vml" xmlns:p="http://schemas.openxmlformats.org/presentationml/2006/main" xmlns:c="http://schemas.openxmlformats.org/drawingml/2006/chart" xmlns:dgm="http://schemas.openxmlformats.org/drawingml/2006/diagram" xmlns:o="urn:schemas-microsoft-com:office:office" xmlns:v="urn:schemas-microsoft-com:vml" xmlns:pvml="urn:schemas-microsoft-com:office:powerpoint" xmlns:com="http://schemas.openxmlformats.org/drawingml/2006/compatibility" xmlns:p14="http://schemas.microsoft.com/office/powerpoint/2010/main" xmlns:p15="http://schemas.microsoft.com/office/powerpoint/2012/main" xmlns:ahyp="http://schemas.microsoft.com/office/drawing/2018/hyperlinkcolor" showMasterPhAnim="0" showMasterSp="0">
+<p:notes xmlns:a="http://schemas.openxmlformats.org/drawingml/2006/main" xmlns:r="http://schemas.openxmlformats.org/officeDocument/2006/relationships" xmlns:p="http://schemas.openxmlformats.org/presentationml/2006/main" showMasterSp="0" showMasterPhAnim="0">
   <p:cSld>
     <p:spTree>
       <p:nvGrpSpPr>
-        <p:cNvPr id="68" name="Shape 68"/>
+        <p:cNvPr id="1" name="Shape 68"/>
         <p:cNvGrpSpPr/>
         <p:nvPr/>
       </p:nvGrpSpPr>
@@ -1031,20 +1172,26 @@
       <p:sp>
         <p:nvSpPr>
           <p:cNvPr id="69" name="Google Shape;69;g143e626ac9a_0_15:notes"/>
-          <p:cNvSpPr/>
+          <p:cNvSpPr>
+            <a:spLocks noGrp="1" noRot="1" noChangeAspect="1"/>
+          </p:cNvSpPr>
           <p:nvPr>
-            <p:ph idx="2" type="sldImg"/>
+            <p:ph type="sldImg" idx="2"/>
           </p:nvPr>
         </p:nvSpPr>
         <p:spPr>
           <a:xfrm>
-            <a:off x="381300" y="685800"/>
+            <a:off x="381000" y="685800"/>
             <a:ext cx="6096000" cy="3429000"/>
           </a:xfrm>
           <a:custGeom>
-            <a:rect b="b" l="l" r="r" t="t"/>
+            <a:avLst/>
+            <a:gdLst/>
+            <a:ahLst/>
+            <a:cxnLst/>
+            <a:rect l="l" t="t" r="r" b="b"/>
             <a:pathLst>
-              <a:path extrusionOk="0" h="120000" w="120000">
+              <a:path w="120000" h="120000" extrusionOk="0">
                 <a:moveTo>
                   <a:pt x="0" y="0"/>
                 </a:moveTo>
@@ -1066,9 +1213,11 @@
       <p:sp>
         <p:nvSpPr>
           <p:cNvPr id="70" name="Google Shape;70;g143e626ac9a_0_15:notes"/>
-          <p:cNvSpPr txBox="1"/>
+          <p:cNvSpPr txBox="1">
+            <a:spLocks noGrp="1"/>
+          </p:cNvSpPr>
           <p:nvPr>
-            <p:ph idx="1" type="body"/>
+            <p:ph type="body" idx="1"/>
           </p:nvPr>
         </p:nvSpPr>
         <p:spPr>
@@ -1081,12 +1230,12 @@
           </a:prstGeom>
         </p:spPr>
         <p:txBody>
-          <a:bodyPr anchorCtr="0" anchor="t" bIns="91425" lIns="91425" spcFirstLastPara="1" rIns="91425" wrap="square" tIns="91425">
+          <a:bodyPr spcFirstLastPara="1" wrap="square" lIns="91425" tIns="91425" rIns="91425" bIns="91425" anchor="t" anchorCtr="0">
             <a:noAutofit/>
           </a:bodyPr>
           <a:lstStyle/>
           <a:p>
-            <a:pPr indent="0" lvl="0" marL="0" rtl="0" algn="l">
+            <a:pPr marL="0" lvl="0" indent="0" algn="l" rtl="0">
               <a:spcBef>
                 <a:spcPts val="0"/>
               </a:spcBef>
@@ -1095,9 +1244,115 @@
               </a:spcAft>
               <a:buNone/>
             </a:pPr>
-            <a:r>
-              <a:t/>
-            </a:r>
+            <a:endParaRPr/>
+          </a:p>
+        </p:txBody>
+      </p:sp>
+    </p:spTree>
+    <p:extLst>
+      <p:ext uri="{BB962C8B-B14F-4D97-AF65-F5344CB8AC3E}">
+        <p14:creationId xmlns:p14="http://schemas.microsoft.com/office/powerpoint/2010/main" val="499670200"/>
+      </p:ext>
+    </p:extLst>
+  </p:cSld>
+  <p:clrMapOvr>
+    <a:masterClrMapping/>
+  </p:clrMapOvr>
+</p:notes>
+</file>
+
+<file path=ppt/notesSlides/notesSlide5.xml><?xml version="1.0" encoding="utf-8"?>
+<p:notes xmlns:a="http://schemas.openxmlformats.org/drawingml/2006/main" xmlns:r="http://schemas.openxmlformats.org/officeDocument/2006/relationships" xmlns:p="http://schemas.openxmlformats.org/presentationml/2006/main" showMasterSp="0" showMasterPhAnim="0">
+  <p:cSld>
+    <p:spTree>
+      <p:nvGrpSpPr>
+        <p:cNvPr id="1" name="Shape 68"/>
+        <p:cNvGrpSpPr/>
+        <p:nvPr/>
+      </p:nvGrpSpPr>
+      <p:grpSpPr>
+        <a:xfrm>
+          <a:off x="0" y="0"/>
+          <a:ext cx="0" cy="0"/>
+          <a:chOff x="0" y="0"/>
+          <a:chExt cx="0" cy="0"/>
+        </a:xfrm>
+      </p:grpSpPr>
+      <p:sp>
+        <p:nvSpPr>
+          <p:cNvPr id="69" name="Google Shape;69;g143e626ac9a_0_15:notes"/>
+          <p:cNvSpPr>
+            <a:spLocks noGrp="1" noRot="1" noChangeAspect="1"/>
+          </p:cNvSpPr>
+          <p:nvPr>
+            <p:ph type="sldImg" idx="2"/>
+          </p:nvPr>
+        </p:nvSpPr>
+        <p:spPr>
+          <a:xfrm>
+            <a:off x="381000" y="685800"/>
+            <a:ext cx="6096000" cy="3429000"/>
+          </a:xfrm>
+          <a:custGeom>
+            <a:avLst/>
+            <a:gdLst/>
+            <a:ahLst/>
+            <a:cxnLst/>
+            <a:rect l="l" t="t" r="r" b="b"/>
+            <a:pathLst>
+              <a:path w="120000" h="120000" extrusionOk="0">
+                <a:moveTo>
+                  <a:pt x="0" y="0"/>
+                </a:moveTo>
+                <a:lnTo>
+                  <a:pt x="120000" y="0"/>
+                </a:lnTo>
+                <a:lnTo>
+                  <a:pt x="120000" y="120000"/>
+                </a:lnTo>
+                <a:lnTo>
+                  <a:pt x="0" y="120000"/>
+                </a:lnTo>
+                <a:close/>
+              </a:path>
+            </a:pathLst>
+          </a:custGeom>
+        </p:spPr>
+      </p:sp>
+      <p:sp>
+        <p:nvSpPr>
+          <p:cNvPr id="70" name="Google Shape;70;g143e626ac9a_0_15:notes"/>
+          <p:cNvSpPr txBox="1">
+            <a:spLocks noGrp="1"/>
+          </p:cNvSpPr>
+          <p:nvPr>
+            <p:ph type="body" idx="1"/>
+          </p:nvPr>
+        </p:nvSpPr>
+        <p:spPr>
+          <a:xfrm>
+            <a:off x="685800" y="4343400"/>
+            <a:ext cx="5486400" cy="4114800"/>
+          </a:xfrm>
+          <a:prstGeom prst="rect">
+            <a:avLst/>
+          </a:prstGeom>
+        </p:spPr>
+        <p:txBody>
+          <a:bodyPr spcFirstLastPara="1" wrap="square" lIns="91425" tIns="91425" rIns="91425" bIns="91425" anchor="t" anchorCtr="0">
+            <a:noAutofit/>
+          </a:bodyPr>
+          <a:lstStyle/>
+          <a:p>
+            <a:pPr marL="0" lvl="0" indent="0" algn="l" rtl="0">
+              <a:spcBef>
+                <a:spcPts val="0"/>
+              </a:spcBef>
+              <a:spcAft>
+                <a:spcPts val="0"/>
+              </a:spcAft>
+              <a:buNone/>
+            </a:pPr>
             <a:endParaRPr/>
           </a:p>
         </p:txBody>
@@ -1110,12 +1365,12 @@
 </p:notes>
 </file>
 
-<file path=ppt/notesSlides/notesSlide5.xml><?xml version="1.0" encoding="utf-8"?>
-<p:notes xmlns:a="http://schemas.openxmlformats.org/drawingml/2006/main" xmlns:r="http://schemas.openxmlformats.org/officeDocument/2006/relationships" xmlns:mc="http://schemas.openxmlformats.org/markup-compatibility/2006" xmlns:mv="urn:schemas-microsoft-com:mac:vml" xmlns:p="http://schemas.openxmlformats.org/presentationml/2006/main" xmlns:c="http://schemas.openxmlformats.org/drawingml/2006/chart" xmlns:dgm="http://schemas.openxmlformats.org/drawingml/2006/diagram" xmlns:o="urn:schemas-microsoft-com:office:office" xmlns:v="urn:schemas-microsoft-com:vml" xmlns:pvml="urn:schemas-microsoft-com:office:powerpoint" xmlns:com="http://schemas.openxmlformats.org/drawingml/2006/compatibility" xmlns:p14="http://schemas.microsoft.com/office/powerpoint/2010/main" xmlns:p15="http://schemas.microsoft.com/office/powerpoint/2012/main" xmlns:ahyp="http://schemas.microsoft.com/office/drawing/2018/hyperlinkcolor" showMasterPhAnim="0" showMasterSp="0">
+<file path=ppt/notesSlides/notesSlide6.xml><?xml version="1.0" encoding="utf-8"?>
+<p:notes xmlns:a="http://schemas.openxmlformats.org/drawingml/2006/main" xmlns:r="http://schemas.openxmlformats.org/officeDocument/2006/relationships" xmlns:p="http://schemas.openxmlformats.org/presentationml/2006/main" showMasterSp="0" showMasterPhAnim="0">
   <p:cSld>
     <p:spTree>
       <p:nvGrpSpPr>
-        <p:cNvPr id="74" name="Shape 74"/>
+        <p:cNvPr id="1" name="Shape 74"/>
         <p:cNvGrpSpPr/>
         <p:nvPr/>
       </p:nvGrpSpPr>
@@ -1130,20 +1385,26 @@
       <p:sp>
         <p:nvSpPr>
           <p:cNvPr id="75" name="Google Shape;75;g143e626ac9a_0_54:notes"/>
-          <p:cNvSpPr/>
+          <p:cNvSpPr>
+            <a:spLocks noGrp="1" noRot="1" noChangeAspect="1"/>
+          </p:cNvSpPr>
           <p:nvPr>
-            <p:ph idx="2" type="sldImg"/>
+            <p:ph type="sldImg" idx="2"/>
           </p:nvPr>
         </p:nvSpPr>
         <p:spPr>
           <a:xfrm>
-            <a:off x="381300" y="685800"/>
+            <a:off x="381000" y="685800"/>
             <a:ext cx="6096000" cy="3429000"/>
           </a:xfrm>
           <a:custGeom>
-            <a:rect b="b" l="l" r="r" t="t"/>
+            <a:avLst/>
+            <a:gdLst/>
+            <a:ahLst/>
+            <a:cxnLst/>
+            <a:rect l="l" t="t" r="r" b="b"/>
             <a:pathLst>
-              <a:path extrusionOk="0" h="120000" w="120000">
+              <a:path w="120000" h="120000" extrusionOk="0">
                 <a:moveTo>
                   <a:pt x="0" y="0"/>
                 </a:moveTo>
@@ -1165,9 +1426,11 @@
       <p:sp>
         <p:nvSpPr>
           <p:cNvPr id="76" name="Google Shape;76;g143e626ac9a_0_54:notes"/>
-          <p:cNvSpPr txBox="1"/>
+          <p:cNvSpPr txBox="1">
+            <a:spLocks noGrp="1"/>
+          </p:cNvSpPr>
           <p:nvPr>
-            <p:ph idx="1" type="body"/>
+            <p:ph type="body" idx="1"/>
           </p:nvPr>
         </p:nvSpPr>
         <p:spPr>
@@ -1180,12 +1443,12 @@
           </a:prstGeom>
         </p:spPr>
         <p:txBody>
-          <a:bodyPr anchorCtr="0" anchor="t" bIns="91425" lIns="91425" spcFirstLastPara="1" rIns="91425" wrap="square" tIns="91425">
+          <a:bodyPr spcFirstLastPara="1" wrap="square" lIns="91425" tIns="91425" rIns="91425" bIns="91425" anchor="t" anchorCtr="0">
             <a:noAutofit/>
           </a:bodyPr>
           <a:lstStyle/>
           <a:p>
-            <a:pPr indent="0" lvl="0" marL="0" rtl="0" algn="l">
+            <a:pPr marL="0" lvl="0" indent="0" algn="l" rtl="0">
               <a:spcBef>
                 <a:spcPts val="0"/>
               </a:spcBef>
@@ -1194,9 +1457,6 @@
               </a:spcAft>
               <a:buNone/>
             </a:pPr>
-            <a:r>
-              <a:t/>
-            </a:r>
             <a:endParaRPr/>
           </a:p>
         </p:txBody>
@@ -1209,12 +1469,12 @@
 </p:notes>
 </file>
 
-<file path=ppt/notesSlides/notesSlide6.xml><?xml version="1.0" encoding="utf-8"?>
-<p:notes xmlns:a="http://schemas.openxmlformats.org/drawingml/2006/main" xmlns:r="http://schemas.openxmlformats.org/officeDocument/2006/relationships" xmlns:mc="http://schemas.openxmlformats.org/markup-compatibility/2006" xmlns:mv="urn:schemas-microsoft-com:mac:vml" xmlns:p="http://schemas.openxmlformats.org/presentationml/2006/main" xmlns:c="http://schemas.openxmlformats.org/drawingml/2006/chart" xmlns:dgm="http://schemas.openxmlformats.org/drawingml/2006/diagram" xmlns:o="urn:schemas-microsoft-com:office:office" xmlns:v="urn:schemas-microsoft-com:vml" xmlns:pvml="urn:schemas-microsoft-com:office:powerpoint" xmlns:com="http://schemas.openxmlformats.org/drawingml/2006/compatibility" xmlns:p14="http://schemas.microsoft.com/office/powerpoint/2010/main" xmlns:p15="http://schemas.microsoft.com/office/powerpoint/2012/main" xmlns:ahyp="http://schemas.microsoft.com/office/drawing/2018/hyperlinkcolor" showMasterPhAnim="0" showMasterSp="0">
+<file path=ppt/notesSlides/notesSlide7.xml><?xml version="1.0" encoding="utf-8"?>
+<p:notes xmlns:a="http://schemas.openxmlformats.org/drawingml/2006/main" xmlns:r="http://schemas.openxmlformats.org/officeDocument/2006/relationships" xmlns:p="http://schemas.openxmlformats.org/presentationml/2006/main" showMasterSp="0" showMasterPhAnim="0">
   <p:cSld>
     <p:spTree>
       <p:nvGrpSpPr>
-        <p:cNvPr id="81" name="Shape 81"/>
+        <p:cNvPr id="1" name="Shape 81"/>
         <p:cNvGrpSpPr/>
         <p:nvPr/>
       </p:nvGrpSpPr>
@@ -1229,20 +1489,26 @@
       <p:sp>
         <p:nvSpPr>
           <p:cNvPr id="82" name="Google Shape;82;g143e626ac9a_0_20:notes"/>
-          <p:cNvSpPr/>
+          <p:cNvSpPr>
+            <a:spLocks noGrp="1" noRot="1" noChangeAspect="1"/>
+          </p:cNvSpPr>
           <p:nvPr>
-            <p:ph idx="2" type="sldImg"/>
+            <p:ph type="sldImg" idx="2"/>
           </p:nvPr>
         </p:nvSpPr>
         <p:spPr>
           <a:xfrm>
-            <a:off x="381300" y="685800"/>
+            <a:off x="381000" y="685800"/>
             <a:ext cx="6096000" cy="3429000"/>
           </a:xfrm>
           <a:custGeom>
-            <a:rect b="b" l="l" r="r" t="t"/>
+            <a:avLst/>
+            <a:gdLst/>
+            <a:ahLst/>
+            <a:cxnLst/>
+            <a:rect l="l" t="t" r="r" b="b"/>
             <a:pathLst>
-              <a:path extrusionOk="0" h="120000" w="120000">
+              <a:path w="120000" h="120000" extrusionOk="0">
                 <a:moveTo>
                   <a:pt x="0" y="0"/>
                 </a:moveTo>
@@ -1264,9 +1530,11 @@
       <p:sp>
         <p:nvSpPr>
           <p:cNvPr id="83" name="Google Shape;83;g143e626ac9a_0_20:notes"/>
-          <p:cNvSpPr txBox="1"/>
+          <p:cNvSpPr txBox="1">
+            <a:spLocks noGrp="1"/>
+          </p:cNvSpPr>
           <p:nvPr>
-            <p:ph idx="1" type="body"/>
+            <p:ph type="body" idx="1"/>
           </p:nvPr>
         </p:nvSpPr>
         <p:spPr>
@@ -1279,12 +1547,12 @@
           </a:prstGeom>
         </p:spPr>
         <p:txBody>
-          <a:bodyPr anchorCtr="0" anchor="t" bIns="91425" lIns="91425" spcFirstLastPara="1" rIns="91425" wrap="square" tIns="91425">
+          <a:bodyPr spcFirstLastPara="1" wrap="square" lIns="91425" tIns="91425" rIns="91425" bIns="91425" anchor="t" anchorCtr="0">
             <a:noAutofit/>
           </a:bodyPr>
           <a:lstStyle/>
           <a:p>
-            <a:pPr indent="0" lvl="0" marL="0" rtl="0" algn="l">
+            <a:pPr marL="0" lvl="0" indent="0" algn="l" rtl="0">
               <a:spcBef>
                 <a:spcPts val="0"/>
               </a:spcBef>
@@ -1293,9 +1561,6 @@
               </a:spcAft>
               <a:buNone/>
             </a:pPr>
-            <a:r>
-              <a:t/>
-            </a:r>
             <a:endParaRPr/>
           </a:p>
         </p:txBody>
@@ -1308,12 +1573,12 @@
 </p:notes>
 </file>
 
-<file path=ppt/notesSlides/notesSlide7.xml><?xml version="1.0" encoding="utf-8"?>
-<p:notes xmlns:a="http://schemas.openxmlformats.org/drawingml/2006/main" xmlns:r="http://schemas.openxmlformats.org/officeDocument/2006/relationships" xmlns:mc="http://schemas.openxmlformats.org/markup-compatibility/2006" xmlns:mv="urn:schemas-microsoft-com:mac:vml" xmlns:p="http://schemas.openxmlformats.org/presentationml/2006/main" xmlns:c="http://schemas.openxmlformats.org/drawingml/2006/chart" xmlns:dgm="http://schemas.openxmlformats.org/drawingml/2006/diagram" xmlns:o="urn:schemas-microsoft-com:office:office" xmlns:v="urn:schemas-microsoft-com:vml" xmlns:pvml="urn:schemas-microsoft-com:office:powerpoint" xmlns:com="http://schemas.openxmlformats.org/drawingml/2006/compatibility" xmlns:p14="http://schemas.microsoft.com/office/powerpoint/2010/main" xmlns:p15="http://schemas.microsoft.com/office/powerpoint/2012/main" xmlns:ahyp="http://schemas.microsoft.com/office/drawing/2018/hyperlinkcolor" showMasterPhAnim="0" showMasterSp="0">
+<file path=ppt/notesSlides/notesSlide8.xml><?xml version="1.0" encoding="utf-8"?>
+<p:notes xmlns:a="http://schemas.openxmlformats.org/drawingml/2006/main" xmlns:r="http://schemas.openxmlformats.org/officeDocument/2006/relationships" xmlns:p="http://schemas.openxmlformats.org/presentationml/2006/main" showMasterSp="0" showMasterPhAnim="0">
   <p:cSld>
     <p:spTree>
       <p:nvGrpSpPr>
-        <p:cNvPr id="99" name="Shape 99"/>
+        <p:cNvPr id="1" name="Shape 99"/>
         <p:cNvGrpSpPr/>
         <p:nvPr/>
       </p:nvGrpSpPr>
@@ -1328,20 +1593,26 @@
       <p:sp>
         <p:nvSpPr>
           <p:cNvPr id="100" name="Google Shape;100;g143e626ac9a_0_10:notes"/>
-          <p:cNvSpPr/>
+          <p:cNvSpPr>
+            <a:spLocks noGrp="1" noRot="1" noChangeAspect="1"/>
+          </p:cNvSpPr>
           <p:nvPr>
-            <p:ph idx="2" type="sldImg"/>
+            <p:ph type="sldImg" idx="2"/>
           </p:nvPr>
         </p:nvSpPr>
         <p:spPr>
           <a:xfrm>
-            <a:off x="381300" y="685800"/>
+            <a:off x="381000" y="685800"/>
             <a:ext cx="6096000" cy="3429000"/>
           </a:xfrm>
           <a:custGeom>
-            <a:rect b="b" l="l" r="r" t="t"/>
+            <a:avLst/>
+            <a:gdLst/>
+            <a:ahLst/>
+            <a:cxnLst/>
+            <a:rect l="l" t="t" r="r" b="b"/>
             <a:pathLst>
-              <a:path extrusionOk="0" h="120000" w="120000">
+              <a:path w="120000" h="120000" extrusionOk="0">
                 <a:moveTo>
                   <a:pt x="0" y="0"/>
                 </a:moveTo>
@@ -1363,9 +1634,11 @@
       <p:sp>
         <p:nvSpPr>
           <p:cNvPr id="101" name="Google Shape;101;g143e626ac9a_0_10:notes"/>
-          <p:cNvSpPr txBox="1"/>
+          <p:cNvSpPr txBox="1">
+            <a:spLocks noGrp="1"/>
+          </p:cNvSpPr>
           <p:nvPr>
-            <p:ph idx="1" type="body"/>
+            <p:ph type="body" idx="1"/>
           </p:nvPr>
         </p:nvSpPr>
         <p:spPr>
@@ -1378,12 +1651,12 @@
           </a:prstGeom>
         </p:spPr>
         <p:txBody>
-          <a:bodyPr anchorCtr="0" anchor="t" bIns="91425" lIns="91425" spcFirstLastPara="1" rIns="91425" wrap="square" tIns="91425">
+          <a:bodyPr spcFirstLastPara="1" wrap="square" lIns="91425" tIns="91425" rIns="91425" bIns="91425" anchor="t" anchorCtr="0">
             <a:noAutofit/>
           </a:bodyPr>
           <a:lstStyle/>
           <a:p>
-            <a:pPr indent="0" lvl="0" marL="0" rtl="0" algn="l">
+            <a:pPr marL="0" lvl="0" indent="0" algn="l" rtl="0">
               <a:spcBef>
                 <a:spcPts val="0"/>
               </a:spcBef>
@@ -1392,9 +1665,6 @@
               </a:spcAft>
               <a:buNone/>
             </a:pPr>
-            <a:r>
-              <a:t/>
-            </a:r>
             <a:endParaRPr/>
           </a:p>
         </p:txBody>
@@ -1407,12 +1677,12 @@
 </p:notes>
 </file>
 
-<file path=ppt/notesSlides/notesSlide8.xml><?xml version="1.0" encoding="utf-8"?>
-<p:notes xmlns:a="http://schemas.openxmlformats.org/drawingml/2006/main" xmlns:r="http://schemas.openxmlformats.org/officeDocument/2006/relationships" xmlns:mc="http://schemas.openxmlformats.org/markup-compatibility/2006" xmlns:mv="urn:schemas-microsoft-com:mac:vml" xmlns:p="http://schemas.openxmlformats.org/presentationml/2006/main" xmlns:c="http://schemas.openxmlformats.org/drawingml/2006/chart" xmlns:dgm="http://schemas.openxmlformats.org/drawingml/2006/diagram" xmlns:o="urn:schemas-microsoft-com:office:office" xmlns:v="urn:schemas-microsoft-com:vml" xmlns:pvml="urn:schemas-microsoft-com:office:powerpoint" xmlns:com="http://schemas.openxmlformats.org/drawingml/2006/compatibility" xmlns:p14="http://schemas.microsoft.com/office/powerpoint/2010/main" xmlns:p15="http://schemas.microsoft.com/office/powerpoint/2012/main" xmlns:ahyp="http://schemas.microsoft.com/office/drawing/2018/hyperlinkcolor" showMasterPhAnim="0" showMasterSp="0">
+<file path=ppt/notesSlides/notesSlide9.xml><?xml version="1.0" encoding="utf-8"?>
+<p:notes xmlns:a="http://schemas.openxmlformats.org/drawingml/2006/main" xmlns:r="http://schemas.openxmlformats.org/officeDocument/2006/relationships" xmlns:p="http://schemas.openxmlformats.org/presentationml/2006/main" showMasterSp="0" showMasterPhAnim="0">
   <p:cSld>
     <p:spTree>
       <p:nvGrpSpPr>
-        <p:cNvPr id="115" name="Shape 115"/>
+        <p:cNvPr id="1" name="Shape 99"/>
         <p:cNvGrpSpPr/>
         <p:nvPr/>
       </p:nvGrpSpPr>
@@ -1426,21 +1696,27 @@
       </p:grpSpPr>
       <p:sp>
         <p:nvSpPr>
-          <p:cNvPr id="116" name="Google Shape;116;g143e626ac9a_0_25:notes"/>
-          <p:cNvSpPr/>
+          <p:cNvPr id="100" name="Google Shape;100;g143e626ac9a_0_10:notes"/>
+          <p:cNvSpPr>
+            <a:spLocks noGrp="1" noRot="1" noChangeAspect="1"/>
+          </p:cNvSpPr>
           <p:nvPr>
-            <p:ph idx="2" type="sldImg"/>
+            <p:ph type="sldImg" idx="2"/>
           </p:nvPr>
         </p:nvSpPr>
         <p:spPr>
           <a:xfrm>
-            <a:off x="381300" y="685800"/>
+            <a:off x="381000" y="685800"/>
             <a:ext cx="6096000" cy="3429000"/>
           </a:xfrm>
           <a:custGeom>
-            <a:rect b="b" l="l" r="r" t="t"/>
+            <a:avLst/>
+            <a:gdLst/>
+            <a:ahLst/>
+            <a:cxnLst/>
+            <a:rect l="l" t="t" r="r" b="b"/>
             <a:pathLst>
-              <a:path extrusionOk="0" h="120000" w="120000">
+              <a:path w="120000" h="120000" extrusionOk="0">
                 <a:moveTo>
                   <a:pt x="0" y="0"/>
                 </a:moveTo>
@@ -1461,10 +1737,12 @@
       </p:sp>
       <p:sp>
         <p:nvSpPr>
-          <p:cNvPr id="117" name="Google Shape;117;g143e626ac9a_0_25:notes"/>
-          <p:cNvSpPr txBox="1"/>
+          <p:cNvPr id="101" name="Google Shape;101;g143e626ac9a_0_10:notes"/>
+          <p:cNvSpPr txBox="1">
+            <a:spLocks noGrp="1"/>
+          </p:cNvSpPr>
           <p:nvPr>
-            <p:ph idx="1" type="body"/>
+            <p:ph type="body" idx="1"/>
           </p:nvPr>
         </p:nvSpPr>
         <p:spPr>
@@ -1477,12 +1755,12 @@
           </a:prstGeom>
         </p:spPr>
         <p:txBody>
-          <a:bodyPr anchorCtr="0" anchor="t" bIns="91425" lIns="91425" spcFirstLastPara="1" rIns="91425" wrap="square" tIns="91425">
+          <a:bodyPr spcFirstLastPara="1" wrap="square" lIns="91425" tIns="91425" rIns="91425" bIns="91425" anchor="t" anchorCtr="0">
             <a:noAutofit/>
           </a:bodyPr>
           <a:lstStyle/>
           <a:p>
-            <a:pPr indent="0" lvl="0" marL="0" rtl="0" algn="l">
+            <a:pPr marL="0" lvl="0" indent="0" algn="l" rtl="0">
               <a:spcBef>
                 <a:spcPts val="0"/>
               </a:spcBef>
@@ -1491,14 +1769,16 @@
               </a:spcAft>
               <a:buNone/>
             </a:pPr>
-            <a:r>
-              <a:t/>
-            </a:r>
             <a:endParaRPr/>
           </a:p>
         </p:txBody>
       </p:sp>
     </p:spTree>
+    <p:extLst>
+      <p:ext uri="{BB962C8B-B14F-4D97-AF65-F5344CB8AC3E}">
+        <p14:creationId xmlns:p14="http://schemas.microsoft.com/office/powerpoint/2010/main" val="4256157167"/>
+      </p:ext>
+    </p:extLst>
   </p:cSld>
   <p:clrMapOvr>
     <a:masterClrMapping/>
@@ -1507,11 +1787,11 @@
 </file>
 
 <file path=ppt/slideLayouts/slideLayout1.xml><?xml version="1.0" encoding="utf-8"?>
-<p:sldLayout xmlns:a="http://schemas.openxmlformats.org/drawingml/2006/main" xmlns:r="http://schemas.openxmlformats.org/officeDocument/2006/relationships" xmlns:mc="http://schemas.openxmlformats.org/markup-compatibility/2006" xmlns:mv="urn:schemas-microsoft-com:mac:vml" xmlns:p="http://schemas.openxmlformats.org/presentationml/2006/main" xmlns:c="http://schemas.openxmlformats.org/drawingml/2006/chart" xmlns:dgm="http://schemas.openxmlformats.org/drawingml/2006/diagram" xmlns:o="urn:schemas-microsoft-com:office:office" xmlns:v="urn:schemas-microsoft-com:vml" xmlns:pvml="urn:schemas-microsoft-com:office:powerpoint" xmlns:com="http://schemas.openxmlformats.org/drawingml/2006/compatibility" xmlns:p14="http://schemas.microsoft.com/office/powerpoint/2010/main" xmlns:p15="http://schemas.microsoft.com/office/powerpoint/2012/main" xmlns:ahyp="http://schemas.microsoft.com/office/drawing/2018/hyperlinkcolor" matchingName="Title slide" type="title">
+<p:sldLayout xmlns:a="http://schemas.openxmlformats.org/drawingml/2006/main" xmlns:r="http://schemas.openxmlformats.org/officeDocument/2006/relationships" xmlns:p="http://schemas.openxmlformats.org/presentationml/2006/main" matchingName="Title slide" type="title">
   <p:cSld name="TITLE">
     <p:spTree>
       <p:nvGrpSpPr>
-        <p:cNvPr id="9" name="Shape 9"/>
+        <p:cNvPr id="1" name="Shape 9"/>
         <p:cNvGrpSpPr/>
         <p:nvPr/>
       </p:nvGrpSpPr>
@@ -1526,7 +1806,9 @@
       <p:sp>
         <p:nvSpPr>
           <p:cNvPr id="10" name="Google Shape;10;p2"/>
-          <p:cNvSpPr txBox="1"/>
+          <p:cNvSpPr txBox="1">
+            <a:spLocks noGrp="1"/>
+          </p:cNvSpPr>
           <p:nvPr>
             <p:ph type="ctrTitle"/>
           </p:nvPr>
@@ -1541,7 +1823,7 @@
           </a:prstGeom>
         </p:spPr>
         <p:txBody>
-          <a:bodyPr anchorCtr="0" anchor="b" bIns="91425" lIns="91425" spcFirstLastPara="1" rIns="91425" wrap="square" tIns="91425">
+          <a:bodyPr spcFirstLastPara="1" wrap="square" lIns="91425" tIns="91425" rIns="91425" bIns="91425" anchor="b" anchorCtr="0">
             <a:normAutofit/>
           </a:bodyPr>
           <a:lstStyle>
@@ -1645,15 +1927,19 @@
               <a:defRPr sz="5200"/>
             </a:lvl9pPr>
           </a:lstStyle>
-          <a:p/>
+          <a:p>
+            <a:endParaRPr/>
+          </a:p>
         </p:txBody>
       </p:sp>
       <p:sp>
         <p:nvSpPr>
           <p:cNvPr id="11" name="Google Shape;11;p2"/>
-          <p:cNvSpPr txBox="1"/>
+          <p:cNvSpPr txBox="1">
+            <a:spLocks noGrp="1"/>
+          </p:cNvSpPr>
           <p:nvPr>
-            <p:ph idx="1" type="subTitle"/>
+            <p:ph type="subTitle" idx="1"/>
           </p:nvPr>
         </p:nvSpPr>
         <p:spPr>
@@ -1666,7 +1952,7 @@
           </a:prstGeom>
         </p:spPr>
         <p:txBody>
-          <a:bodyPr anchorCtr="0" anchor="t" bIns="91425" lIns="91425" spcFirstLastPara="1" rIns="91425" wrap="square" tIns="91425">
+          <a:bodyPr spcFirstLastPara="1" wrap="square" lIns="91425" tIns="91425" rIns="91425" bIns="91425" anchor="t" anchorCtr="0">
             <a:normAutofit/>
           </a:bodyPr>
           <a:lstStyle>
@@ -1797,15 +2083,19 @@
               <a:defRPr sz="2800"/>
             </a:lvl9pPr>
           </a:lstStyle>
-          <a:p/>
+          <a:p>
+            <a:endParaRPr/>
+          </a:p>
         </p:txBody>
       </p:sp>
       <p:sp>
         <p:nvSpPr>
           <p:cNvPr id="12" name="Google Shape;12;p2"/>
-          <p:cNvSpPr txBox="1"/>
+          <p:cNvSpPr txBox="1">
+            <a:spLocks noGrp="1"/>
+          </p:cNvSpPr>
           <p:nvPr>
-            <p:ph idx="12" type="sldNum"/>
+            <p:ph type="sldNum" idx="12"/>
           </p:nvPr>
         </p:nvSpPr>
         <p:spPr>
@@ -1818,7 +2108,7 @@
           </a:prstGeom>
         </p:spPr>
         <p:txBody>
-          <a:bodyPr anchorCtr="0" anchor="ctr" bIns="91425" lIns="91425" spcFirstLastPara="1" rIns="91425" wrap="square" tIns="91425">
+          <a:bodyPr spcFirstLastPara="1" wrap="square" lIns="91425" tIns="91425" rIns="91425" bIns="91425" anchor="ctr" anchorCtr="0">
             <a:normAutofit/>
           </a:bodyPr>
           <a:lstStyle>
@@ -1860,7 +2150,7 @@
             </a:lvl9pPr>
           </a:lstStyle>
           <a:p>
-            <a:pPr indent="0" lvl="0" marL="0" rtl="0" algn="r">
+            <a:pPr marL="0" lvl="0" indent="0" algn="r" rtl="0">
               <a:spcBef>
                 <a:spcPts val="0"/>
               </a:spcBef>
@@ -1871,7 +2161,7 @@
             </a:pPr>
             <a:fld id="{00000000-1234-1234-1234-123412341234}" type="slidenum">
               <a:rPr lang="en-GB"/>
-              <a:t>‹#›</a:t>
+              <a:t>‹Nr.›</a:t>
             </a:fld>
             <a:endParaRPr/>
           </a:p>
@@ -1886,11 +2176,11 @@
 </file>
 
 <file path=ppt/slideLayouts/slideLayout10.xml><?xml version="1.0" encoding="utf-8"?>
-<p:sldLayout xmlns:a="http://schemas.openxmlformats.org/drawingml/2006/main" xmlns:r="http://schemas.openxmlformats.org/officeDocument/2006/relationships" xmlns:mc="http://schemas.openxmlformats.org/markup-compatibility/2006" xmlns:mv="urn:schemas-microsoft-com:mac:vml" xmlns:p="http://schemas.openxmlformats.org/presentationml/2006/main" xmlns:c="http://schemas.openxmlformats.org/drawingml/2006/chart" xmlns:dgm="http://schemas.openxmlformats.org/drawingml/2006/diagram" xmlns:o="urn:schemas-microsoft-com:office:office" xmlns:v="urn:schemas-microsoft-com:vml" xmlns:pvml="urn:schemas-microsoft-com:office:powerpoint" xmlns:com="http://schemas.openxmlformats.org/drawingml/2006/compatibility" xmlns:p14="http://schemas.microsoft.com/office/powerpoint/2010/main" xmlns:p15="http://schemas.microsoft.com/office/powerpoint/2012/main" xmlns:ahyp="http://schemas.microsoft.com/office/drawing/2018/hyperlinkcolor" matchingName="Big number">
+<p:sldLayout xmlns:a="http://schemas.openxmlformats.org/drawingml/2006/main" xmlns:r="http://schemas.openxmlformats.org/officeDocument/2006/relationships" xmlns:p="http://schemas.openxmlformats.org/presentationml/2006/main" matchingName="Big number">
   <p:cSld name="BIG_NUMBER">
     <p:spTree>
       <p:nvGrpSpPr>
-        <p:cNvPr id="44" name="Shape 44"/>
+        <p:cNvPr id="1" name="Shape 44"/>
         <p:cNvGrpSpPr/>
         <p:nvPr/>
       </p:nvGrpSpPr>
@@ -1905,9 +2195,11 @@
       <p:sp>
         <p:nvSpPr>
           <p:cNvPr id="45" name="Google Shape;45;p11"/>
-          <p:cNvSpPr txBox="1"/>
+          <p:cNvSpPr txBox="1">
+            <a:spLocks noGrp="1"/>
+          </p:cNvSpPr>
           <p:nvPr>
-            <p:ph hasCustomPrompt="1" type="title"/>
+            <p:ph type="title" hasCustomPrompt="1"/>
           </p:nvPr>
         </p:nvSpPr>
         <p:spPr>
@@ -1920,7 +2212,7 @@
           </a:prstGeom>
         </p:spPr>
         <p:txBody>
-          <a:bodyPr anchorCtr="0" anchor="b" bIns="91425" lIns="91425" spcFirstLastPara="1" rIns="91425" wrap="square" tIns="91425">
+          <a:bodyPr spcFirstLastPara="1" wrap="square" lIns="91425" tIns="91425" rIns="91425" bIns="91425" anchor="b" anchorCtr="0">
             <a:normAutofit/>
           </a:bodyPr>
           <a:lstStyle>
@@ -2034,9 +2326,11 @@
       <p:sp>
         <p:nvSpPr>
           <p:cNvPr id="46" name="Google Shape;46;p11"/>
-          <p:cNvSpPr txBox="1"/>
+          <p:cNvSpPr txBox="1">
+            <a:spLocks noGrp="1"/>
+          </p:cNvSpPr>
           <p:nvPr>
-            <p:ph idx="1" type="body"/>
+            <p:ph type="body" idx="1"/>
           </p:nvPr>
         </p:nvSpPr>
         <p:spPr>
@@ -2049,11 +2343,11 @@
           </a:prstGeom>
         </p:spPr>
         <p:txBody>
-          <a:bodyPr anchorCtr="0" anchor="t" bIns="91425" lIns="91425" spcFirstLastPara="1" rIns="91425" wrap="square" tIns="91425">
+          <a:bodyPr spcFirstLastPara="1" wrap="square" lIns="91425" tIns="91425" rIns="91425" bIns="91425" anchor="t" anchorCtr="0">
             <a:normAutofit/>
           </a:bodyPr>
           <a:lstStyle>
-            <a:lvl1pPr indent="-342900" lvl="0" marL="457200" algn="ctr">
+            <a:lvl1pPr marL="457200" lvl="0" indent="-342900" algn="ctr">
               <a:spcBef>
                 <a:spcPts val="0"/>
               </a:spcBef>
@@ -2064,7 +2358,7 @@
               <a:buChar char="●"/>
               <a:defRPr/>
             </a:lvl1pPr>
-            <a:lvl2pPr indent="-317500" lvl="1" marL="914400" algn="ctr">
+            <a:lvl2pPr marL="914400" lvl="1" indent="-317500" algn="ctr">
               <a:spcBef>
                 <a:spcPts val="0"/>
               </a:spcBef>
@@ -2075,7 +2369,7 @@
               <a:buChar char="○"/>
               <a:defRPr/>
             </a:lvl2pPr>
-            <a:lvl3pPr indent="-317500" lvl="2" marL="1371600" algn="ctr">
+            <a:lvl3pPr marL="1371600" lvl="2" indent="-317500" algn="ctr">
               <a:spcBef>
                 <a:spcPts val="0"/>
               </a:spcBef>
@@ -2086,7 +2380,7 @@
               <a:buChar char="■"/>
               <a:defRPr/>
             </a:lvl3pPr>
-            <a:lvl4pPr indent="-317500" lvl="3" marL="1828800" algn="ctr">
+            <a:lvl4pPr marL="1828800" lvl="3" indent="-317500" algn="ctr">
               <a:spcBef>
                 <a:spcPts val="0"/>
               </a:spcBef>
@@ -2097,7 +2391,7 @@
               <a:buChar char="●"/>
               <a:defRPr/>
             </a:lvl4pPr>
-            <a:lvl5pPr indent="-317500" lvl="4" marL="2286000" algn="ctr">
+            <a:lvl5pPr marL="2286000" lvl="4" indent="-317500" algn="ctr">
               <a:spcBef>
                 <a:spcPts val="0"/>
               </a:spcBef>
@@ -2108,7 +2402,7 @@
               <a:buChar char="○"/>
               <a:defRPr/>
             </a:lvl5pPr>
-            <a:lvl6pPr indent="-317500" lvl="5" marL="2743200" algn="ctr">
+            <a:lvl6pPr marL="2743200" lvl="5" indent="-317500" algn="ctr">
               <a:spcBef>
                 <a:spcPts val="0"/>
               </a:spcBef>
@@ -2119,7 +2413,7 @@
               <a:buChar char="■"/>
               <a:defRPr/>
             </a:lvl6pPr>
-            <a:lvl7pPr indent="-317500" lvl="6" marL="3200400" algn="ctr">
+            <a:lvl7pPr marL="3200400" lvl="6" indent="-317500" algn="ctr">
               <a:spcBef>
                 <a:spcPts val="0"/>
               </a:spcBef>
@@ -2130,7 +2424,7 @@
               <a:buChar char="●"/>
               <a:defRPr/>
             </a:lvl7pPr>
-            <a:lvl8pPr indent="-317500" lvl="7" marL="3657600" algn="ctr">
+            <a:lvl8pPr marL="3657600" lvl="7" indent="-317500" algn="ctr">
               <a:spcBef>
                 <a:spcPts val="0"/>
               </a:spcBef>
@@ -2141,7 +2435,7 @@
               <a:buChar char="○"/>
               <a:defRPr/>
             </a:lvl8pPr>
-            <a:lvl9pPr indent="-317500" lvl="8" marL="4114800" algn="ctr">
+            <a:lvl9pPr marL="4114800" lvl="8" indent="-317500" algn="ctr">
               <a:spcBef>
                 <a:spcPts val="0"/>
               </a:spcBef>
@@ -2153,15 +2447,19 @@
               <a:defRPr/>
             </a:lvl9pPr>
           </a:lstStyle>
-          <a:p/>
+          <a:p>
+            <a:endParaRPr/>
+          </a:p>
         </p:txBody>
       </p:sp>
       <p:sp>
         <p:nvSpPr>
           <p:cNvPr id="47" name="Google Shape;47;p11"/>
-          <p:cNvSpPr txBox="1"/>
+          <p:cNvSpPr txBox="1">
+            <a:spLocks noGrp="1"/>
+          </p:cNvSpPr>
           <p:nvPr>
-            <p:ph idx="12" type="sldNum"/>
+            <p:ph type="sldNum" idx="12"/>
           </p:nvPr>
         </p:nvSpPr>
         <p:spPr>
@@ -2174,7 +2472,7 @@
           </a:prstGeom>
         </p:spPr>
         <p:txBody>
-          <a:bodyPr anchorCtr="0" anchor="ctr" bIns="91425" lIns="91425" spcFirstLastPara="1" rIns="91425" wrap="square" tIns="91425">
+          <a:bodyPr spcFirstLastPara="1" wrap="square" lIns="91425" tIns="91425" rIns="91425" bIns="91425" anchor="ctr" anchorCtr="0">
             <a:normAutofit/>
           </a:bodyPr>
           <a:lstStyle>
@@ -2216,7 +2514,7 @@
             </a:lvl9pPr>
           </a:lstStyle>
           <a:p>
-            <a:pPr indent="0" lvl="0" marL="0" rtl="0" algn="r">
+            <a:pPr marL="0" lvl="0" indent="0" algn="r" rtl="0">
               <a:spcBef>
                 <a:spcPts val="0"/>
               </a:spcBef>
@@ -2227,7 +2525,7 @@
             </a:pPr>
             <a:fld id="{00000000-1234-1234-1234-123412341234}" type="slidenum">
               <a:rPr lang="en-GB"/>
-              <a:t>‹#›</a:t>
+              <a:t>‹Nr.›</a:t>
             </a:fld>
             <a:endParaRPr/>
           </a:p>
@@ -2242,11 +2540,11 @@
 </file>
 
 <file path=ppt/slideLayouts/slideLayout11.xml><?xml version="1.0" encoding="utf-8"?>
-<p:sldLayout xmlns:a="http://schemas.openxmlformats.org/drawingml/2006/main" xmlns:r="http://schemas.openxmlformats.org/officeDocument/2006/relationships" xmlns:mc="http://schemas.openxmlformats.org/markup-compatibility/2006" xmlns:mv="urn:schemas-microsoft-com:mac:vml" xmlns:p="http://schemas.openxmlformats.org/presentationml/2006/main" xmlns:c="http://schemas.openxmlformats.org/drawingml/2006/chart" xmlns:dgm="http://schemas.openxmlformats.org/drawingml/2006/diagram" xmlns:o="urn:schemas-microsoft-com:office:office" xmlns:v="urn:schemas-microsoft-com:vml" xmlns:pvml="urn:schemas-microsoft-com:office:powerpoint" xmlns:com="http://schemas.openxmlformats.org/drawingml/2006/compatibility" xmlns:p14="http://schemas.microsoft.com/office/powerpoint/2010/main" xmlns:p15="http://schemas.microsoft.com/office/powerpoint/2012/main" xmlns:ahyp="http://schemas.microsoft.com/office/drawing/2018/hyperlinkcolor" matchingName="Blank" type="blank">
+<p:sldLayout xmlns:a="http://schemas.openxmlformats.org/drawingml/2006/main" xmlns:r="http://schemas.openxmlformats.org/officeDocument/2006/relationships" xmlns:p="http://schemas.openxmlformats.org/presentationml/2006/main" matchingName="Blank" type="blank">
   <p:cSld name="BLANK">
     <p:spTree>
       <p:nvGrpSpPr>
-        <p:cNvPr id="48" name="Shape 48"/>
+        <p:cNvPr id="1" name="Shape 48"/>
         <p:cNvGrpSpPr/>
         <p:nvPr/>
       </p:nvGrpSpPr>
@@ -2261,9 +2559,11 @@
       <p:sp>
         <p:nvSpPr>
           <p:cNvPr id="49" name="Google Shape;49;p12"/>
-          <p:cNvSpPr txBox="1"/>
+          <p:cNvSpPr txBox="1">
+            <a:spLocks noGrp="1"/>
+          </p:cNvSpPr>
           <p:nvPr>
-            <p:ph idx="12" type="sldNum"/>
+            <p:ph type="sldNum" idx="12"/>
           </p:nvPr>
         </p:nvSpPr>
         <p:spPr>
@@ -2276,7 +2576,7 @@
           </a:prstGeom>
         </p:spPr>
         <p:txBody>
-          <a:bodyPr anchorCtr="0" anchor="ctr" bIns="91425" lIns="91425" spcFirstLastPara="1" rIns="91425" wrap="square" tIns="91425">
+          <a:bodyPr spcFirstLastPara="1" wrap="square" lIns="91425" tIns="91425" rIns="91425" bIns="91425" anchor="ctr" anchorCtr="0">
             <a:normAutofit/>
           </a:bodyPr>
           <a:lstStyle>
@@ -2318,7 +2618,7 @@
             </a:lvl9pPr>
           </a:lstStyle>
           <a:p>
-            <a:pPr indent="0" lvl="0" marL="0" rtl="0" algn="r">
+            <a:pPr marL="0" lvl="0" indent="0" algn="r" rtl="0">
               <a:spcBef>
                 <a:spcPts val="0"/>
               </a:spcBef>
@@ -2329,7 +2629,7 @@
             </a:pPr>
             <a:fld id="{00000000-1234-1234-1234-123412341234}" type="slidenum">
               <a:rPr lang="en-GB"/>
-              <a:t>‹#›</a:t>
+              <a:t>‹Nr.›</a:t>
             </a:fld>
             <a:endParaRPr/>
           </a:p>
@@ -2344,11 +2644,11 @@
 </file>
 
 <file path=ppt/slideLayouts/slideLayout2.xml><?xml version="1.0" encoding="utf-8"?>
-<p:sldLayout xmlns:a="http://schemas.openxmlformats.org/drawingml/2006/main" xmlns:r="http://schemas.openxmlformats.org/officeDocument/2006/relationships" xmlns:mc="http://schemas.openxmlformats.org/markup-compatibility/2006" xmlns:mv="urn:schemas-microsoft-com:mac:vml" xmlns:p="http://schemas.openxmlformats.org/presentationml/2006/main" xmlns:c="http://schemas.openxmlformats.org/drawingml/2006/chart" xmlns:dgm="http://schemas.openxmlformats.org/drawingml/2006/diagram" xmlns:o="urn:schemas-microsoft-com:office:office" xmlns:v="urn:schemas-microsoft-com:vml" xmlns:pvml="urn:schemas-microsoft-com:office:powerpoint" xmlns:com="http://schemas.openxmlformats.org/drawingml/2006/compatibility" xmlns:p14="http://schemas.microsoft.com/office/powerpoint/2010/main" xmlns:p15="http://schemas.microsoft.com/office/powerpoint/2012/main" xmlns:ahyp="http://schemas.microsoft.com/office/drawing/2018/hyperlinkcolor" matchingName="Section header" type="secHead">
+<p:sldLayout xmlns:a="http://schemas.openxmlformats.org/drawingml/2006/main" xmlns:r="http://schemas.openxmlformats.org/officeDocument/2006/relationships" xmlns:p="http://schemas.openxmlformats.org/presentationml/2006/main" matchingName="Section header" type="secHead">
   <p:cSld name="SECTION_HEADER">
     <p:spTree>
       <p:nvGrpSpPr>
-        <p:cNvPr id="13" name="Shape 13"/>
+        <p:cNvPr id="1" name="Shape 13"/>
         <p:cNvGrpSpPr/>
         <p:nvPr/>
       </p:nvGrpSpPr>
@@ -2363,7 +2663,9 @@
       <p:sp>
         <p:nvSpPr>
           <p:cNvPr id="14" name="Google Shape;14;p3"/>
-          <p:cNvSpPr txBox="1"/>
+          <p:cNvSpPr txBox="1">
+            <a:spLocks noGrp="1"/>
+          </p:cNvSpPr>
           <p:nvPr>
             <p:ph type="title"/>
           </p:nvPr>
@@ -2378,7 +2680,7 @@
           </a:prstGeom>
         </p:spPr>
         <p:txBody>
-          <a:bodyPr anchorCtr="0" anchor="ctr" bIns="91425" lIns="91425" spcFirstLastPara="1" rIns="91425" wrap="square" tIns="91425">
+          <a:bodyPr spcFirstLastPara="1" wrap="square" lIns="91425" tIns="91425" rIns="91425" bIns="91425" anchor="ctr" anchorCtr="0">
             <a:normAutofit/>
           </a:bodyPr>
           <a:lstStyle>
@@ -2482,15 +2784,19 @@
               <a:defRPr sz="3600"/>
             </a:lvl9pPr>
           </a:lstStyle>
-          <a:p/>
+          <a:p>
+            <a:endParaRPr/>
+          </a:p>
         </p:txBody>
       </p:sp>
       <p:sp>
         <p:nvSpPr>
           <p:cNvPr id="15" name="Google Shape;15;p3"/>
-          <p:cNvSpPr txBox="1"/>
+          <p:cNvSpPr txBox="1">
+            <a:spLocks noGrp="1"/>
+          </p:cNvSpPr>
           <p:nvPr>
-            <p:ph idx="12" type="sldNum"/>
+            <p:ph type="sldNum" idx="12"/>
           </p:nvPr>
         </p:nvSpPr>
         <p:spPr>
@@ -2503,7 +2809,7 @@
           </a:prstGeom>
         </p:spPr>
         <p:txBody>
-          <a:bodyPr anchorCtr="0" anchor="ctr" bIns="91425" lIns="91425" spcFirstLastPara="1" rIns="91425" wrap="square" tIns="91425">
+          <a:bodyPr spcFirstLastPara="1" wrap="square" lIns="91425" tIns="91425" rIns="91425" bIns="91425" anchor="ctr" anchorCtr="0">
             <a:normAutofit/>
           </a:bodyPr>
           <a:lstStyle>
@@ -2545,7 +2851,7 @@
             </a:lvl9pPr>
           </a:lstStyle>
           <a:p>
-            <a:pPr indent="0" lvl="0" marL="0" rtl="0" algn="r">
+            <a:pPr marL="0" lvl="0" indent="0" algn="r" rtl="0">
               <a:spcBef>
                 <a:spcPts val="0"/>
               </a:spcBef>
@@ -2556,7 +2862,7 @@
             </a:pPr>
             <a:fld id="{00000000-1234-1234-1234-123412341234}" type="slidenum">
               <a:rPr lang="en-GB"/>
-              <a:t>‹#›</a:t>
+              <a:t>‹Nr.›</a:t>
             </a:fld>
             <a:endParaRPr/>
           </a:p>
@@ -2571,11 +2877,11 @@
 </file>
 
 <file path=ppt/slideLayouts/slideLayout3.xml><?xml version="1.0" encoding="utf-8"?>
-<p:sldLayout xmlns:a="http://schemas.openxmlformats.org/drawingml/2006/main" xmlns:r="http://schemas.openxmlformats.org/officeDocument/2006/relationships" xmlns:mc="http://schemas.openxmlformats.org/markup-compatibility/2006" xmlns:mv="urn:schemas-microsoft-com:mac:vml" xmlns:p="http://schemas.openxmlformats.org/presentationml/2006/main" xmlns:c="http://schemas.openxmlformats.org/drawingml/2006/chart" xmlns:dgm="http://schemas.openxmlformats.org/drawingml/2006/diagram" xmlns:o="urn:schemas-microsoft-com:office:office" xmlns:v="urn:schemas-microsoft-com:vml" xmlns:pvml="urn:schemas-microsoft-com:office:powerpoint" xmlns:com="http://schemas.openxmlformats.org/drawingml/2006/compatibility" xmlns:p14="http://schemas.microsoft.com/office/powerpoint/2010/main" xmlns:p15="http://schemas.microsoft.com/office/powerpoint/2012/main" xmlns:ahyp="http://schemas.microsoft.com/office/drawing/2018/hyperlinkcolor" matchingName="Title and body" type="tx">
+<p:sldLayout xmlns:a="http://schemas.openxmlformats.org/drawingml/2006/main" xmlns:r="http://schemas.openxmlformats.org/officeDocument/2006/relationships" xmlns:p="http://schemas.openxmlformats.org/presentationml/2006/main" matchingName="Title and body" type="tx">
   <p:cSld name="TITLE_AND_BODY">
     <p:spTree>
       <p:nvGrpSpPr>
-        <p:cNvPr id="16" name="Shape 16"/>
+        <p:cNvPr id="1" name="Shape 16"/>
         <p:cNvGrpSpPr/>
         <p:nvPr/>
       </p:nvGrpSpPr>
@@ -2590,7 +2896,9 @@
       <p:sp>
         <p:nvSpPr>
           <p:cNvPr id="17" name="Google Shape;17;p4"/>
-          <p:cNvSpPr txBox="1"/>
+          <p:cNvSpPr txBox="1">
+            <a:spLocks noGrp="1"/>
+          </p:cNvSpPr>
           <p:nvPr>
             <p:ph type="title"/>
           </p:nvPr>
@@ -2605,7 +2913,7 @@
           </a:prstGeom>
         </p:spPr>
         <p:txBody>
-          <a:bodyPr anchorCtr="0" anchor="t" bIns="91425" lIns="91425" spcFirstLastPara="1" rIns="91425" wrap="square" tIns="91425">
+          <a:bodyPr spcFirstLastPara="1" wrap="square" lIns="91425" tIns="91425" rIns="91425" bIns="91425" anchor="t" anchorCtr="0">
             <a:normAutofit/>
           </a:bodyPr>
           <a:lstStyle>
@@ -2709,15 +3017,19 @@
               <a:defRPr/>
             </a:lvl9pPr>
           </a:lstStyle>
-          <a:p/>
+          <a:p>
+            <a:endParaRPr/>
+          </a:p>
         </p:txBody>
       </p:sp>
       <p:sp>
         <p:nvSpPr>
           <p:cNvPr id="18" name="Google Shape;18;p4"/>
-          <p:cNvSpPr txBox="1"/>
+          <p:cNvSpPr txBox="1">
+            <a:spLocks noGrp="1"/>
+          </p:cNvSpPr>
           <p:nvPr>
-            <p:ph idx="1" type="body"/>
+            <p:ph type="body" idx="1"/>
           </p:nvPr>
         </p:nvSpPr>
         <p:spPr>
@@ -2730,11 +3042,11 @@
           </a:prstGeom>
         </p:spPr>
         <p:txBody>
-          <a:bodyPr anchorCtr="0" anchor="t" bIns="91425" lIns="91425" spcFirstLastPara="1" rIns="91425" wrap="square" tIns="91425">
+          <a:bodyPr spcFirstLastPara="1" wrap="square" lIns="91425" tIns="91425" rIns="91425" bIns="91425" anchor="t" anchorCtr="0">
             <a:normAutofit/>
           </a:bodyPr>
           <a:lstStyle>
-            <a:lvl1pPr indent="-342900" lvl="0" marL="457200">
+            <a:lvl1pPr marL="457200" lvl="0" indent="-342900">
               <a:spcBef>
                 <a:spcPts val="0"/>
               </a:spcBef>
@@ -2745,7 +3057,7 @@
               <a:buChar char="●"/>
               <a:defRPr/>
             </a:lvl1pPr>
-            <a:lvl2pPr indent="-317500" lvl="1" marL="914400">
+            <a:lvl2pPr marL="914400" lvl="1" indent="-317500">
               <a:spcBef>
                 <a:spcPts val="0"/>
               </a:spcBef>
@@ -2756,7 +3068,7 @@
               <a:buChar char="○"/>
               <a:defRPr/>
             </a:lvl2pPr>
-            <a:lvl3pPr indent="-317500" lvl="2" marL="1371600">
+            <a:lvl3pPr marL="1371600" lvl="2" indent="-317500">
               <a:spcBef>
                 <a:spcPts val="0"/>
               </a:spcBef>
@@ -2767,7 +3079,7 @@
               <a:buChar char="■"/>
               <a:defRPr/>
             </a:lvl3pPr>
-            <a:lvl4pPr indent="-317500" lvl="3" marL="1828800">
+            <a:lvl4pPr marL="1828800" lvl="3" indent="-317500">
               <a:spcBef>
                 <a:spcPts val="0"/>
               </a:spcBef>
@@ -2778,7 +3090,7 @@
               <a:buChar char="●"/>
               <a:defRPr/>
             </a:lvl4pPr>
-            <a:lvl5pPr indent="-317500" lvl="4" marL="2286000">
+            <a:lvl5pPr marL="2286000" lvl="4" indent="-317500">
               <a:spcBef>
                 <a:spcPts val="0"/>
               </a:spcBef>
@@ -2789,7 +3101,7 @@
               <a:buChar char="○"/>
               <a:defRPr/>
             </a:lvl5pPr>
-            <a:lvl6pPr indent="-317500" lvl="5" marL="2743200">
+            <a:lvl6pPr marL="2743200" lvl="5" indent="-317500">
               <a:spcBef>
                 <a:spcPts val="0"/>
               </a:spcBef>
@@ -2800,7 +3112,7 @@
               <a:buChar char="■"/>
               <a:defRPr/>
             </a:lvl6pPr>
-            <a:lvl7pPr indent="-317500" lvl="6" marL="3200400">
+            <a:lvl7pPr marL="3200400" lvl="6" indent="-317500">
               <a:spcBef>
                 <a:spcPts val="0"/>
               </a:spcBef>
@@ -2811,7 +3123,7 @@
               <a:buChar char="●"/>
               <a:defRPr/>
             </a:lvl7pPr>
-            <a:lvl8pPr indent="-317500" lvl="7" marL="3657600">
+            <a:lvl8pPr marL="3657600" lvl="7" indent="-317500">
               <a:spcBef>
                 <a:spcPts val="0"/>
               </a:spcBef>
@@ -2822,7 +3134,7 @@
               <a:buChar char="○"/>
               <a:defRPr/>
             </a:lvl8pPr>
-            <a:lvl9pPr indent="-317500" lvl="8" marL="4114800">
+            <a:lvl9pPr marL="4114800" lvl="8" indent="-317500">
               <a:spcBef>
                 <a:spcPts val="0"/>
               </a:spcBef>
@@ -2834,15 +3146,19 @@
               <a:defRPr/>
             </a:lvl9pPr>
           </a:lstStyle>
-          <a:p/>
+          <a:p>
+            <a:endParaRPr/>
+          </a:p>
         </p:txBody>
       </p:sp>
       <p:sp>
         <p:nvSpPr>
           <p:cNvPr id="19" name="Google Shape;19;p4"/>
-          <p:cNvSpPr txBox="1"/>
+          <p:cNvSpPr txBox="1">
+            <a:spLocks noGrp="1"/>
+          </p:cNvSpPr>
           <p:nvPr>
-            <p:ph idx="12" type="sldNum"/>
+            <p:ph type="sldNum" idx="12"/>
           </p:nvPr>
         </p:nvSpPr>
         <p:spPr>
@@ -2855,7 +3171,7 @@
           </a:prstGeom>
         </p:spPr>
         <p:txBody>
-          <a:bodyPr anchorCtr="0" anchor="ctr" bIns="91425" lIns="91425" spcFirstLastPara="1" rIns="91425" wrap="square" tIns="91425">
+          <a:bodyPr spcFirstLastPara="1" wrap="square" lIns="91425" tIns="91425" rIns="91425" bIns="91425" anchor="ctr" anchorCtr="0">
             <a:normAutofit/>
           </a:bodyPr>
           <a:lstStyle>
@@ -2897,7 +3213,7 @@
             </a:lvl9pPr>
           </a:lstStyle>
           <a:p>
-            <a:pPr indent="0" lvl="0" marL="0" rtl="0" algn="r">
+            <a:pPr marL="0" lvl="0" indent="0" algn="r" rtl="0">
               <a:spcBef>
                 <a:spcPts val="0"/>
               </a:spcBef>
@@ -2908,7 +3224,7 @@
             </a:pPr>
             <a:fld id="{00000000-1234-1234-1234-123412341234}" type="slidenum">
               <a:rPr lang="en-GB"/>
-              <a:t>‹#›</a:t>
+              <a:t>‹Nr.›</a:t>
             </a:fld>
             <a:endParaRPr/>
           </a:p>
@@ -2923,11 +3239,11 @@
 </file>
 
 <file path=ppt/slideLayouts/slideLayout4.xml><?xml version="1.0" encoding="utf-8"?>
-<p:sldLayout xmlns:a="http://schemas.openxmlformats.org/drawingml/2006/main" xmlns:r="http://schemas.openxmlformats.org/officeDocument/2006/relationships" xmlns:mc="http://schemas.openxmlformats.org/markup-compatibility/2006" xmlns:mv="urn:schemas-microsoft-com:mac:vml" xmlns:p="http://schemas.openxmlformats.org/presentationml/2006/main" xmlns:c="http://schemas.openxmlformats.org/drawingml/2006/chart" xmlns:dgm="http://schemas.openxmlformats.org/drawingml/2006/diagram" xmlns:o="urn:schemas-microsoft-com:office:office" xmlns:v="urn:schemas-microsoft-com:vml" xmlns:pvml="urn:schemas-microsoft-com:office:powerpoint" xmlns:com="http://schemas.openxmlformats.org/drawingml/2006/compatibility" xmlns:p14="http://schemas.microsoft.com/office/powerpoint/2010/main" xmlns:p15="http://schemas.microsoft.com/office/powerpoint/2012/main" xmlns:ahyp="http://schemas.microsoft.com/office/drawing/2018/hyperlinkcolor" matchingName="Title and two columns" type="twoColTx">
+<p:sldLayout xmlns:a="http://schemas.openxmlformats.org/drawingml/2006/main" xmlns:r="http://schemas.openxmlformats.org/officeDocument/2006/relationships" xmlns:p="http://schemas.openxmlformats.org/presentationml/2006/main" matchingName="Title and two columns" type="twoColTx">
   <p:cSld name="TITLE_AND_TWO_COLUMNS">
     <p:spTree>
       <p:nvGrpSpPr>
-        <p:cNvPr id="20" name="Shape 20"/>
+        <p:cNvPr id="1" name="Shape 20"/>
         <p:cNvGrpSpPr/>
         <p:nvPr/>
       </p:nvGrpSpPr>
@@ -2942,7 +3258,9 @@
       <p:sp>
         <p:nvSpPr>
           <p:cNvPr id="21" name="Google Shape;21;p5"/>
-          <p:cNvSpPr txBox="1"/>
+          <p:cNvSpPr txBox="1">
+            <a:spLocks noGrp="1"/>
+          </p:cNvSpPr>
           <p:nvPr>
             <p:ph type="title"/>
           </p:nvPr>
@@ -2957,7 +3275,7 @@
           </a:prstGeom>
         </p:spPr>
         <p:txBody>
-          <a:bodyPr anchorCtr="0" anchor="t" bIns="91425" lIns="91425" spcFirstLastPara="1" rIns="91425" wrap="square" tIns="91425">
+          <a:bodyPr spcFirstLastPara="1" wrap="square" lIns="91425" tIns="91425" rIns="91425" bIns="91425" anchor="t" anchorCtr="0">
             <a:normAutofit/>
           </a:bodyPr>
           <a:lstStyle>
@@ -3061,15 +3379,19 @@
               <a:defRPr/>
             </a:lvl9pPr>
           </a:lstStyle>
-          <a:p/>
+          <a:p>
+            <a:endParaRPr/>
+          </a:p>
         </p:txBody>
       </p:sp>
       <p:sp>
         <p:nvSpPr>
           <p:cNvPr id="22" name="Google Shape;22;p5"/>
-          <p:cNvSpPr txBox="1"/>
+          <p:cNvSpPr txBox="1">
+            <a:spLocks noGrp="1"/>
+          </p:cNvSpPr>
           <p:nvPr>
-            <p:ph idx="1" type="body"/>
+            <p:ph type="body" idx="1"/>
           </p:nvPr>
         </p:nvSpPr>
         <p:spPr>
@@ -3082,11 +3404,11 @@
           </a:prstGeom>
         </p:spPr>
         <p:txBody>
-          <a:bodyPr anchorCtr="0" anchor="t" bIns="91425" lIns="91425" spcFirstLastPara="1" rIns="91425" wrap="square" tIns="91425">
+          <a:bodyPr spcFirstLastPara="1" wrap="square" lIns="91425" tIns="91425" rIns="91425" bIns="91425" anchor="t" anchorCtr="0">
             <a:normAutofit/>
           </a:bodyPr>
           <a:lstStyle>
-            <a:lvl1pPr indent="-317500" lvl="0" marL="457200">
+            <a:lvl1pPr marL="457200" lvl="0" indent="-317500">
               <a:spcBef>
                 <a:spcPts val="0"/>
               </a:spcBef>
@@ -3097,7 +3419,7 @@
               <a:buChar char="●"/>
               <a:defRPr sz="1400"/>
             </a:lvl1pPr>
-            <a:lvl2pPr indent="-304800" lvl="1" marL="914400">
+            <a:lvl2pPr marL="914400" lvl="1" indent="-304800">
               <a:spcBef>
                 <a:spcPts val="0"/>
               </a:spcBef>
@@ -3108,7 +3430,7 @@
               <a:buChar char="○"/>
               <a:defRPr sz="1200"/>
             </a:lvl2pPr>
-            <a:lvl3pPr indent="-304800" lvl="2" marL="1371600">
+            <a:lvl3pPr marL="1371600" lvl="2" indent="-304800">
               <a:spcBef>
                 <a:spcPts val="0"/>
               </a:spcBef>
@@ -3119,7 +3441,7 @@
               <a:buChar char="■"/>
               <a:defRPr sz="1200"/>
             </a:lvl3pPr>
-            <a:lvl4pPr indent="-304800" lvl="3" marL="1828800">
+            <a:lvl4pPr marL="1828800" lvl="3" indent="-304800">
               <a:spcBef>
                 <a:spcPts val="0"/>
               </a:spcBef>
@@ -3130,7 +3452,7 @@
               <a:buChar char="●"/>
               <a:defRPr sz="1200"/>
             </a:lvl4pPr>
-            <a:lvl5pPr indent="-304800" lvl="4" marL="2286000">
+            <a:lvl5pPr marL="2286000" lvl="4" indent="-304800">
               <a:spcBef>
                 <a:spcPts val="0"/>
               </a:spcBef>
@@ -3141,7 +3463,7 @@
               <a:buChar char="○"/>
               <a:defRPr sz="1200"/>
             </a:lvl5pPr>
-            <a:lvl6pPr indent="-304800" lvl="5" marL="2743200">
+            <a:lvl6pPr marL="2743200" lvl="5" indent="-304800">
               <a:spcBef>
                 <a:spcPts val="0"/>
               </a:spcBef>
@@ -3152,7 +3474,7 @@
               <a:buChar char="■"/>
               <a:defRPr sz="1200"/>
             </a:lvl6pPr>
-            <a:lvl7pPr indent="-304800" lvl="6" marL="3200400">
+            <a:lvl7pPr marL="3200400" lvl="6" indent="-304800">
               <a:spcBef>
                 <a:spcPts val="0"/>
               </a:spcBef>
@@ -3163,7 +3485,7 @@
               <a:buChar char="●"/>
               <a:defRPr sz="1200"/>
             </a:lvl7pPr>
-            <a:lvl8pPr indent="-304800" lvl="7" marL="3657600">
+            <a:lvl8pPr marL="3657600" lvl="7" indent="-304800">
               <a:spcBef>
                 <a:spcPts val="0"/>
               </a:spcBef>
@@ -3174,7 +3496,7 @@
               <a:buChar char="○"/>
               <a:defRPr sz="1200"/>
             </a:lvl8pPr>
-            <a:lvl9pPr indent="-304800" lvl="8" marL="4114800">
+            <a:lvl9pPr marL="4114800" lvl="8" indent="-304800">
               <a:spcBef>
                 <a:spcPts val="0"/>
               </a:spcBef>
@@ -3186,15 +3508,19 @@
               <a:defRPr sz="1200"/>
             </a:lvl9pPr>
           </a:lstStyle>
-          <a:p/>
+          <a:p>
+            <a:endParaRPr/>
+          </a:p>
         </p:txBody>
       </p:sp>
       <p:sp>
         <p:nvSpPr>
           <p:cNvPr id="23" name="Google Shape;23;p5"/>
-          <p:cNvSpPr txBox="1"/>
+          <p:cNvSpPr txBox="1">
+            <a:spLocks noGrp="1"/>
+          </p:cNvSpPr>
           <p:nvPr>
-            <p:ph idx="2" type="body"/>
+            <p:ph type="body" idx="2"/>
           </p:nvPr>
         </p:nvSpPr>
         <p:spPr>
@@ -3207,11 +3533,11 @@
           </a:prstGeom>
         </p:spPr>
         <p:txBody>
-          <a:bodyPr anchorCtr="0" anchor="t" bIns="91425" lIns="91425" spcFirstLastPara="1" rIns="91425" wrap="square" tIns="91425">
+          <a:bodyPr spcFirstLastPara="1" wrap="square" lIns="91425" tIns="91425" rIns="91425" bIns="91425" anchor="t" anchorCtr="0">
             <a:normAutofit/>
           </a:bodyPr>
           <a:lstStyle>
-            <a:lvl1pPr indent="-317500" lvl="0" marL="457200">
+            <a:lvl1pPr marL="457200" lvl="0" indent="-317500">
               <a:spcBef>
                 <a:spcPts val="0"/>
               </a:spcBef>
@@ -3222,7 +3548,7 @@
               <a:buChar char="●"/>
               <a:defRPr sz="1400"/>
             </a:lvl1pPr>
-            <a:lvl2pPr indent="-304800" lvl="1" marL="914400">
+            <a:lvl2pPr marL="914400" lvl="1" indent="-304800">
               <a:spcBef>
                 <a:spcPts val="0"/>
               </a:spcBef>
@@ -3233,7 +3559,7 @@
               <a:buChar char="○"/>
               <a:defRPr sz="1200"/>
             </a:lvl2pPr>
-            <a:lvl3pPr indent="-304800" lvl="2" marL="1371600">
+            <a:lvl3pPr marL="1371600" lvl="2" indent="-304800">
               <a:spcBef>
                 <a:spcPts val="0"/>
               </a:spcBef>
@@ -3244,7 +3570,7 @@
               <a:buChar char="■"/>
               <a:defRPr sz="1200"/>
             </a:lvl3pPr>
-            <a:lvl4pPr indent="-304800" lvl="3" marL="1828800">
+            <a:lvl4pPr marL="1828800" lvl="3" indent="-304800">
               <a:spcBef>
                 <a:spcPts val="0"/>
               </a:spcBef>
@@ -3255,7 +3581,7 @@
               <a:buChar char="●"/>
               <a:defRPr sz="1200"/>
             </a:lvl4pPr>
-            <a:lvl5pPr indent="-304800" lvl="4" marL="2286000">
+            <a:lvl5pPr marL="2286000" lvl="4" indent="-304800">
               <a:spcBef>
                 <a:spcPts val="0"/>
               </a:spcBef>
@@ -3266,7 +3592,7 @@
               <a:buChar char="○"/>
               <a:defRPr sz="1200"/>
             </a:lvl5pPr>
-            <a:lvl6pPr indent="-304800" lvl="5" marL="2743200">
+            <a:lvl6pPr marL="2743200" lvl="5" indent="-304800">
               <a:spcBef>
                 <a:spcPts val="0"/>
               </a:spcBef>
@@ -3277,7 +3603,7 @@
               <a:buChar char="■"/>
               <a:defRPr sz="1200"/>
             </a:lvl6pPr>
-            <a:lvl7pPr indent="-304800" lvl="6" marL="3200400">
+            <a:lvl7pPr marL="3200400" lvl="6" indent="-304800">
               <a:spcBef>
                 <a:spcPts val="0"/>
               </a:spcBef>
@@ -3288,7 +3614,7 @@
               <a:buChar char="●"/>
               <a:defRPr sz="1200"/>
             </a:lvl7pPr>
-            <a:lvl8pPr indent="-304800" lvl="7" marL="3657600">
+            <a:lvl8pPr marL="3657600" lvl="7" indent="-304800">
               <a:spcBef>
                 <a:spcPts val="0"/>
               </a:spcBef>
@@ -3299,7 +3625,7 @@
               <a:buChar char="○"/>
               <a:defRPr sz="1200"/>
             </a:lvl8pPr>
-            <a:lvl9pPr indent="-304800" lvl="8" marL="4114800">
+            <a:lvl9pPr marL="4114800" lvl="8" indent="-304800">
               <a:spcBef>
                 <a:spcPts val="0"/>
               </a:spcBef>
@@ -3311,15 +3637,19 @@
               <a:defRPr sz="1200"/>
             </a:lvl9pPr>
           </a:lstStyle>
-          <a:p/>
+          <a:p>
+            <a:endParaRPr/>
+          </a:p>
         </p:txBody>
       </p:sp>
       <p:sp>
         <p:nvSpPr>
           <p:cNvPr id="24" name="Google Shape;24;p5"/>
-          <p:cNvSpPr txBox="1"/>
+          <p:cNvSpPr txBox="1">
+            <a:spLocks noGrp="1"/>
+          </p:cNvSpPr>
           <p:nvPr>
-            <p:ph idx="12" type="sldNum"/>
+            <p:ph type="sldNum" idx="12"/>
           </p:nvPr>
         </p:nvSpPr>
         <p:spPr>
@@ -3332,7 +3662,7 @@
           </a:prstGeom>
         </p:spPr>
         <p:txBody>
-          <a:bodyPr anchorCtr="0" anchor="ctr" bIns="91425" lIns="91425" spcFirstLastPara="1" rIns="91425" wrap="square" tIns="91425">
+          <a:bodyPr spcFirstLastPara="1" wrap="square" lIns="91425" tIns="91425" rIns="91425" bIns="91425" anchor="ctr" anchorCtr="0">
             <a:normAutofit/>
           </a:bodyPr>
           <a:lstStyle>
@@ -3374,7 +3704,7 @@
             </a:lvl9pPr>
           </a:lstStyle>
           <a:p>
-            <a:pPr indent="0" lvl="0" marL="0" rtl="0" algn="r">
+            <a:pPr marL="0" lvl="0" indent="0" algn="r" rtl="0">
               <a:spcBef>
                 <a:spcPts val="0"/>
               </a:spcBef>
@@ -3385,7 +3715,7 @@
             </a:pPr>
             <a:fld id="{00000000-1234-1234-1234-123412341234}" type="slidenum">
               <a:rPr lang="en-GB"/>
-              <a:t>‹#›</a:t>
+              <a:t>‹Nr.›</a:t>
             </a:fld>
             <a:endParaRPr/>
           </a:p>
@@ -3400,11 +3730,11 @@
 </file>
 
 <file path=ppt/slideLayouts/slideLayout5.xml><?xml version="1.0" encoding="utf-8"?>
-<p:sldLayout xmlns:a="http://schemas.openxmlformats.org/drawingml/2006/main" xmlns:r="http://schemas.openxmlformats.org/officeDocument/2006/relationships" xmlns:mc="http://schemas.openxmlformats.org/markup-compatibility/2006" xmlns:mv="urn:schemas-microsoft-com:mac:vml" xmlns:p="http://schemas.openxmlformats.org/presentationml/2006/main" xmlns:c="http://schemas.openxmlformats.org/drawingml/2006/chart" xmlns:dgm="http://schemas.openxmlformats.org/drawingml/2006/diagram" xmlns:o="urn:schemas-microsoft-com:office:office" xmlns:v="urn:schemas-microsoft-com:vml" xmlns:pvml="urn:schemas-microsoft-com:office:powerpoint" xmlns:com="http://schemas.openxmlformats.org/drawingml/2006/compatibility" xmlns:p14="http://schemas.microsoft.com/office/powerpoint/2010/main" xmlns:p15="http://schemas.microsoft.com/office/powerpoint/2012/main" xmlns:ahyp="http://schemas.microsoft.com/office/drawing/2018/hyperlinkcolor" matchingName="Title only" type="titleOnly">
+<p:sldLayout xmlns:a="http://schemas.openxmlformats.org/drawingml/2006/main" xmlns:r="http://schemas.openxmlformats.org/officeDocument/2006/relationships" xmlns:p="http://schemas.openxmlformats.org/presentationml/2006/main" matchingName="Title only" type="titleOnly">
   <p:cSld name="TITLE_ONLY">
     <p:spTree>
       <p:nvGrpSpPr>
-        <p:cNvPr id="25" name="Shape 25"/>
+        <p:cNvPr id="1" name="Shape 25"/>
         <p:cNvGrpSpPr/>
         <p:nvPr/>
       </p:nvGrpSpPr>
@@ -3419,7 +3749,9 @@
       <p:sp>
         <p:nvSpPr>
           <p:cNvPr id="26" name="Google Shape;26;p6"/>
-          <p:cNvSpPr txBox="1"/>
+          <p:cNvSpPr txBox="1">
+            <a:spLocks noGrp="1"/>
+          </p:cNvSpPr>
           <p:nvPr>
             <p:ph type="title"/>
           </p:nvPr>
@@ -3434,7 +3766,7 @@
           </a:prstGeom>
         </p:spPr>
         <p:txBody>
-          <a:bodyPr anchorCtr="0" anchor="t" bIns="91425" lIns="91425" spcFirstLastPara="1" rIns="91425" wrap="square" tIns="91425">
+          <a:bodyPr spcFirstLastPara="1" wrap="square" lIns="91425" tIns="91425" rIns="91425" bIns="91425" anchor="t" anchorCtr="0">
             <a:normAutofit/>
           </a:bodyPr>
           <a:lstStyle>
@@ -3538,15 +3870,19 @@
               <a:defRPr/>
             </a:lvl9pPr>
           </a:lstStyle>
-          <a:p/>
+          <a:p>
+            <a:endParaRPr/>
+          </a:p>
         </p:txBody>
       </p:sp>
       <p:sp>
         <p:nvSpPr>
           <p:cNvPr id="27" name="Google Shape;27;p6"/>
-          <p:cNvSpPr txBox="1"/>
+          <p:cNvSpPr txBox="1">
+            <a:spLocks noGrp="1"/>
+          </p:cNvSpPr>
           <p:nvPr>
-            <p:ph idx="12" type="sldNum"/>
+            <p:ph type="sldNum" idx="12"/>
           </p:nvPr>
         </p:nvSpPr>
         <p:spPr>
@@ -3559,7 +3895,7 @@
           </a:prstGeom>
         </p:spPr>
         <p:txBody>
-          <a:bodyPr anchorCtr="0" anchor="ctr" bIns="91425" lIns="91425" spcFirstLastPara="1" rIns="91425" wrap="square" tIns="91425">
+          <a:bodyPr spcFirstLastPara="1" wrap="square" lIns="91425" tIns="91425" rIns="91425" bIns="91425" anchor="ctr" anchorCtr="0">
             <a:normAutofit/>
           </a:bodyPr>
           <a:lstStyle>
@@ -3601,7 +3937,7 @@
             </a:lvl9pPr>
           </a:lstStyle>
           <a:p>
-            <a:pPr indent="0" lvl="0" marL="0" rtl="0" algn="r">
+            <a:pPr marL="0" lvl="0" indent="0" algn="r" rtl="0">
               <a:spcBef>
                 <a:spcPts val="0"/>
               </a:spcBef>
@@ -3612,7 +3948,7 @@
             </a:pPr>
             <a:fld id="{00000000-1234-1234-1234-123412341234}" type="slidenum">
               <a:rPr lang="en-GB"/>
-              <a:t>‹#›</a:t>
+              <a:t>‹Nr.›</a:t>
             </a:fld>
             <a:endParaRPr/>
           </a:p>
@@ -3627,11 +3963,11 @@
 </file>
 
 <file path=ppt/slideLayouts/slideLayout6.xml><?xml version="1.0" encoding="utf-8"?>
-<p:sldLayout xmlns:a="http://schemas.openxmlformats.org/drawingml/2006/main" xmlns:r="http://schemas.openxmlformats.org/officeDocument/2006/relationships" xmlns:mc="http://schemas.openxmlformats.org/markup-compatibility/2006" xmlns:mv="urn:schemas-microsoft-com:mac:vml" xmlns:p="http://schemas.openxmlformats.org/presentationml/2006/main" xmlns:c="http://schemas.openxmlformats.org/drawingml/2006/chart" xmlns:dgm="http://schemas.openxmlformats.org/drawingml/2006/diagram" xmlns:o="urn:schemas-microsoft-com:office:office" xmlns:v="urn:schemas-microsoft-com:vml" xmlns:pvml="urn:schemas-microsoft-com:office:powerpoint" xmlns:com="http://schemas.openxmlformats.org/drawingml/2006/compatibility" xmlns:p14="http://schemas.microsoft.com/office/powerpoint/2010/main" xmlns:p15="http://schemas.microsoft.com/office/powerpoint/2012/main" xmlns:ahyp="http://schemas.microsoft.com/office/drawing/2018/hyperlinkcolor" matchingName="One column text">
+<p:sldLayout xmlns:a="http://schemas.openxmlformats.org/drawingml/2006/main" xmlns:r="http://schemas.openxmlformats.org/officeDocument/2006/relationships" xmlns:p="http://schemas.openxmlformats.org/presentationml/2006/main" matchingName="One column text">
   <p:cSld name="ONE_COLUMN_TEXT">
     <p:spTree>
       <p:nvGrpSpPr>
-        <p:cNvPr id="28" name="Shape 28"/>
+        <p:cNvPr id="1" name="Shape 28"/>
         <p:cNvGrpSpPr/>
         <p:nvPr/>
       </p:nvGrpSpPr>
@@ -3646,7 +3982,9 @@
       <p:sp>
         <p:nvSpPr>
           <p:cNvPr id="29" name="Google Shape;29;p7"/>
-          <p:cNvSpPr txBox="1"/>
+          <p:cNvSpPr txBox="1">
+            <a:spLocks noGrp="1"/>
+          </p:cNvSpPr>
           <p:nvPr>
             <p:ph type="title"/>
           </p:nvPr>
@@ -3661,7 +3999,7 @@
           </a:prstGeom>
         </p:spPr>
         <p:txBody>
-          <a:bodyPr anchorCtr="0" anchor="b" bIns="91425" lIns="91425" spcFirstLastPara="1" rIns="91425" wrap="square" tIns="91425">
+          <a:bodyPr spcFirstLastPara="1" wrap="square" lIns="91425" tIns="91425" rIns="91425" bIns="91425" anchor="b" anchorCtr="0">
             <a:normAutofit/>
           </a:bodyPr>
           <a:lstStyle>
@@ -3765,15 +4103,19 @@
               <a:defRPr sz="2400"/>
             </a:lvl9pPr>
           </a:lstStyle>
-          <a:p/>
+          <a:p>
+            <a:endParaRPr/>
+          </a:p>
         </p:txBody>
       </p:sp>
       <p:sp>
         <p:nvSpPr>
           <p:cNvPr id="30" name="Google Shape;30;p7"/>
-          <p:cNvSpPr txBox="1"/>
+          <p:cNvSpPr txBox="1">
+            <a:spLocks noGrp="1"/>
+          </p:cNvSpPr>
           <p:nvPr>
-            <p:ph idx="1" type="body"/>
+            <p:ph type="body" idx="1"/>
           </p:nvPr>
         </p:nvSpPr>
         <p:spPr>
@@ -3786,11 +4128,11 @@
           </a:prstGeom>
         </p:spPr>
         <p:txBody>
-          <a:bodyPr anchorCtr="0" anchor="t" bIns="91425" lIns="91425" spcFirstLastPara="1" rIns="91425" wrap="square" tIns="91425">
+          <a:bodyPr spcFirstLastPara="1" wrap="square" lIns="91425" tIns="91425" rIns="91425" bIns="91425" anchor="t" anchorCtr="0">
             <a:normAutofit/>
           </a:bodyPr>
           <a:lstStyle>
-            <a:lvl1pPr indent="-304800" lvl="0" marL="457200">
+            <a:lvl1pPr marL="457200" lvl="0" indent="-304800">
               <a:spcBef>
                 <a:spcPts val="0"/>
               </a:spcBef>
@@ -3801,7 +4143,7 @@
               <a:buChar char="●"/>
               <a:defRPr sz="1200"/>
             </a:lvl1pPr>
-            <a:lvl2pPr indent="-304800" lvl="1" marL="914400">
+            <a:lvl2pPr marL="914400" lvl="1" indent="-304800">
               <a:spcBef>
                 <a:spcPts val="0"/>
               </a:spcBef>
@@ -3812,7 +4154,7 @@
               <a:buChar char="○"/>
               <a:defRPr sz="1200"/>
             </a:lvl2pPr>
-            <a:lvl3pPr indent="-304800" lvl="2" marL="1371600">
+            <a:lvl3pPr marL="1371600" lvl="2" indent="-304800">
               <a:spcBef>
                 <a:spcPts val="0"/>
               </a:spcBef>
@@ -3823,7 +4165,7 @@
               <a:buChar char="■"/>
               <a:defRPr sz="1200"/>
             </a:lvl3pPr>
-            <a:lvl4pPr indent="-304800" lvl="3" marL="1828800">
+            <a:lvl4pPr marL="1828800" lvl="3" indent="-304800">
               <a:spcBef>
                 <a:spcPts val="0"/>
               </a:spcBef>
@@ -3834,7 +4176,7 @@
               <a:buChar char="●"/>
               <a:defRPr sz="1200"/>
             </a:lvl4pPr>
-            <a:lvl5pPr indent="-304800" lvl="4" marL="2286000">
+            <a:lvl5pPr marL="2286000" lvl="4" indent="-304800">
               <a:spcBef>
                 <a:spcPts val="0"/>
               </a:spcBef>
@@ -3845,7 +4187,7 @@
               <a:buChar char="○"/>
               <a:defRPr sz="1200"/>
             </a:lvl5pPr>
-            <a:lvl6pPr indent="-304800" lvl="5" marL="2743200">
+            <a:lvl6pPr marL="2743200" lvl="5" indent="-304800">
               <a:spcBef>
                 <a:spcPts val="0"/>
               </a:spcBef>
@@ -3856,7 +4198,7 @@
               <a:buChar char="■"/>
               <a:defRPr sz="1200"/>
             </a:lvl6pPr>
-            <a:lvl7pPr indent="-304800" lvl="6" marL="3200400">
+            <a:lvl7pPr marL="3200400" lvl="6" indent="-304800">
               <a:spcBef>
                 <a:spcPts val="0"/>
               </a:spcBef>
@@ -3867,7 +4209,7 @@
               <a:buChar char="●"/>
               <a:defRPr sz="1200"/>
             </a:lvl7pPr>
-            <a:lvl8pPr indent="-304800" lvl="7" marL="3657600">
+            <a:lvl8pPr marL="3657600" lvl="7" indent="-304800">
               <a:spcBef>
                 <a:spcPts val="0"/>
               </a:spcBef>
@@ -3878,7 +4220,7 @@
               <a:buChar char="○"/>
               <a:defRPr sz="1200"/>
             </a:lvl8pPr>
-            <a:lvl9pPr indent="-304800" lvl="8" marL="4114800">
+            <a:lvl9pPr marL="4114800" lvl="8" indent="-304800">
               <a:spcBef>
                 <a:spcPts val="0"/>
               </a:spcBef>
@@ -3890,15 +4232,19 @@
               <a:defRPr sz="1200"/>
             </a:lvl9pPr>
           </a:lstStyle>
-          <a:p/>
+          <a:p>
+            <a:endParaRPr/>
+          </a:p>
         </p:txBody>
       </p:sp>
       <p:sp>
         <p:nvSpPr>
           <p:cNvPr id="31" name="Google Shape;31;p7"/>
-          <p:cNvSpPr txBox="1"/>
+          <p:cNvSpPr txBox="1">
+            <a:spLocks noGrp="1"/>
+          </p:cNvSpPr>
           <p:nvPr>
-            <p:ph idx="12" type="sldNum"/>
+            <p:ph type="sldNum" idx="12"/>
           </p:nvPr>
         </p:nvSpPr>
         <p:spPr>
@@ -3911,7 +4257,7 @@
           </a:prstGeom>
         </p:spPr>
         <p:txBody>
-          <a:bodyPr anchorCtr="0" anchor="ctr" bIns="91425" lIns="91425" spcFirstLastPara="1" rIns="91425" wrap="square" tIns="91425">
+          <a:bodyPr spcFirstLastPara="1" wrap="square" lIns="91425" tIns="91425" rIns="91425" bIns="91425" anchor="ctr" anchorCtr="0">
             <a:normAutofit/>
           </a:bodyPr>
           <a:lstStyle>
@@ -3953,7 +4299,7 @@
             </a:lvl9pPr>
           </a:lstStyle>
           <a:p>
-            <a:pPr indent="0" lvl="0" marL="0" rtl="0" algn="r">
+            <a:pPr marL="0" lvl="0" indent="0" algn="r" rtl="0">
               <a:spcBef>
                 <a:spcPts val="0"/>
               </a:spcBef>
@@ -3964,7 +4310,7 @@
             </a:pPr>
             <a:fld id="{00000000-1234-1234-1234-123412341234}" type="slidenum">
               <a:rPr lang="en-GB"/>
-              <a:t>‹#›</a:t>
+              <a:t>‹Nr.›</a:t>
             </a:fld>
             <a:endParaRPr/>
           </a:p>
@@ -3979,11 +4325,11 @@
 </file>
 
 <file path=ppt/slideLayouts/slideLayout7.xml><?xml version="1.0" encoding="utf-8"?>
-<p:sldLayout xmlns:a="http://schemas.openxmlformats.org/drawingml/2006/main" xmlns:r="http://schemas.openxmlformats.org/officeDocument/2006/relationships" xmlns:mc="http://schemas.openxmlformats.org/markup-compatibility/2006" xmlns:mv="urn:schemas-microsoft-com:mac:vml" xmlns:p="http://schemas.openxmlformats.org/presentationml/2006/main" xmlns:c="http://schemas.openxmlformats.org/drawingml/2006/chart" xmlns:dgm="http://schemas.openxmlformats.org/drawingml/2006/diagram" xmlns:o="urn:schemas-microsoft-com:office:office" xmlns:v="urn:schemas-microsoft-com:vml" xmlns:pvml="urn:schemas-microsoft-com:office:powerpoint" xmlns:com="http://schemas.openxmlformats.org/drawingml/2006/compatibility" xmlns:p14="http://schemas.microsoft.com/office/powerpoint/2010/main" xmlns:p15="http://schemas.microsoft.com/office/powerpoint/2012/main" xmlns:ahyp="http://schemas.microsoft.com/office/drawing/2018/hyperlinkcolor" matchingName="Main point">
+<p:sldLayout xmlns:a="http://schemas.openxmlformats.org/drawingml/2006/main" xmlns:r="http://schemas.openxmlformats.org/officeDocument/2006/relationships" xmlns:p="http://schemas.openxmlformats.org/presentationml/2006/main" matchingName="Main point">
   <p:cSld name="MAIN_POINT">
     <p:spTree>
       <p:nvGrpSpPr>
-        <p:cNvPr id="32" name="Shape 32"/>
+        <p:cNvPr id="1" name="Shape 32"/>
         <p:cNvGrpSpPr/>
         <p:nvPr/>
       </p:nvGrpSpPr>
@@ -3998,7 +4344,9 @@
       <p:sp>
         <p:nvSpPr>
           <p:cNvPr id="33" name="Google Shape;33;p8"/>
-          <p:cNvSpPr txBox="1"/>
+          <p:cNvSpPr txBox="1">
+            <a:spLocks noGrp="1"/>
+          </p:cNvSpPr>
           <p:nvPr>
             <p:ph type="title"/>
           </p:nvPr>
@@ -4013,7 +4361,7 @@
           </a:prstGeom>
         </p:spPr>
         <p:txBody>
-          <a:bodyPr anchorCtr="0" anchor="ctr" bIns="91425" lIns="91425" spcFirstLastPara="1" rIns="91425" wrap="square" tIns="91425">
+          <a:bodyPr spcFirstLastPara="1" wrap="square" lIns="91425" tIns="91425" rIns="91425" bIns="91425" anchor="ctr" anchorCtr="0">
             <a:normAutofit/>
           </a:bodyPr>
           <a:lstStyle>
@@ -4117,15 +4465,19 @@
               <a:defRPr sz="4800"/>
             </a:lvl9pPr>
           </a:lstStyle>
-          <a:p/>
+          <a:p>
+            <a:endParaRPr/>
+          </a:p>
         </p:txBody>
       </p:sp>
       <p:sp>
         <p:nvSpPr>
           <p:cNvPr id="34" name="Google Shape;34;p8"/>
-          <p:cNvSpPr txBox="1"/>
+          <p:cNvSpPr txBox="1">
+            <a:spLocks noGrp="1"/>
+          </p:cNvSpPr>
           <p:nvPr>
-            <p:ph idx="12" type="sldNum"/>
+            <p:ph type="sldNum" idx="12"/>
           </p:nvPr>
         </p:nvSpPr>
         <p:spPr>
@@ -4138,7 +4490,7 @@
           </a:prstGeom>
         </p:spPr>
         <p:txBody>
-          <a:bodyPr anchorCtr="0" anchor="ctr" bIns="91425" lIns="91425" spcFirstLastPara="1" rIns="91425" wrap="square" tIns="91425">
+          <a:bodyPr spcFirstLastPara="1" wrap="square" lIns="91425" tIns="91425" rIns="91425" bIns="91425" anchor="ctr" anchorCtr="0">
             <a:normAutofit/>
           </a:bodyPr>
           <a:lstStyle>
@@ -4180,7 +4532,7 @@
             </a:lvl9pPr>
           </a:lstStyle>
           <a:p>
-            <a:pPr indent="0" lvl="0" marL="0" rtl="0" algn="r">
+            <a:pPr marL="0" lvl="0" indent="0" algn="r" rtl="0">
               <a:spcBef>
                 <a:spcPts val="0"/>
               </a:spcBef>
@@ -4191,7 +4543,7 @@
             </a:pPr>
             <a:fld id="{00000000-1234-1234-1234-123412341234}" type="slidenum">
               <a:rPr lang="en-GB"/>
-              <a:t>‹#›</a:t>
+              <a:t>‹Nr.›</a:t>
             </a:fld>
             <a:endParaRPr/>
           </a:p>
@@ -4206,11 +4558,11 @@
 </file>
 
 <file path=ppt/slideLayouts/slideLayout8.xml><?xml version="1.0" encoding="utf-8"?>
-<p:sldLayout xmlns:a="http://schemas.openxmlformats.org/drawingml/2006/main" xmlns:r="http://schemas.openxmlformats.org/officeDocument/2006/relationships" xmlns:mc="http://schemas.openxmlformats.org/markup-compatibility/2006" xmlns:mv="urn:schemas-microsoft-com:mac:vml" xmlns:p="http://schemas.openxmlformats.org/presentationml/2006/main" xmlns:c="http://schemas.openxmlformats.org/drawingml/2006/chart" xmlns:dgm="http://schemas.openxmlformats.org/drawingml/2006/diagram" xmlns:o="urn:schemas-microsoft-com:office:office" xmlns:v="urn:schemas-microsoft-com:vml" xmlns:pvml="urn:schemas-microsoft-com:office:powerpoint" xmlns:com="http://schemas.openxmlformats.org/drawingml/2006/compatibility" xmlns:p14="http://schemas.microsoft.com/office/powerpoint/2010/main" xmlns:p15="http://schemas.microsoft.com/office/powerpoint/2012/main" xmlns:ahyp="http://schemas.microsoft.com/office/drawing/2018/hyperlinkcolor" matchingName="Section title and description">
+<p:sldLayout xmlns:a="http://schemas.openxmlformats.org/drawingml/2006/main" xmlns:r="http://schemas.openxmlformats.org/officeDocument/2006/relationships" xmlns:p="http://schemas.openxmlformats.org/presentationml/2006/main" matchingName="Section title and description">
   <p:cSld name="SECTION_TITLE_AND_DESCRIPTION">
     <p:spTree>
       <p:nvGrpSpPr>
-        <p:cNvPr id="35" name="Shape 35"/>
+        <p:cNvPr id="1" name="Shape 35"/>
         <p:cNvGrpSpPr/>
         <p:nvPr/>
       </p:nvGrpSpPr>
@@ -4244,12 +4596,12 @@
           </a:ln>
         </p:spPr>
         <p:txBody>
-          <a:bodyPr anchorCtr="0" anchor="ctr" bIns="91425" lIns="91425" spcFirstLastPara="1" rIns="91425" wrap="square" tIns="91425">
+          <a:bodyPr spcFirstLastPara="1" wrap="square" lIns="91425" tIns="91425" rIns="91425" bIns="91425" anchor="ctr" anchorCtr="0">
             <a:noAutofit/>
           </a:bodyPr>
           <a:lstStyle/>
           <a:p>
-            <a:pPr indent="0" lvl="0" marL="0" rtl="0" algn="l">
+            <a:pPr marL="0" lvl="0" indent="0" algn="l" rtl="0">
               <a:spcBef>
                 <a:spcPts val="0"/>
               </a:spcBef>
@@ -4258,9 +4610,6 @@
               </a:spcAft>
               <a:buNone/>
             </a:pPr>
-            <a:r>
-              <a:t/>
-            </a:r>
             <a:endParaRPr/>
           </a:p>
         </p:txBody>
@@ -4268,7 +4617,9 @@
       <p:sp>
         <p:nvSpPr>
           <p:cNvPr id="37" name="Google Shape;37;p9"/>
-          <p:cNvSpPr txBox="1"/>
+          <p:cNvSpPr txBox="1">
+            <a:spLocks noGrp="1"/>
+          </p:cNvSpPr>
           <p:nvPr>
             <p:ph type="title"/>
           </p:nvPr>
@@ -4283,7 +4634,7 @@
           </a:prstGeom>
         </p:spPr>
         <p:txBody>
-          <a:bodyPr anchorCtr="0" anchor="b" bIns="91425" lIns="91425" spcFirstLastPara="1" rIns="91425" wrap="square" tIns="91425">
+          <a:bodyPr spcFirstLastPara="1" wrap="square" lIns="91425" tIns="91425" rIns="91425" bIns="91425" anchor="b" anchorCtr="0">
             <a:normAutofit/>
           </a:bodyPr>
           <a:lstStyle>
@@ -4387,15 +4738,19 @@
               <a:defRPr sz="4200"/>
             </a:lvl9pPr>
           </a:lstStyle>
-          <a:p/>
+          <a:p>
+            <a:endParaRPr/>
+          </a:p>
         </p:txBody>
       </p:sp>
       <p:sp>
         <p:nvSpPr>
           <p:cNvPr id="38" name="Google Shape;38;p9"/>
-          <p:cNvSpPr txBox="1"/>
+          <p:cNvSpPr txBox="1">
+            <a:spLocks noGrp="1"/>
+          </p:cNvSpPr>
           <p:nvPr>
-            <p:ph idx="1" type="subTitle"/>
+            <p:ph type="subTitle" idx="1"/>
           </p:nvPr>
         </p:nvSpPr>
         <p:spPr>
@@ -4408,7 +4763,7 @@
           </a:prstGeom>
         </p:spPr>
         <p:txBody>
-          <a:bodyPr anchorCtr="0" anchor="t" bIns="91425" lIns="91425" spcFirstLastPara="1" rIns="91425" wrap="square" tIns="91425">
+          <a:bodyPr spcFirstLastPara="1" wrap="square" lIns="91425" tIns="91425" rIns="91425" bIns="91425" anchor="t" anchorCtr="0">
             <a:normAutofit/>
           </a:bodyPr>
           <a:lstStyle>
@@ -4539,15 +4894,19 @@
               <a:defRPr sz="2100"/>
             </a:lvl9pPr>
           </a:lstStyle>
-          <a:p/>
+          <a:p>
+            <a:endParaRPr/>
+          </a:p>
         </p:txBody>
       </p:sp>
       <p:sp>
         <p:nvSpPr>
           <p:cNvPr id="39" name="Google Shape;39;p9"/>
-          <p:cNvSpPr txBox="1"/>
+          <p:cNvSpPr txBox="1">
+            <a:spLocks noGrp="1"/>
+          </p:cNvSpPr>
           <p:nvPr>
-            <p:ph idx="2" type="body"/>
+            <p:ph type="body" idx="2"/>
           </p:nvPr>
         </p:nvSpPr>
         <p:spPr>
@@ -4560,11 +4919,11 @@
           </a:prstGeom>
         </p:spPr>
         <p:txBody>
-          <a:bodyPr anchorCtr="0" anchor="ctr" bIns="91425" lIns="91425" spcFirstLastPara="1" rIns="91425" wrap="square" tIns="91425">
+          <a:bodyPr spcFirstLastPara="1" wrap="square" lIns="91425" tIns="91425" rIns="91425" bIns="91425" anchor="ctr" anchorCtr="0">
             <a:normAutofit/>
           </a:bodyPr>
           <a:lstStyle>
-            <a:lvl1pPr indent="-342900" lvl="0" marL="457200">
+            <a:lvl1pPr marL="457200" lvl="0" indent="-342900">
               <a:spcBef>
                 <a:spcPts val="0"/>
               </a:spcBef>
@@ -4575,7 +4934,7 @@
               <a:buChar char="●"/>
               <a:defRPr/>
             </a:lvl1pPr>
-            <a:lvl2pPr indent="-317500" lvl="1" marL="914400">
+            <a:lvl2pPr marL="914400" lvl="1" indent="-317500">
               <a:spcBef>
                 <a:spcPts val="0"/>
               </a:spcBef>
@@ -4586,7 +4945,7 @@
               <a:buChar char="○"/>
               <a:defRPr/>
             </a:lvl2pPr>
-            <a:lvl3pPr indent="-317500" lvl="2" marL="1371600">
+            <a:lvl3pPr marL="1371600" lvl="2" indent="-317500">
               <a:spcBef>
                 <a:spcPts val="0"/>
               </a:spcBef>
@@ -4597,7 +4956,7 @@
               <a:buChar char="■"/>
               <a:defRPr/>
             </a:lvl3pPr>
-            <a:lvl4pPr indent="-317500" lvl="3" marL="1828800">
+            <a:lvl4pPr marL="1828800" lvl="3" indent="-317500">
               <a:spcBef>
                 <a:spcPts val="0"/>
               </a:spcBef>
@@ -4608,7 +4967,7 @@
               <a:buChar char="●"/>
               <a:defRPr/>
             </a:lvl4pPr>
-            <a:lvl5pPr indent="-317500" lvl="4" marL="2286000">
+            <a:lvl5pPr marL="2286000" lvl="4" indent="-317500">
               <a:spcBef>
                 <a:spcPts val="0"/>
               </a:spcBef>
@@ -4619,7 +4978,7 @@
               <a:buChar char="○"/>
               <a:defRPr/>
             </a:lvl5pPr>
-            <a:lvl6pPr indent="-317500" lvl="5" marL="2743200">
+            <a:lvl6pPr marL="2743200" lvl="5" indent="-317500">
               <a:spcBef>
                 <a:spcPts val="0"/>
               </a:spcBef>
@@ -4630,7 +4989,7 @@
               <a:buChar char="■"/>
               <a:defRPr/>
             </a:lvl6pPr>
-            <a:lvl7pPr indent="-317500" lvl="6" marL="3200400">
+            <a:lvl7pPr marL="3200400" lvl="6" indent="-317500">
               <a:spcBef>
                 <a:spcPts val="0"/>
               </a:spcBef>
@@ -4641,7 +5000,7 @@
               <a:buChar char="●"/>
               <a:defRPr/>
             </a:lvl7pPr>
-            <a:lvl8pPr indent="-317500" lvl="7" marL="3657600">
+            <a:lvl8pPr marL="3657600" lvl="7" indent="-317500">
               <a:spcBef>
                 <a:spcPts val="0"/>
               </a:spcBef>
@@ -4652,7 +5011,7 @@
               <a:buChar char="○"/>
               <a:defRPr/>
             </a:lvl8pPr>
-            <a:lvl9pPr indent="-317500" lvl="8" marL="4114800">
+            <a:lvl9pPr marL="4114800" lvl="8" indent="-317500">
               <a:spcBef>
                 <a:spcPts val="0"/>
               </a:spcBef>
@@ -4664,15 +5023,19 @@
               <a:defRPr/>
             </a:lvl9pPr>
           </a:lstStyle>
-          <a:p/>
+          <a:p>
+            <a:endParaRPr/>
+          </a:p>
         </p:txBody>
       </p:sp>
       <p:sp>
         <p:nvSpPr>
           <p:cNvPr id="40" name="Google Shape;40;p9"/>
-          <p:cNvSpPr txBox="1"/>
+          <p:cNvSpPr txBox="1">
+            <a:spLocks noGrp="1"/>
+          </p:cNvSpPr>
           <p:nvPr>
-            <p:ph idx="12" type="sldNum"/>
+            <p:ph type="sldNum" idx="12"/>
           </p:nvPr>
         </p:nvSpPr>
         <p:spPr>
@@ -4685,7 +5048,7 @@
           </a:prstGeom>
         </p:spPr>
         <p:txBody>
-          <a:bodyPr anchorCtr="0" anchor="ctr" bIns="91425" lIns="91425" spcFirstLastPara="1" rIns="91425" wrap="square" tIns="91425">
+          <a:bodyPr spcFirstLastPara="1" wrap="square" lIns="91425" tIns="91425" rIns="91425" bIns="91425" anchor="ctr" anchorCtr="0">
             <a:normAutofit/>
           </a:bodyPr>
           <a:lstStyle>
@@ -4727,7 +5090,7 @@
             </a:lvl9pPr>
           </a:lstStyle>
           <a:p>
-            <a:pPr indent="0" lvl="0" marL="0" rtl="0" algn="r">
+            <a:pPr marL="0" lvl="0" indent="0" algn="r" rtl="0">
               <a:spcBef>
                 <a:spcPts val="0"/>
               </a:spcBef>
@@ -4738,7 +5101,7 @@
             </a:pPr>
             <a:fld id="{00000000-1234-1234-1234-123412341234}" type="slidenum">
               <a:rPr lang="en-GB"/>
-              <a:t>‹#›</a:t>
+              <a:t>‹Nr.›</a:t>
             </a:fld>
             <a:endParaRPr/>
           </a:p>
@@ -4753,11 +5116,11 @@
 </file>
 
 <file path=ppt/slideLayouts/slideLayout9.xml><?xml version="1.0" encoding="utf-8"?>
-<p:sldLayout xmlns:a="http://schemas.openxmlformats.org/drawingml/2006/main" xmlns:r="http://schemas.openxmlformats.org/officeDocument/2006/relationships" xmlns:mc="http://schemas.openxmlformats.org/markup-compatibility/2006" xmlns:mv="urn:schemas-microsoft-com:mac:vml" xmlns:p="http://schemas.openxmlformats.org/presentationml/2006/main" xmlns:c="http://schemas.openxmlformats.org/drawingml/2006/chart" xmlns:dgm="http://schemas.openxmlformats.org/drawingml/2006/diagram" xmlns:o="urn:schemas-microsoft-com:office:office" xmlns:v="urn:schemas-microsoft-com:vml" xmlns:pvml="urn:schemas-microsoft-com:office:powerpoint" xmlns:com="http://schemas.openxmlformats.org/drawingml/2006/compatibility" xmlns:p14="http://schemas.microsoft.com/office/powerpoint/2010/main" xmlns:p15="http://schemas.microsoft.com/office/powerpoint/2012/main" xmlns:ahyp="http://schemas.microsoft.com/office/drawing/2018/hyperlinkcolor" matchingName="Caption">
+<p:sldLayout xmlns:a="http://schemas.openxmlformats.org/drawingml/2006/main" xmlns:r="http://schemas.openxmlformats.org/officeDocument/2006/relationships" xmlns:p="http://schemas.openxmlformats.org/presentationml/2006/main" matchingName="Caption">
   <p:cSld name="CAPTION_ONLY">
     <p:spTree>
       <p:nvGrpSpPr>
-        <p:cNvPr id="41" name="Shape 41"/>
+        <p:cNvPr id="1" name="Shape 41"/>
         <p:cNvGrpSpPr/>
         <p:nvPr/>
       </p:nvGrpSpPr>
@@ -4772,9 +5135,11 @@
       <p:sp>
         <p:nvSpPr>
           <p:cNvPr id="42" name="Google Shape;42;p10"/>
-          <p:cNvSpPr txBox="1"/>
+          <p:cNvSpPr txBox="1">
+            <a:spLocks noGrp="1"/>
+          </p:cNvSpPr>
           <p:nvPr>
-            <p:ph idx="1" type="body"/>
+            <p:ph type="body" idx="1"/>
           </p:nvPr>
         </p:nvSpPr>
         <p:spPr>
@@ -4787,11 +5152,11 @@
           </a:prstGeom>
         </p:spPr>
         <p:txBody>
-          <a:bodyPr anchorCtr="0" anchor="ctr" bIns="91425" lIns="91425" spcFirstLastPara="1" rIns="91425" wrap="square" tIns="91425">
+          <a:bodyPr spcFirstLastPara="1" wrap="square" lIns="91425" tIns="91425" rIns="91425" bIns="91425" anchor="ctr" anchorCtr="0">
             <a:normAutofit/>
           </a:bodyPr>
           <a:lstStyle>
-            <a:lvl1pPr indent="-228600" lvl="0" marL="457200">
+            <a:lvl1pPr marL="457200" lvl="0" indent="-228600">
               <a:lnSpc>
                 <a:spcPct val="100000"/>
               </a:lnSpc>
@@ -4806,15 +5171,19 @@
               <a:defRPr/>
             </a:lvl1pPr>
           </a:lstStyle>
-          <a:p/>
+          <a:p>
+            <a:endParaRPr/>
+          </a:p>
         </p:txBody>
       </p:sp>
       <p:sp>
         <p:nvSpPr>
           <p:cNvPr id="43" name="Google Shape;43;p10"/>
-          <p:cNvSpPr txBox="1"/>
+          <p:cNvSpPr txBox="1">
+            <a:spLocks noGrp="1"/>
+          </p:cNvSpPr>
           <p:nvPr>
-            <p:ph idx="12" type="sldNum"/>
+            <p:ph type="sldNum" idx="12"/>
           </p:nvPr>
         </p:nvSpPr>
         <p:spPr>
@@ -4827,7 +5196,7 @@
           </a:prstGeom>
         </p:spPr>
         <p:txBody>
-          <a:bodyPr anchorCtr="0" anchor="ctr" bIns="91425" lIns="91425" spcFirstLastPara="1" rIns="91425" wrap="square" tIns="91425">
+          <a:bodyPr spcFirstLastPara="1" wrap="square" lIns="91425" tIns="91425" rIns="91425" bIns="91425" anchor="ctr" anchorCtr="0">
             <a:normAutofit/>
           </a:bodyPr>
           <a:lstStyle>
@@ -4869,7 +5238,7 @@
             </a:lvl9pPr>
           </a:lstStyle>
           <a:p>
-            <a:pPr indent="0" lvl="0" marL="0" rtl="0" algn="r">
+            <a:pPr marL="0" lvl="0" indent="0" algn="r" rtl="0">
               <a:spcBef>
                 <a:spcPts val="0"/>
               </a:spcBef>
@@ -4880,7 +5249,7 @@
             </a:pPr>
             <a:fld id="{00000000-1234-1234-1234-123412341234}" type="slidenum">
               <a:rPr lang="en-GB"/>
-              <a:t>‹#›</a:t>
+              <a:t>‹Nr.›</a:t>
             </a:fld>
             <a:endParaRPr/>
           </a:p>
@@ -4895,18 +5264,19 @@
 </file>
 
 <file path=ppt/slideMasters/slideMaster1.xml><?xml version="1.0" encoding="utf-8"?>
-<p:sldMaster xmlns:a="http://schemas.openxmlformats.org/drawingml/2006/main" xmlns:r="http://schemas.openxmlformats.org/officeDocument/2006/relationships" xmlns:mc="http://schemas.openxmlformats.org/markup-compatibility/2006" xmlns:mv="urn:schemas-microsoft-com:mac:vml" xmlns:p="http://schemas.openxmlformats.org/presentationml/2006/main" xmlns:c="http://schemas.openxmlformats.org/drawingml/2006/chart" xmlns:dgm="http://schemas.openxmlformats.org/drawingml/2006/diagram" xmlns:o="urn:schemas-microsoft-com:office:office" xmlns:v="urn:schemas-microsoft-com:vml" xmlns:pvml="urn:schemas-microsoft-com:office:powerpoint" xmlns:com="http://schemas.openxmlformats.org/drawingml/2006/compatibility" xmlns:p14="http://schemas.microsoft.com/office/powerpoint/2010/main" xmlns:p15="http://schemas.microsoft.com/office/powerpoint/2012/main" xmlns:ahyp="http://schemas.microsoft.com/office/drawing/2018/hyperlinkcolor">
+<p:sldMaster xmlns:a="http://schemas.openxmlformats.org/drawingml/2006/main" xmlns:r="http://schemas.openxmlformats.org/officeDocument/2006/relationships" xmlns:p="http://schemas.openxmlformats.org/presentationml/2006/main">
   <p:cSld name="simple-light-2">
     <p:bg>
       <p:bgPr>
         <a:solidFill>
           <a:schemeClr val="lt1"/>
         </a:solidFill>
+        <a:effectLst/>
       </p:bgPr>
     </p:bg>
     <p:spTree>
       <p:nvGrpSpPr>
-        <p:cNvPr id="5" name="Shape 5"/>
+        <p:cNvPr id="1" name="Shape 5"/>
         <p:cNvGrpSpPr/>
         <p:nvPr/>
       </p:nvGrpSpPr>
@@ -4921,7 +5291,9 @@
       <p:sp>
         <p:nvSpPr>
           <p:cNvPr id="6" name="Google Shape;6;p1"/>
-          <p:cNvSpPr txBox="1"/>
+          <p:cNvSpPr txBox="1">
+            <a:spLocks noGrp="1"/>
+          </p:cNvSpPr>
           <p:nvPr>
             <p:ph type="title"/>
           </p:nvPr>
@@ -4940,7 +5312,7 @@
           </a:ln>
         </p:spPr>
         <p:txBody>
-          <a:bodyPr anchorCtr="0" anchor="t" bIns="91425" lIns="91425" spcFirstLastPara="1" rIns="91425" wrap="square" tIns="91425">
+          <a:bodyPr spcFirstLastPara="1" wrap="square" lIns="91425" tIns="91425" rIns="91425" bIns="91425" anchor="t" anchorCtr="0">
             <a:normAutofit/>
           </a:bodyPr>
           <a:lstStyle>
@@ -5107,15 +5479,19 @@
               </a:defRPr>
             </a:lvl9pPr>
           </a:lstStyle>
-          <a:p/>
+          <a:p>
+            <a:endParaRPr/>
+          </a:p>
         </p:txBody>
       </p:sp>
       <p:sp>
         <p:nvSpPr>
           <p:cNvPr id="7" name="Google Shape;7;p1"/>
-          <p:cNvSpPr txBox="1"/>
+          <p:cNvSpPr txBox="1">
+            <a:spLocks noGrp="1"/>
+          </p:cNvSpPr>
           <p:nvPr>
-            <p:ph idx="1" type="body"/>
+            <p:ph type="body" idx="1"/>
           </p:nvPr>
         </p:nvSpPr>
         <p:spPr>
@@ -5132,11 +5508,11 @@
           </a:ln>
         </p:spPr>
         <p:txBody>
-          <a:bodyPr anchorCtr="0" anchor="t" bIns="91425" lIns="91425" spcFirstLastPara="1" rIns="91425" wrap="square" tIns="91425">
+          <a:bodyPr spcFirstLastPara="1" wrap="square" lIns="91425" tIns="91425" rIns="91425" bIns="91425" anchor="t" anchorCtr="0">
             <a:normAutofit/>
           </a:bodyPr>
           <a:lstStyle>
-            <a:lvl1pPr indent="-342900" lvl="0" marL="457200">
+            <a:lvl1pPr marL="457200" lvl="0" indent="-342900">
               <a:lnSpc>
                 <a:spcPct val="115000"/>
               </a:lnSpc>
@@ -5157,7 +5533,7 @@
                 </a:solidFill>
               </a:defRPr>
             </a:lvl1pPr>
-            <a:lvl2pPr indent="-317500" lvl="1" marL="914400">
+            <a:lvl2pPr marL="914400" lvl="1" indent="-317500">
               <a:lnSpc>
                 <a:spcPct val="115000"/>
               </a:lnSpc>
@@ -5178,7 +5554,7 @@
                 </a:solidFill>
               </a:defRPr>
             </a:lvl2pPr>
-            <a:lvl3pPr indent="-317500" lvl="2" marL="1371600">
+            <a:lvl3pPr marL="1371600" lvl="2" indent="-317500">
               <a:lnSpc>
                 <a:spcPct val="115000"/>
               </a:lnSpc>
@@ -5199,7 +5575,7 @@
                 </a:solidFill>
               </a:defRPr>
             </a:lvl3pPr>
-            <a:lvl4pPr indent="-317500" lvl="3" marL="1828800">
+            <a:lvl4pPr marL="1828800" lvl="3" indent="-317500">
               <a:lnSpc>
                 <a:spcPct val="115000"/>
               </a:lnSpc>
@@ -5220,7 +5596,7 @@
                 </a:solidFill>
               </a:defRPr>
             </a:lvl4pPr>
-            <a:lvl5pPr indent="-317500" lvl="4" marL="2286000">
+            <a:lvl5pPr marL="2286000" lvl="4" indent="-317500">
               <a:lnSpc>
                 <a:spcPct val="115000"/>
               </a:lnSpc>
@@ -5241,7 +5617,7 @@
                 </a:solidFill>
               </a:defRPr>
             </a:lvl5pPr>
-            <a:lvl6pPr indent="-317500" lvl="5" marL="2743200">
+            <a:lvl6pPr marL="2743200" lvl="5" indent="-317500">
               <a:lnSpc>
                 <a:spcPct val="115000"/>
               </a:lnSpc>
@@ -5262,7 +5638,7 @@
                 </a:solidFill>
               </a:defRPr>
             </a:lvl6pPr>
-            <a:lvl7pPr indent="-317500" lvl="6" marL="3200400">
+            <a:lvl7pPr marL="3200400" lvl="6" indent="-317500">
               <a:lnSpc>
                 <a:spcPct val="115000"/>
               </a:lnSpc>
@@ -5283,7 +5659,7 @@
                 </a:solidFill>
               </a:defRPr>
             </a:lvl7pPr>
-            <a:lvl8pPr indent="-317500" lvl="7" marL="3657600">
+            <a:lvl8pPr marL="3657600" lvl="7" indent="-317500">
               <a:lnSpc>
                 <a:spcPct val="115000"/>
               </a:lnSpc>
@@ -5304,7 +5680,7 @@
                 </a:solidFill>
               </a:defRPr>
             </a:lvl8pPr>
-            <a:lvl9pPr indent="-317500" lvl="8" marL="4114800">
+            <a:lvl9pPr marL="4114800" lvl="8" indent="-317500">
               <a:lnSpc>
                 <a:spcPct val="115000"/>
               </a:lnSpc>
@@ -5326,15 +5702,19 @@
               </a:defRPr>
             </a:lvl9pPr>
           </a:lstStyle>
-          <a:p/>
+          <a:p>
+            <a:endParaRPr/>
+          </a:p>
         </p:txBody>
       </p:sp>
       <p:sp>
         <p:nvSpPr>
           <p:cNvPr id="8" name="Google Shape;8;p1"/>
-          <p:cNvSpPr txBox="1"/>
+          <p:cNvSpPr txBox="1">
+            <a:spLocks noGrp="1"/>
+          </p:cNvSpPr>
           <p:nvPr>
-            <p:ph idx="12" type="sldNum"/>
+            <p:ph type="sldNum" idx="12"/>
           </p:nvPr>
         </p:nvSpPr>
         <p:spPr>
@@ -5351,7 +5731,7 @@
           </a:ln>
         </p:spPr>
         <p:txBody>
-          <a:bodyPr anchorCtr="0" anchor="ctr" bIns="91425" lIns="91425" spcFirstLastPara="1" rIns="91425" wrap="square" tIns="91425">
+          <a:bodyPr spcFirstLastPara="1" wrap="square" lIns="91425" tIns="91425" rIns="91425" bIns="91425" anchor="ctr" anchorCtr="0">
             <a:normAutofit/>
           </a:bodyPr>
           <a:lstStyle>
@@ -5429,7 +5809,7 @@
             </a:lvl9pPr>
           </a:lstStyle>
           <a:p>
-            <a:pPr indent="0" lvl="0" marL="0" rtl="0" algn="r">
+            <a:pPr marL="0" lvl="0" indent="0" algn="r" rtl="0">
               <a:spcBef>
                 <a:spcPts val="0"/>
               </a:spcBef>
@@ -5440,7 +5820,7 @@
             </a:pPr>
             <a:fld id="{00000000-1234-1234-1234-123412341234}" type="slidenum">
               <a:rPr lang="en-GB"/>
-              <a:t>‹#›</a:t>
+              <a:t>‹Nr.›</a:t>
             </a:fld>
             <a:endParaRPr/>
           </a:p>
@@ -5448,7 +5828,7 @@
       </p:sp>
     </p:spTree>
   </p:cSld>
-  <p:clrMap accent1="accent1" accent2="accent2" accent3="accent3" accent4="accent4" accent5="accent5" accent6="accent6" bg1="lt1" bg2="dk2" tx1="dk1" tx2="lt2" folHlink="folHlink" hlink="hlink"/>
+  <p:clrMap bg1="lt1" tx1="dk1" bg2="dk2" tx2="lt2" accent1="accent1" accent2="accent2" accent3="accent3" accent4="accent4" accent5="accent5" accent6="accent6" hlink="hlink" folHlink="folHlink"/>
   <p:sldLayoutIdLst>
     <p:sldLayoutId id="2147483648" r:id="rId1"/>
     <p:sldLayoutId id="2147483649" r:id="rId2"/>
@@ -5462,10 +5842,10 @@
     <p:sldLayoutId id="2147483657" r:id="rId10"/>
     <p:sldLayoutId id="2147483658" r:id="rId11"/>
   </p:sldLayoutIdLst>
-  <p:hf dt="0" ftr="0" hdr="0" sldNum="0"/>
+  <p:hf sldNum="0" hdr="0" ftr="0" dt="0"/>
   <p:txStyles>
     <p:titleStyle>
-      <a:defPPr lvl="0" marR="0" rtl="0" algn="l">
+      <a:defPPr marR="0" lvl="0" algn="l" rtl="0">
         <a:lnSpc>
           <a:spcPct val="100000"/>
         </a:lnSpc>
@@ -5476,7 +5856,7 @@
           <a:spcPts val="0"/>
         </a:spcAft>
       </a:defPPr>
-      <a:lvl1pPr lvl="0" marR="0" rtl="0" algn="l">
+      <a:lvl1pPr marR="0" lvl="0" algn="l" rtl="0">
         <a:lnSpc>
           <a:spcPct val="100000"/>
         </a:lnSpc>
@@ -5490,7 +5870,7 @@
           <a:srgbClr val="000000"/>
         </a:buClr>
         <a:buFont typeface="Arial"/>
-        <a:defRPr b="0" i="0" sz="1400" u="none" cap="none" strike="noStrike">
+        <a:defRPr sz="1400" b="0" i="0" u="none" strike="noStrike" cap="none">
           <a:solidFill>
             <a:srgbClr val="000000"/>
           </a:solidFill>
@@ -5500,7 +5880,7 @@
           <a:sym typeface="Arial"/>
         </a:defRPr>
       </a:lvl1pPr>
-      <a:lvl2pPr lvl="1" marR="0" rtl="0" algn="l">
+      <a:lvl2pPr marR="0" lvl="1" algn="l" rtl="0">
         <a:lnSpc>
           <a:spcPct val="100000"/>
         </a:lnSpc>
@@ -5514,7 +5894,7 @@
           <a:srgbClr val="000000"/>
         </a:buClr>
         <a:buFont typeface="Arial"/>
-        <a:defRPr b="0" i="0" sz="1400" u="none" cap="none" strike="noStrike">
+        <a:defRPr sz="1400" b="0" i="0" u="none" strike="noStrike" cap="none">
           <a:solidFill>
             <a:srgbClr val="000000"/>
           </a:solidFill>
@@ -5524,7 +5904,7 @@
           <a:sym typeface="Arial"/>
         </a:defRPr>
       </a:lvl2pPr>
-      <a:lvl3pPr lvl="2" marR="0" rtl="0" algn="l">
+      <a:lvl3pPr marR="0" lvl="2" algn="l" rtl="0">
         <a:lnSpc>
           <a:spcPct val="100000"/>
         </a:lnSpc>
@@ -5538,7 +5918,7 @@
           <a:srgbClr val="000000"/>
         </a:buClr>
         <a:buFont typeface="Arial"/>
-        <a:defRPr b="0" i="0" sz="1400" u="none" cap="none" strike="noStrike">
+        <a:defRPr sz="1400" b="0" i="0" u="none" strike="noStrike" cap="none">
           <a:solidFill>
             <a:srgbClr val="000000"/>
           </a:solidFill>
@@ -5548,7 +5928,7 @@
           <a:sym typeface="Arial"/>
         </a:defRPr>
       </a:lvl3pPr>
-      <a:lvl4pPr lvl="3" marR="0" rtl="0" algn="l">
+      <a:lvl4pPr marR="0" lvl="3" algn="l" rtl="0">
         <a:lnSpc>
           <a:spcPct val="100000"/>
         </a:lnSpc>
@@ -5562,7 +5942,7 @@
           <a:srgbClr val="000000"/>
         </a:buClr>
         <a:buFont typeface="Arial"/>
-        <a:defRPr b="0" i="0" sz="1400" u="none" cap="none" strike="noStrike">
+        <a:defRPr sz="1400" b="0" i="0" u="none" strike="noStrike" cap="none">
           <a:solidFill>
             <a:srgbClr val="000000"/>
           </a:solidFill>
@@ -5572,7 +5952,7 @@
           <a:sym typeface="Arial"/>
         </a:defRPr>
       </a:lvl4pPr>
-      <a:lvl5pPr lvl="4" marR="0" rtl="0" algn="l">
+      <a:lvl5pPr marR="0" lvl="4" algn="l" rtl="0">
         <a:lnSpc>
           <a:spcPct val="100000"/>
         </a:lnSpc>
@@ -5586,7 +5966,7 @@
           <a:srgbClr val="000000"/>
         </a:buClr>
         <a:buFont typeface="Arial"/>
-        <a:defRPr b="0" i="0" sz="1400" u="none" cap="none" strike="noStrike">
+        <a:defRPr sz="1400" b="0" i="0" u="none" strike="noStrike" cap="none">
           <a:solidFill>
             <a:srgbClr val="000000"/>
           </a:solidFill>
@@ -5596,7 +5976,7 @@
           <a:sym typeface="Arial"/>
         </a:defRPr>
       </a:lvl5pPr>
-      <a:lvl6pPr lvl="5" marR="0" rtl="0" algn="l">
+      <a:lvl6pPr marR="0" lvl="5" algn="l" rtl="0">
         <a:lnSpc>
           <a:spcPct val="100000"/>
         </a:lnSpc>
@@ -5610,7 +5990,7 @@
           <a:srgbClr val="000000"/>
         </a:buClr>
         <a:buFont typeface="Arial"/>
-        <a:defRPr b="0" i="0" sz="1400" u="none" cap="none" strike="noStrike">
+        <a:defRPr sz="1400" b="0" i="0" u="none" strike="noStrike" cap="none">
           <a:solidFill>
             <a:srgbClr val="000000"/>
           </a:solidFill>
@@ -5620,7 +6000,7 @@
           <a:sym typeface="Arial"/>
         </a:defRPr>
       </a:lvl6pPr>
-      <a:lvl7pPr lvl="6" marR="0" rtl="0" algn="l">
+      <a:lvl7pPr marR="0" lvl="6" algn="l" rtl="0">
         <a:lnSpc>
           <a:spcPct val="100000"/>
         </a:lnSpc>
@@ -5634,7 +6014,7 @@
           <a:srgbClr val="000000"/>
         </a:buClr>
         <a:buFont typeface="Arial"/>
-        <a:defRPr b="0" i="0" sz="1400" u="none" cap="none" strike="noStrike">
+        <a:defRPr sz="1400" b="0" i="0" u="none" strike="noStrike" cap="none">
           <a:solidFill>
             <a:srgbClr val="000000"/>
           </a:solidFill>
@@ -5644,7 +6024,7 @@
           <a:sym typeface="Arial"/>
         </a:defRPr>
       </a:lvl7pPr>
-      <a:lvl8pPr lvl="7" marR="0" rtl="0" algn="l">
+      <a:lvl8pPr marR="0" lvl="7" algn="l" rtl="0">
         <a:lnSpc>
           <a:spcPct val="100000"/>
         </a:lnSpc>
@@ -5658,7 +6038,7 @@
           <a:srgbClr val="000000"/>
         </a:buClr>
         <a:buFont typeface="Arial"/>
-        <a:defRPr b="0" i="0" sz="1400" u="none" cap="none" strike="noStrike">
+        <a:defRPr sz="1400" b="0" i="0" u="none" strike="noStrike" cap="none">
           <a:solidFill>
             <a:srgbClr val="000000"/>
           </a:solidFill>
@@ -5668,7 +6048,7 @@
           <a:sym typeface="Arial"/>
         </a:defRPr>
       </a:lvl8pPr>
-      <a:lvl9pPr lvl="8" marR="0" rtl="0" algn="l">
+      <a:lvl9pPr marR="0" lvl="8" algn="l" rtl="0">
         <a:lnSpc>
           <a:spcPct val="100000"/>
         </a:lnSpc>
@@ -5682,7 +6062,7 @@
           <a:srgbClr val="000000"/>
         </a:buClr>
         <a:buFont typeface="Arial"/>
-        <a:defRPr b="0" i="0" sz="1400" u="none" cap="none" strike="noStrike">
+        <a:defRPr sz="1400" b="0" i="0" u="none" strike="noStrike" cap="none">
           <a:solidFill>
             <a:srgbClr val="000000"/>
           </a:solidFill>
@@ -5694,7 +6074,7 @@
       </a:lvl9pPr>
     </p:titleStyle>
     <p:bodyStyle>
-      <a:defPPr lvl="0" marR="0" rtl="0" algn="l">
+      <a:defPPr marR="0" lvl="0" algn="l" rtl="0">
         <a:lnSpc>
           <a:spcPct val="100000"/>
         </a:lnSpc>
@@ -5705,7 +6085,7 @@
           <a:spcPts val="0"/>
         </a:spcAft>
       </a:defPPr>
-      <a:lvl1pPr lvl="0" marR="0" rtl="0" algn="l">
+      <a:lvl1pPr marR="0" lvl="0" algn="l" rtl="0">
         <a:lnSpc>
           <a:spcPct val="100000"/>
         </a:lnSpc>
@@ -5719,7 +6099,7 @@
           <a:srgbClr val="000000"/>
         </a:buClr>
         <a:buFont typeface="Arial"/>
-        <a:defRPr b="0" i="0" sz="1400" u="none" cap="none" strike="noStrike">
+        <a:defRPr sz="1400" b="0" i="0" u="none" strike="noStrike" cap="none">
           <a:solidFill>
             <a:srgbClr val="000000"/>
           </a:solidFill>
@@ -5729,7 +6109,7 @@
           <a:sym typeface="Arial"/>
         </a:defRPr>
       </a:lvl1pPr>
-      <a:lvl2pPr lvl="1" marR="0" rtl="0" algn="l">
+      <a:lvl2pPr marR="0" lvl="1" algn="l" rtl="0">
         <a:lnSpc>
           <a:spcPct val="100000"/>
         </a:lnSpc>
@@ -5743,7 +6123,7 @@
           <a:srgbClr val="000000"/>
         </a:buClr>
         <a:buFont typeface="Arial"/>
-        <a:defRPr b="0" i="0" sz="1400" u="none" cap="none" strike="noStrike">
+        <a:defRPr sz="1400" b="0" i="0" u="none" strike="noStrike" cap="none">
           <a:solidFill>
             <a:srgbClr val="000000"/>
           </a:solidFill>
@@ -5753,7 +6133,7 @@
           <a:sym typeface="Arial"/>
         </a:defRPr>
       </a:lvl2pPr>
-      <a:lvl3pPr lvl="2" marR="0" rtl="0" algn="l">
+      <a:lvl3pPr marR="0" lvl="2" algn="l" rtl="0">
         <a:lnSpc>
           <a:spcPct val="100000"/>
         </a:lnSpc>
@@ -5767,7 +6147,7 @@
           <a:srgbClr val="000000"/>
         </a:buClr>
         <a:buFont typeface="Arial"/>
-        <a:defRPr b="0" i="0" sz="1400" u="none" cap="none" strike="noStrike">
+        <a:defRPr sz="1400" b="0" i="0" u="none" strike="noStrike" cap="none">
           <a:solidFill>
             <a:srgbClr val="000000"/>
           </a:solidFill>
@@ -5777,7 +6157,7 @@
           <a:sym typeface="Arial"/>
         </a:defRPr>
       </a:lvl3pPr>
-      <a:lvl4pPr lvl="3" marR="0" rtl="0" algn="l">
+      <a:lvl4pPr marR="0" lvl="3" algn="l" rtl="0">
         <a:lnSpc>
           <a:spcPct val="100000"/>
         </a:lnSpc>
@@ -5791,7 +6171,7 @@
           <a:srgbClr val="000000"/>
         </a:buClr>
         <a:buFont typeface="Arial"/>
-        <a:defRPr b="0" i="0" sz="1400" u="none" cap="none" strike="noStrike">
+        <a:defRPr sz="1400" b="0" i="0" u="none" strike="noStrike" cap="none">
           <a:solidFill>
             <a:srgbClr val="000000"/>
           </a:solidFill>
@@ -5801,7 +6181,7 @@
           <a:sym typeface="Arial"/>
         </a:defRPr>
       </a:lvl4pPr>
-      <a:lvl5pPr lvl="4" marR="0" rtl="0" algn="l">
+      <a:lvl5pPr marR="0" lvl="4" algn="l" rtl="0">
         <a:lnSpc>
           <a:spcPct val="100000"/>
         </a:lnSpc>
@@ -5815,7 +6195,7 @@
           <a:srgbClr val="000000"/>
         </a:buClr>
         <a:buFont typeface="Arial"/>
-        <a:defRPr b="0" i="0" sz="1400" u="none" cap="none" strike="noStrike">
+        <a:defRPr sz="1400" b="0" i="0" u="none" strike="noStrike" cap="none">
           <a:solidFill>
             <a:srgbClr val="000000"/>
           </a:solidFill>
@@ -5825,7 +6205,7 @@
           <a:sym typeface="Arial"/>
         </a:defRPr>
       </a:lvl5pPr>
-      <a:lvl6pPr lvl="5" marR="0" rtl="0" algn="l">
+      <a:lvl6pPr marR="0" lvl="5" algn="l" rtl="0">
         <a:lnSpc>
           <a:spcPct val="100000"/>
         </a:lnSpc>
@@ -5839,7 +6219,7 @@
           <a:srgbClr val="000000"/>
         </a:buClr>
         <a:buFont typeface="Arial"/>
-        <a:defRPr b="0" i="0" sz="1400" u="none" cap="none" strike="noStrike">
+        <a:defRPr sz="1400" b="0" i="0" u="none" strike="noStrike" cap="none">
           <a:solidFill>
             <a:srgbClr val="000000"/>
           </a:solidFill>
@@ -5849,7 +6229,7 @@
           <a:sym typeface="Arial"/>
         </a:defRPr>
       </a:lvl6pPr>
-      <a:lvl7pPr lvl="6" marR="0" rtl="0" algn="l">
+      <a:lvl7pPr marR="0" lvl="6" algn="l" rtl="0">
         <a:lnSpc>
           <a:spcPct val="100000"/>
         </a:lnSpc>
@@ -5863,7 +6243,7 @@
           <a:srgbClr val="000000"/>
         </a:buClr>
         <a:buFont typeface="Arial"/>
-        <a:defRPr b="0" i="0" sz="1400" u="none" cap="none" strike="noStrike">
+        <a:defRPr sz="1400" b="0" i="0" u="none" strike="noStrike" cap="none">
           <a:solidFill>
             <a:srgbClr val="000000"/>
           </a:solidFill>
@@ -5873,7 +6253,7 @@
           <a:sym typeface="Arial"/>
         </a:defRPr>
       </a:lvl7pPr>
-      <a:lvl8pPr lvl="7" marR="0" rtl="0" algn="l">
+      <a:lvl8pPr marR="0" lvl="7" algn="l" rtl="0">
         <a:lnSpc>
           <a:spcPct val="100000"/>
         </a:lnSpc>
@@ -5887,7 +6267,7 @@
           <a:srgbClr val="000000"/>
         </a:buClr>
         <a:buFont typeface="Arial"/>
-        <a:defRPr b="0" i="0" sz="1400" u="none" cap="none" strike="noStrike">
+        <a:defRPr sz="1400" b="0" i="0" u="none" strike="noStrike" cap="none">
           <a:solidFill>
             <a:srgbClr val="000000"/>
           </a:solidFill>
@@ -5897,7 +6277,7 @@
           <a:sym typeface="Arial"/>
         </a:defRPr>
       </a:lvl8pPr>
-      <a:lvl9pPr lvl="8" marR="0" rtl="0" algn="l">
+      <a:lvl9pPr marR="0" lvl="8" algn="l" rtl="0">
         <a:lnSpc>
           <a:spcPct val="100000"/>
         </a:lnSpc>
@@ -5911,7 +6291,7 @@
           <a:srgbClr val="000000"/>
         </a:buClr>
         <a:buFont typeface="Arial"/>
-        <a:defRPr b="0" i="0" sz="1400" u="none" cap="none" strike="noStrike">
+        <a:defRPr sz="1400" b="0" i="0" u="none" strike="noStrike" cap="none">
           <a:solidFill>
             <a:srgbClr val="000000"/>
           </a:solidFill>
@@ -5923,7 +6303,7 @@
       </a:lvl9pPr>
     </p:bodyStyle>
     <p:otherStyle>
-      <a:defPPr lvl="0" marR="0" rtl="0" algn="l">
+      <a:defPPr marR="0" lvl="0" algn="l" rtl="0">
         <a:lnSpc>
           <a:spcPct val="100000"/>
         </a:lnSpc>
@@ -5934,7 +6314,7 @@
           <a:spcPts val="0"/>
         </a:spcAft>
       </a:defPPr>
-      <a:lvl1pPr lvl="0" marR="0" rtl="0" algn="l">
+      <a:lvl1pPr marR="0" lvl="0" algn="l" rtl="0">
         <a:lnSpc>
           <a:spcPct val="100000"/>
         </a:lnSpc>
@@ -5948,7 +6328,7 @@
           <a:srgbClr val="000000"/>
         </a:buClr>
         <a:buFont typeface="Arial"/>
-        <a:defRPr b="0" i="0" sz="1400" u="none" cap="none" strike="noStrike">
+        <a:defRPr sz="1400" b="0" i="0" u="none" strike="noStrike" cap="none">
           <a:solidFill>
             <a:srgbClr val="000000"/>
           </a:solidFill>
@@ -5958,7 +6338,7 @@
           <a:sym typeface="Arial"/>
         </a:defRPr>
       </a:lvl1pPr>
-      <a:lvl2pPr lvl="1" marR="0" rtl="0" algn="l">
+      <a:lvl2pPr marR="0" lvl="1" algn="l" rtl="0">
         <a:lnSpc>
           <a:spcPct val="100000"/>
         </a:lnSpc>
@@ -5972,7 +6352,7 @@
           <a:srgbClr val="000000"/>
         </a:buClr>
         <a:buFont typeface="Arial"/>
-        <a:defRPr b="0" i="0" sz="1400" u="none" cap="none" strike="noStrike">
+        <a:defRPr sz="1400" b="0" i="0" u="none" strike="noStrike" cap="none">
           <a:solidFill>
             <a:srgbClr val="000000"/>
           </a:solidFill>
@@ -5982,7 +6362,7 @@
           <a:sym typeface="Arial"/>
         </a:defRPr>
       </a:lvl2pPr>
-      <a:lvl3pPr lvl="2" marR="0" rtl="0" algn="l">
+      <a:lvl3pPr marR="0" lvl="2" algn="l" rtl="0">
         <a:lnSpc>
           <a:spcPct val="100000"/>
         </a:lnSpc>
@@ -5996,7 +6376,7 @@
           <a:srgbClr val="000000"/>
         </a:buClr>
         <a:buFont typeface="Arial"/>
-        <a:defRPr b="0" i="0" sz="1400" u="none" cap="none" strike="noStrike">
+        <a:defRPr sz="1400" b="0" i="0" u="none" strike="noStrike" cap="none">
           <a:solidFill>
             <a:srgbClr val="000000"/>
           </a:solidFill>
@@ -6006,7 +6386,7 @@
           <a:sym typeface="Arial"/>
         </a:defRPr>
       </a:lvl3pPr>
-      <a:lvl4pPr lvl="3" marR="0" rtl="0" algn="l">
+      <a:lvl4pPr marR="0" lvl="3" algn="l" rtl="0">
         <a:lnSpc>
           <a:spcPct val="100000"/>
         </a:lnSpc>
@@ -6020,7 +6400,7 @@
           <a:srgbClr val="000000"/>
         </a:buClr>
         <a:buFont typeface="Arial"/>
-        <a:defRPr b="0" i="0" sz="1400" u="none" cap="none" strike="noStrike">
+        <a:defRPr sz="1400" b="0" i="0" u="none" strike="noStrike" cap="none">
           <a:solidFill>
             <a:srgbClr val="000000"/>
           </a:solidFill>
@@ -6030,7 +6410,7 @@
           <a:sym typeface="Arial"/>
         </a:defRPr>
       </a:lvl4pPr>
-      <a:lvl5pPr lvl="4" marR="0" rtl="0" algn="l">
+      <a:lvl5pPr marR="0" lvl="4" algn="l" rtl="0">
         <a:lnSpc>
           <a:spcPct val="100000"/>
         </a:lnSpc>
@@ -6044,7 +6424,7 @@
           <a:srgbClr val="000000"/>
         </a:buClr>
         <a:buFont typeface="Arial"/>
-        <a:defRPr b="0" i="0" sz="1400" u="none" cap="none" strike="noStrike">
+        <a:defRPr sz="1400" b="0" i="0" u="none" strike="noStrike" cap="none">
           <a:solidFill>
             <a:srgbClr val="000000"/>
           </a:solidFill>
@@ -6054,7 +6434,7 @@
           <a:sym typeface="Arial"/>
         </a:defRPr>
       </a:lvl5pPr>
-      <a:lvl6pPr lvl="5" marR="0" rtl="0" algn="l">
+      <a:lvl6pPr marR="0" lvl="5" algn="l" rtl="0">
         <a:lnSpc>
           <a:spcPct val="100000"/>
         </a:lnSpc>
@@ -6068,7 +6448,7 @@
           <a:srgbClr val="000000"/>
         </a:buClr>
         <a:buFont typeface="Arial"/>
-        <a:defRPr b="0" i="0" sz="1400" u="none" cap="none" strike="noStrike">
+        <a:defRPr sz="1400" b="0" i="0" u="none" strike="noStrike" cap="none">
           <a:solidFill>
             <a:srgbClr val="000000"/>
           </a:solidFill>
@@ -6078,7 +6458,7 @@
           <a:sym typeface="Arial"/>
         </a:defRPr>
       </a:lvl6pPr>
-      <a:lvl7pPr lvl="6" marR="0" rtl="0" algn="l">
+      <a:lvl7pPr marR="0" lvl="6" algn="l" rtl="0">
         <a:lnSpc>
           <a:spcPct val="100000"/>
         </a:lnSpc>
@@ -6092,7 +6472,7 @@
           <a:srgbClr val="000000"/>
         </a:buClr>
         <a:buFont typeface="Arial"/>
-        <a:defRPr b="0" i="0" sz="1400" u="none" cap="none" strike="noStrike">
+        <a:defRPr sz="1400" b="0" i="0" u="none" strike="noStrike" cap="none">
           <a:solidFill>
             <a:srgbClr val="000000"/>
           </a:solidFill>
@@ -6102,7 +6482,7 @@
           <a:sym typeface="Arial"/>
         </a:defRPr>
       </a:lvl7pPr>
-      <a:lvl8pPr lvl="7" marR="0" rtl="0" algn="l">
+      <a:lvl8pPr marR="0" lvl="7" algn="l" rtl="0">
         <a:lnSpc>
           <a:spcPct val="100000"/>
         </a:lnSpc>
@@ -6116,7 +6496,7 @@
           <a:srgbClr val="000000"/>
         </a:buClr>
         <a:buFont typeface="Arial"/>
-        <a:defRPr b="0" i="0" sz="1400" u="none" cap="none" strike="noStrike">
+        <a:defRPr sz="1400" b="0" i="0" u="none" strike="noStrike" cap="none">
           <a:solidFill>
             <a:srgbClr val="000000"/>
           </a:solidFill>
@@ -6126,7 +6506,7 @@
           <a:sym typeface="Arial"/>
         </a:defRPr>
       </a:lvl8pPr>
-      <a:lvl9pPr lvl="8" marR="0" rtl="0" algn="l">
+      <a:lvl9pPr marR="0" lvl="8" algn="l" rtl="0">
         <a:lnSpc>
           <a:spcPct val="100000"/>
         </a:lnSpc>
@@ -6140,7 +6520,7 @@
           <a:srgbClr val="000000"/>
         </a:buClr>
         <a:buFont typeface="Arial"/>
-        <a:defRPr b="0" i="0" sz="1400" u="none" cap="none" strike="noStrike">
+        <a:defRPr sz="1400" b="0" i="0" u="none" strike="noStrike" cap="none">
           <a:solidFill>
             <a:srgbClr val="000000"/>
           </a:solidFill>
@@ -6156,11 +6536,11 @@
 </file>
 
 <file path=ppt/slides/slide1.xml><?xml version="1.0" encoding="utf-8"?>
-<p:sld xmlns:a="http://schemas.openxmlformats.org/drawingml/2006/main" xmlns:r="http://schemas.openxmlformats.org/officeDocument/2006/relationships" xmlns:mc="http://schemas.openxmlformats.org/markup-compatibility/2006" xmlns:mv="urn:schemas-microsoft-com:mac:vml" xmlns:p="http://schemas.openxmlformats.org/presentationml/2006/main" xmlns:c="http://schemas.openxmlformats.org/drawingml/2006/chart" xmlns:dgm="http://schemas.openxmlformats.org/drawingml/2006/diagram" xmlns:o="urn:schemas-microsoft-com:office:office" xmlns:v="urn:schemas-microsoft-com:vml" xmlns:pvml="urn:schemas-microsoft-com:office:powerpoint" xmlns:com="http://schemas.openxmlformats.org/drawingml/2006/compatibility" xmlns:p14="http://schemas.microsoft.com/office/powerpoint/2010/main" xmlns:p15="http://schemas.microsoft.com/office/powerpoint/2012/main" xmlns:ahyp="http://schemas.microsoft.com/office/drawing/2018/hyperlinkcolor">
+<p:sld xmlns:a="http://schemas.openxmlformats.org/drawingml/2006/main" xmlns:r="http://schemas.openxmlformats.org/officeDocument/2006/relationships" xmlns:p="http://schemas.openxmlformats.org/presentationml/2006/main">
   <p:cSld>
     <p:spTree>
       <p:nvGrpSpPr>
-        <p:cNvPr id="53" name="Shape 53"/>
+        <p:cNvPr id="1" name="Shape 53"/>
         <p:cNvGrpSpPr/>
         <p:nvPr/>
       </p:nvGrpSpPr>
@@ -6175,27 +6555,29 @@
       <p:sp>
         <p:nvSpPr>
           <p:cNvPr id="54" name="Google Shape;54;p13"/>
-          <p:cNvSpPr txBox="1"/>
+          <p:cNvSpPr txBox="1">
+            <a:spLocks noGrp="1"/>
+          </p:cNvSpPr>
           <p:nvPr>
             <p:ph type="ctrTitle"/>
           </p:nvPr>
         </p:nvSpPr>
         <p:spPr>
           <a:xfrm>
-            <a:off x="311708" y="744575"/>
-            <a:ext cx="8520600" cy="2052600"/>
+            <a:off x="311700" y="972455"/>
+            <a:ext cx="8520600" cy="1655385"/>
           </a:xfrm>
           <a:prstGeom prst="rect">
             <a:avLst/>
           </a:prstGeom>
         </p:spPr>
         <p:txBody>
-          <a:bodyPr anchorCtr="0" anchor="b" bIns="91425" lIns="91425" spcFirstLastPara="1" rIns="91425" wrap="square" tIns="91425">
+          <a:bodyPr spcFirstLastPara="1" wrap="square" lIns="91425" tIns="91425" rIns="91425" bIns="91425" anchor="b" anchorCtr="0">
             <a:noAutofit/>
           </a:bodyPr>
           <a:lstStyle/>
           <a:p>
-            <a:pPr indent="0" lvl="0" marL="0" rtl="0" algn="ctr">
+            <a:pPr marL="0" lvl="0" indent="0" algn="ctr" rtl="0">
               <a:spcBef>
                 <a:spcPts val="0"/>
               </a:spcBef>
@@ -6206,32 +6588,30 @@
               <a:buNone/>
             </a:pPr>
             <a:r>
-              <a:rPr lang="en-GB" sz="3280"/>
-              <a:t>Highly Descriptive Vetor-to-Face Generation to </a:t>
-            </a:r>
-            <a:r>
-              <a:rPr lang="en-GB" sz="3280"/>
-              <a:t>Synthesize</a:t>
-            </a:r>
-            <a:r>
-              <a:rPr lang="en-GB" sz="3280"/>
-              <a:t> Authentic Faces (Photofits for Criminology Purposes) via a GAN</a:t>
-            </a:r>
-            <a:endParaRPr sz="3280"/>
+              <a:rPr lang="en-GB" sz="3200" dirty="0">
+                <a:latin typeface="Avenir Next LT Pro Light" panose="020B0304020202020204" pitchFamily="34" charset="0"/>
+              </a:rPr>
+              <a:t>Highly Descriptive Vector-to-Face Generation to Synthesize Authentic Faces (Photofits for Criminology Purposes) via a GAN</a:t>
+            </a:r>
+            <a:endParaRPr sz="3200" dirty="0">
+              <a:latin typeface="Avenir Next LT Pro Light" panose="020B0304020202020204" pitchFamily="34" charset="0"/>
+            </a:endParaRPr>
           </a:p>
         </p:txBody>
       </p:sp>
       <p:sp>
         <p:nvSpPr>
           <p:cNvPr id="55" name="Google Shape;55;p13"/>
-          <p:cNvSpPr txBox="1"/>
+          <p:cNvSpPr txBox="1">
+            <a:spLocks noGrp="1"/>
+          </p:cNvSpPr>
           <p:nvPr>
-            <p:ph idx="1" type="subTitle"/>
+            <p:ph type="subTitle" idx="1"/>
           </p:nvPr>
         </p:nvSpPr>
         <p:spPr>
           <a:xfrm>
-            <a:off x="311700" y="2834125"/>
+            <a:off x="311700" y="3071191"/>
             <a:ext cx="8520600" cy="792600"/>
           </a:xfrm>
           <a:prstGeom prst="rect">
@@ -6239,12 +6619,12 @@
           </a:prstGeom>
         </p:spPr>
         <p:txBody>
-          <a:bodyPr anchorCtr="0" anchor="t" bIns="91425" lIns="91425" spcFirstLastPara="1" rIns="91425" wrap="square" tIns="91425">
+          <a:bodyPr spcFirstLastPara="1" wrap="square" lIns="91425" tIns="91425" rIns="91425" bIns="91425" anchor="t" anchorCtr="0">
             <a:noAutofit/>
           </a:bodyPr>
           <a:lstStyle/>
           <a:p>
-            <a:pPr indent="0" lvl="0" marL="0" rtl="0" algn="ctr">
+            <a:pPr marL="0" lvl="0" indent="0" algn="ctr" rtl="0">
               <a:spcBef>
                 <a:spcPts val="0"/>
               </a:spcBef>
@@ -6254,21 +6634,23 @@
               <a:buNone/>
             </a:pPr>
             <a:r>
-              <a:rPr lang="en-GB" sz="2500">
+              <a:rPr lang="en-GB" sz="2000" dirty="0">
                 <a:solidFill>
                   <a:schemeClr val="dk1"/>
                 </a:solidFill>
+                <a:latin typeface="Avenir Next LT Pro Light" panose="020B0304020202020204" pitchFamily="34" charset="0"/>
               </a:rPr>
               <a:t>By Max Erler and Daniel Schubert</a:t>
             </a:r>
-            <a:endParaRPr sz="2500">
+            <a:endParaRPr sz="2000" dirty="0">
               <a:solidFill>
                 <a:schemeClr val="dk1"/>
               </a:solidFill>
+              <a:latin typeface="Avenir Next LT Pro Light" panose="020B0304020202020204" pitchFamily="34" charset="0"/>
             </a:endParaRPr>
           </a:p>
           <a:p>
-            <a:pPr indent="0" lvl="0" marL="0" rtl="0" algn="ctr">
+            <a:pPr marL="0" lvl="0" indent="0" algn="ctr" rtl="0">
               <a:spcBef>
                 <a:spcPts val="0"/>
               </a:spcBef>
@@ -6278,21 +6660,41 @@
               <a:buNone/>
             </a:pPr>
             <a:r>
-              <a:rPr lang="en-GB" sz="2500">
+              <a:rPr lang="en-GB" sz="2000" dirty="0">
                 <a:solidFill>
                   <a:schemeClr val="dk1"/>
                 </a:solidFill>
+                <a:latin typeface="Avenir Next LT Pro Light" panose="020B0304020202020204" pitchFamily="34" charset="0"/>
               </a:rPr>
-              <a:t>Tutor: Pingchuan Ma</a:t>
-            </a:r>
-            <a:endParaRPr sz="2500">
+              <a:t>Tutor: </a:t>
+            </a:r>
+            <a:r>
+              <a:rPr lang="en-GB" sz="2000" dirty="0" err="1">
+                <a:solidFill>
+                  <a:schemeClr val="dk1"/>
+                </a:solidFill>
+                <a:latin typeface="Avenir Next LT Pro Light" panose="020B0304020202020204" pitchFamily="34" charset="0"/>
+              </a:rPr>
+              <a:t>Pingchuan</a:t>
+            </a:r>
+            <a:r>
+              <a:rPr lang="en-GB" sz="2000" dirty="0">
+                <a:solidFill>
+                  <a:schemeClr val="dk1"/>
+                </a:solidFill>
+                <a:latin typeface="Avenir Next LT Pro Light" panose="020B0304020202020204" pitchFamily="34" charset="0"/>
+              </a:rPr>
+              <a:t> Ma</a:t>
+            </a:r>
+            <a:endParaRPr sz="2000" dirty="0">
               <a:solidFill>
                 <a:schemeClr val="dk1"/>
               </a:solidFill>
+              <a:latin typeface="Avenir Next LT Pro Light" panose="020B0304020202020204" pitchFamily="34" charset="0"/>
             </a:endParaRPr>
           </a:p>
           <a:p>
-            <a:pPr indent="0" lvl="0" marL="0" rtl="0" algn="ctr">
+            <a:pPr marL="0" lvl="0" indent="0" algn="ctr" rtl="0">
               <a:spcBef>
                 <a:spcPts val="0"/>
               </a:spcBef>
@@ -6302,33 +6704,47 @@
               <a:buNone/>
             </a:pPr>
             <a:r>
-              <a:rPr lang="en-GB" sz="2500">
+              <a:rPr lang="en-GB" sz="2000" dirty="0">
                 <a:solidFill>
                   <a:schemeClr val="dk1"/>
                 </a:solidFill>
+                <a:latin typeface="Avenir Next LT Pro Light" panose="020B0304020202020204" pitchFamily="34" charset="0"/>
               </a:rPr>
-              <a:t>At the Chair of Prof. Dr. Ommer</a:t>
-            </a:r>
-            <a:endParaRPr sz="2500">
+              <a:t>At the Chair of Prof. </a:t>
+            </a:r>
+            <a:r>
+              <a:rPr lang="en-GB" sz="2000" dirty="0" err="1">
+                <a:solidFill>
+                  <a:schemeClr val="dk1"/>
+                </a:solidFill>
+                <a:latin typeface="Avenir Next LT Pro Light" panose="020B0304020202020204" pitchFamily="34" charset="0"/>
+              </a:rPr>
+              <a:t>Dr.</a:t>
+            </a:r>
+            <a:r>
+              <a:rPr lang="en-GB" sz="2000" dirty="0">
+                <a:solidFill>
+                  <a:schemeClr val="dk1"/>
+                </a:solidFill>
+                <a:latin typeface="Avenir Next LT Pro Light" panose="020B0304020202020204" pitchFamily="34" charset="0"/>
+              </a:rPr>
+              <a:t> </a:t>
+            </a:r>
+            <a:r>
+              <a:rPr lang="en-GB" sz="2000" dirty="0" err="1">
+                <a:solidFill>
+                  <a:schemeClr val="dk1"/>
+                </a:solidFill>
+                <a:latin typeface="Avenir Next LT Pro Light" panose="020B0304020202020204" pitchFamily="34" charset="0"/>
+              </a:rPr>
+              <a:t>Ommer</a:t>
+            </a:r>
+            <a:endParaRPr sz="2000" dirty="0">
               <a:solidFill>
                 <a:schemeClr val="dk1"/>
               </a:solidFill>
+              <a:latin typeface="Avenir Next LT Pro Light" panose="020B0304020202020204" pitchFamily="34" charset="0"/>
             </a:endParaRPr>
-          </a:p>
-          <a:p>
-            <a:pPr indent="0" lvl="0" marL="0" rtl="0" algn="ctr">
-              <a:spcBef>
-                <a:spcPts val="0"/>
-              </a:spcBef>
-              <a:spcAft>
-                <a:spcPts val="0"/>
-              </a:spcAft>
-              <a:buNone/>
-            </a:pPr>
-            <a:r>
-              <a:t/>
-            </a:r>
-            <a:endParaRPr sz="2500"/>
           </a:p>
         </p:txBody>
       </p:sp>
@@ -6340,12 +6756,348 @@
 </p:sld>
 </file>
 
-<file path=ppt/slides/slide2.xml><?xml version="1.0" encoding="utf-8"?>
-<p:sld xmlns:a="http://schemas.openxmlformats.org/drawingml/2006/main" xmlns:r="http://schemas.openxmlformats.org/officeDocument/2006/relationships" xmlns:mc="http://schemas.openxmlformats.org/markup-compatibility/2006" xmlns:mv="urn:schemas-microsoft-com:mac:vml" xmlns:p="http://schemas.openxmlformats.org/presentationml/2006/main" xmlns:c="http://schemas.openxmlformats.org/drawingml/2006/chart" xmlns:dgm="http://schemas.openxmlformats.org/drawingml/2006/diagram" xmlns:o="urn:schemas-microsoft-com:office:office" xmlns:v="urn:schemas-microsoft-com:vml" xmlns:pvml="urn:schemas-microsoft-com:office:powerpoint" xmlns:com="http://schemas.openxmlformats.org/drawingml/2006/compatibility" xmlns:p14="http://schemas.microsoft.com/office/powerpoint/2010/main" xmlns:p15="http://schemas.microsoft.com/office/powerpoint/2012/main" xmlns:ahyp="http://schemas.microsoft.com/office/drawing/2018/hyperlinkcolor">
+<file path=ppt/slides/slide10.xml><?xml version="1.0" encoding="utf-8"?>
+<p:sld xmlns:a="http://schemas.openxmlformats.org/drawingml/2006/main" xmlns:r="http://schemas.openxmlformats.org/officeDocument/2006/relationships" xmlns:p="http://schemas.openxmlformats.org/presentationml/2006/main">
   <p:cSld>
     <p:spTree>
       <p:nvGrpSpPr>
-        <p:cNvPr id="59" name="Shape 59"/>
+        <p:cNvPr id="1" name="Shape 118"/>
+        <p:cNvGrpSpPr/>
+        <p:nvPr/>
+      </p:nvGrpSpPr>
+      <p:grpSpPr>
+        <a:xfrm>
+          <a:off x="0" y="0"/>
+          <a:ext cx="0" cy="0"/>
+          <a:chOff x="0" y="0"/>
+          <a:chExt cx="0" cy="0"/>
+        </a:xfrm>
+      </p:grpSpPr>
+      <p:sp>
+        <p:nvSpPr>
+          <p:cNvPr id="119" name="Google Shape;119;p20"/>
+          <p:cNvSpPr txBox="1">
+            <a:spLocks noGrp="1"/>
+          </p:cNvSpPr>
+          <p:nvPr>
+            <p:ph type="title"/>
+          </p:nvPr>
+        </p:nvSpPr>
+        <p:spPr>
+          <a:xfrm>
+            <a:off x="311700" y="445025"/>
+            <a:ext cx="8520600" cy="572700"/>
+          </a:xfrm>
+          <a:prstGeom prst="rect">
+            <a:avLst/>
+          </a:prstGeom>
+        </p:spPr>
+        <p:txBody>
+          <a:bodyPr spcFirstLastPara="1" wrap="square" lIns="91425" tIns="91425" rIns="91425" bIns="91425" anchor="t" anchorCtr="0">
+            <a:normAutofit fontScale="90000"/>
+          </a:bodyPr>
+          <a:lstStyle/>
+          <a:p>
+            <a:pPr marL="0" lvl="0" indent="0" algn="l" rtl="0">
+              <a:spcBef>
+                <a:spcPts val="0"/>
+              </a:spcBef>
+              <a:spcAft>
+                <a:spcPts val="0"/>
+              </a:spcAft>
+              <a:buNone/>
+            </a:pPr>
+            <a:r>
+              <a:rPr lang="en-GB">
+                <a:latin typeface="Avenir Next LT Pro Light" panose="020B0304020202020204" pitchFamily="34" charset="0"/>
+              </a:rPr>
+              <a:t>Future Work</a:t>
+            </a:r>
+            <a:endParaRPr>
+              <a:latin typeface="Avenir Next LT Pro Light" panose="020B0304020202020204" pitchFamily="34" charset="0"/>
+            </a:endParaRPr>
+          </a:p>
+        </p:txBody>
+      </p:sp>
+      <p:sp>
+        <p:nvSpPr>
+          <p:cNvPr id="120" name="Google Shape;120;p20"/>
+          <p:cNvSpPr txBox="1">
+            <a:spLocks noGrp="1"/>
+          </p:cNvSpPr>
+          <p:nvPr>
+            <p:ph type="body" idx="1"/>
+          </p:nvPr>
+        </p:nvSpPr>
+        <p:spPr>
+          <a:xfrm>
+            <a:off x="311700" y="1152475"/>
+            <a:ext cx="8520600" cy="3416400"/>
+          </a:xfrm>
+          <a:prstGeom prst="rect">
+            <a:avLst/>
+          </a:prstGeom>
+        </p:spPr>
+        <p:txBody>
+          <a:bodyPr spcFirstLastPara="1" wrap="square" lIns="91425" tIns="91425" rIns="91425" bIns="91425" anchor="t" anchorCtr="0">
+            <a:normAutofit/>
+          </a:bodyPr>
+          <a:lstStyle/>
+          <a:p>
+            <a:pPr marL="457200" lvl="0" indent="-342900" algn="l" rtl="0">
+              <a:spcBef>
+                <a:spcPts val="0"/>
+              </a:spcBef>
+              <a:spcAft>
+                <a:spcPts val="0"/>
+              </a:spcAft>
+              <a:buSzPts val="1800"/>
+              <a:buChar char="●"/>
+            </a:pPr>
+            <a:r>
+              <a:rPr lang="en-GB" dirty="0">
+                <a:latin typeface="Avenir Next LT Pro Light" panose="020B0304020202020204" pitchFamily="34" charset="0"/>
+              </a:rPr>
+              <a:t>Train on other datasets</a:t>
+            </a:r>
+          </a:p>
+          <a:p>
+            <a:pPr marL="457200" lvl="0" indent="-342900" algn="l" rtl="0">
+              <a:spcBef>
+                <a:spcPts val="0"/>
+              </a:spcBef>
+              <a:spcAft>
+                <a:spcPts val="0"/>
+              </a:spcAft>
+              <a:buSzPts val="1800"/>
+              <a:buChar char="●"/>
+            </a:pPr>
+            <a:r>
+              <a:rPr lang="en-GB" dirty="0">
+                <a:latin typeface="Avenir Next LT Pro Light" panose="020B0304020202020204" pitchFamily="34" charset="0"/>
+              </a:rPr>
+              <a:t>Finish re-implementation of </a:t>
+            </a:r>
+            <a:r>
+              <a:rPr lang="en-GB" dirty="0" err="1">
+                <a:latin typeface="Avenir Next LT Pro Light" panose="020B0304020202020204" pitchFamily="34" charset="0"/>
+              </a:rPr>
+              <a:t>TediGAN</a:t>
+            </a:r>
+            <a:endParaRPr dirty="0">
+              <a:latin typeface="Avenir Next LT Pro Light" panose="020B0304020202020204" pitchFamily="34" charset="0"/>
+            </a:endParaRPr>
+          </a:p>
+          <a:p>
+            <a:pPr marL="457200" lvl="0" indent="-342900" algn="l" rtl="0">
+              <a:spcBef>
+                <a:spcPts val="0"/>
+              </a:spcBef>
+              <a:spcAft>
+                <a:spcPts val="0"/>
+              </a:spcAft>
+              <a:buSzPts val="1800"/>
+              <a:buChar char="●"/>
+            </a:pPr>
+            <a:r>
+              <a:rPr lang="en-GB" dirty="0">
+                <a:latin typeface="Avenir Next LT Pro Light" panose="020B0304020202020204" pitchFamily="34" charset="0"/>
+              </a:rPr>
+              <a:t>Change image size from 64x64 to original size</a:t>
+            </a:r>
+            <a:endParaRPr dirty="0">
+              <a:latin typeface="Avenir Next LT Pro Light" panose="020B0304020202020204" pitchFamily="34" charset="0"/>
+            </a:endParaRPr>
+          </a:p>
+          <a:p>
+            <a:pPr marL="457200" lvl="0" indent="-342900" algn="l" rtl="0">
+              <a:spcBef>
+                <a:spcPts val="0"/>
+              </a:spcBef>
+              <a:spcAft>
+                <a:spcPts val="0"/>
+              </a:spcAft>
+              <a:buSzPts val="1800"/>
+              <a:buChar char="●"/>
+            </a:pPr>
+            <a:r>
+              <a:rPr lang="en-GB" dirty="0">
+                <a:latin typeface="Avenir Next LT Pro Light" panose="020B0304020202020204" pitchFamily="34" charset="0"/>
+              </a:rPr>
+              <a:t>Develop new specialized dataset for criminology purposes</a:t>
+            </a:r>
+            <a:endParaRPr dirty="0">
+              <a:latin typeface="Avenir Next LT Pro Light" panose="020B0304020202020204" pitchFamily="34" charset="0"/>
+            </a:endParaRPr>
+          </a:p>
+          <a:p>
+            <a:pPr marL="914400" lvl="1" indent="-317500" algn="l" rtl="0">
+              <a:spcBef>
+                <a:spcPts val="0"/>
+              </a:spcBef>
+              <a:spcAft>
+                <a:spcPts val="0"/>
+              </a:spcAft>
+              <a:buSzPts val="1400"/>
+              <a:buChar char="○"/>
+            </a:pPr>
+            <a:r>
+              <a:rPr lang="en-GB" dirty="0">
+                <a:latin typeface="Avenir Next LT Pro Light" panose="020B0304020202020204" pitchFamily="34" charset="0"/>
+              </a:rPr>
+              <a:t>More attributes (at least 200)</a:t>
+            </a:r>
+            <a:endParaRPr dirty="0">
+              <a:latin typeface="Avenir Next LT Pro Light" panose="020B0304020202020204" pitchFamily="34" charset="0"/>
+            </a:endParaRPr>
+          </a:p>
+          <a:p>
+            <a:pPr marL="914400" lvl="1" indent="-317500" algn="l" rtl="0">
+              <a:spcBef>
+                <a:spcPts val="0"/>
+              </a:spcBef>
+              <a:spcAft>
+                <a:spcPts val="0"/>
+              </a:spcAft>
+              <a:buSzPts val="1400"/>
+              <a:buChar char="○"/>
+            </a:pPr>
+            <a:r>
+              <a:rPr lang="en-GB" dirty="0">
+                <a:latin typeface="Avenir Next LT Pro Light" panose="020B0304020202020204" pitchFamily="34" charset="0"/>
+              </a:rPr>
+              <a:t>Exclude bad images</a:t>
+            </a:r>
+            <a:endParaRPr dirty="0">
+              <a:latin typeface="Avenir Next LT Pro Light" panose="020B0304020202020204" pitchFamily="34" charset="0"/>
+            </a:endParaRPr>
+          </a:p>
+          <a:p>
+            <a:pPr marL="914400" lvl="1" indent="-317500" algn="l" rtl="0">
+              <a:spcBef>
+                <a:spcPts val="0"/>
+              </a:spcBef>
+              <a:spcAft>
+                <a:spcPts val="0"/>
+              </a:spcAft>
+              <a:buSzPts val="1400"/>
+              <a:buChar char="○"/>
+            </a:pPr>
+            <a:r>
+              <a:rPr lang="en-GB" dirty="0">
+                <a:latin typeface="Avenir Next LT Pro Light" panose="020B0304020202020204" pitchFamily="34" charset="0"/>
+              </a:rPr>
+              <a:t>Only passport images</a:t>
+            </a:r>
+            <a:endParaRPr dirty="0">
+              <a:latin typeface="Avenir Next LT Pro Light" panose="020B0304020202020204" pitchFamily="34" charset="0"/>
+            </a:endParaRPr>
+          </a:p>
+        </p:txBody>
+      </p:sp>
+    </p:spTree>
+  </p:cSld>
+  <p:clrMapOvr>
+    <a:masterClrMapping/>
+  </p:clrMapOvr>
+</p:sld>
+</file>
+
+<file path=ppt/slides/slide11.xml><?xml version="1.0" encoding="utf-8"?>
+<p:sld xmlns:a="http://schemas.openxmlformats.org/drawingml/2006/main" xmlns:r="http://schemas.openxmlformats.org/officeDocument/2006/relationships" xmlns:p="http://schemas.openxmlformats.org/presentationml/2006/main">
+  <p:cSld>
+    <p:spTree>
+      <p:nvGrpSpPr>
+        <p:cNvPr id="1" name=""/>
+        <p:cNvGrpSpPr/>
+        <p:nvPr/>
+      </p:nvGrpSpPr>
+      <p:grpSpPr>
+        <a:xfrm>
+          <a:off x="0" y="0"/>
+          <a:ext cx="0" cy="0"/>
+          <a:chOff x="0" y="0"/>
+          <a:chExt cx="0" cy="0"/>
+        </a:xfrm>
+      </p:grpSpPr>
+      <p:sp>
+        <p:nvSpPr>
+          <p:cNvPr id="2" name="Titel 1">
+            <a:extLst>
+              <a:ext uri="{FF2B5EF4-FFF2-40B4-BE49-F238E27FC236}">
+                <a16:creationId xmlns:a16="http://schemas.microsoft.com/office/drawing/2014/main" id="{FEBC98F0-9680-2FC3-382F-D170840A44BF}"/>
+              </a:ext>
+            </a:extLst>
+          </p:cNvPr>
+          <p:cNvSpPr>
+            <a:spLocks noGrp="1"/>
+          </p:cNvSpPr>
+          <p:nvPr>
+            <p:ph type="title"/>
+          </p:nvPr>
+        </p:nvSpPr>
+        <p:spPr>
+          <a:xfrm>
+            <a:off x="311700" y="2285400"/>
+            <a:ext cx="8520600" cy="572700"/>
+          </a:xfrm>
+        </p:spPr>
+        <p:txBody>
+          <a:bodyPr>
+            <a:normAutofit fontScale="90000"/>
+          </a:bodyPr>
+          <a:lstStyle/>
+          <a:p>
+            <a:pPr algn="ctr"/>
+            <a:r>
+              <a:rPr lang="de-DE" dirty="0" err="1">
+                <a:latin typeface="Avenir Next LT Pro Light" panose="020B0304020202020204" pitchFamily="34" charset="0"/>
+              </a:rPr>
+              <a:t>Thank</a:t>
+            </a:r>
+            <a:r>
+              <a:rPr lang="de-DE" dirty="0">
+                <a:latin typeface="Avenir Next LT Pro Light" panose="020B0304020202020204" pitchFamily="34" charset="0"/>
+              </a:rPr>
+              <a:t> </a:t>
+            </a:r>
+            <a:r>
+              <a:rPr lang="de-DE" dirty="0" err="1">
+                <a:latin typeface="Avenir Next LT Pro Light" panose="020B0304020202020204" pitchFamily="34" charset="0"/>
+              </a:rPr>
+              <a:t>you</a:t>
+            </a:r>
+            <a:r>
+              <a:rPr lang="de-DE" dirty="0">
+                <a:latin typeface="Avenir Next LT Pro Light" panose="020B0304020202020204" pitchFamily="34" charset="0"/>
+              </a:rPr>
+              <a:t>!</a:t>
+            </a:r>
+            <a:endParaRPr lang="en-US" dirty="0">
+              <a:latin typeface="Avenir Next LT Pro Light" panose="020B0304020202020204" pitchFamily="34" charset="0"/>
+            </a:endParaRPr>
+          </a:p>
+        </p:txBody>
+      </p:sp>
+    </p:spTree>
+    <p:extLst>
+      <p:ext uri="{BB962C8B-B14F-4D97-AF65-F5344CB8AC3E}">
+        <p14:creationId xmlns:p14="http://schemas.microsoft.com/office/powerpoint/2010/main" val="185969805"/>
+      </p:ext>
+    </p:extLst>
+  </p:cSld>
+  <p:clrMapOvr>
+    <a:masterClrMapping/>
+  </p:clrMapOvr>
+</p:sld>
+</file>
+
+<file path=ppt/slides/slide2.xml><?xml version="1.0" encoding="utf-8"?>
+<p:sld xmlns:a="http://schemas.openxmlformats.org/drawingml/2006/main" xmlns:r="http://schemas.openxmlformats.org/officeDocument/2006/relationships" xmlns:p="http://schemas.openxmlformats.org/presentationml/2006/main">
+  <p:cSld>
+    <p:spTree>
+      <p:nvGrpSpPr>
+        <p:cNvPr id="1" name="Shape 59"/>
         <p:cNvGrpSpPr/>
         <p:nvPr/>
       </p:nvGrpSpPr>
@@ -6360,7 +7112,9 @@
       <p:sp>
         <p:nvSpPr>
           <p:cNvPr id="60" name="Google Shape;60;p14"/>
-          <p:cNvSpPr txBox="1"/>
+          <p:cNvSpPr txBox="1">
+            <a:spLocks noGrp="1"/>
+          </p:cNvSpPr>
           <p:nvPr>
             <p:ph type="title"/>
           </p:nvPr>
@@ -6375,12 +7129,12 @@
           </a:prstGeom>
         </p:spPr>
         <p:txBody>
-          <a:bodyPr anchorCtr="0" anchor="t" bIns="91425" lIns="91425" spcFirstLastPara="1" rIns="91425" wrap="square" tIns="91425">
+          <a:bodyPr spcFirstLastPara="1" wrap="square" lIns="91425" tIns="91425" rIns="91425" bIns="91425" anchor="t" anchorCtr="0">
             <a:normAutofit fontScale="90000"/>
           </a:bodyPr>
           <a:lstStyle/>
           <a:p>
-            <a:pPr indent="0" lvl="0" marL="0" rtl="0" algn="l">
+            <a:pPr marL="0" lvl="0" indent="0" algn="l" rtl="0">
               <a:spcBef>
                 <a:spcPts val="0"/>
               </a:spcBef>
@@ -6390,19 +7144,25 @@
               <a:buNone/>
             </a:pPr>
             <a:r>
-              <a:rPr lang="en-GB"/>
+              <a:rPr lang="en-GB">
+                <a:latin typeface="Avenir Next LT Pro Light" panose="020B0304020202020204" pitchFamily="34" charset="0"/>
+              </a:rPr>
               <a:t>Goals</a:t>
             </a:r>
-            <a:endParaRPr/>
+            <a:endParaRPr>
+              <a:latin typeface="Avenir Next LT Pro Light" panose="020B0304020202020204" pitchFamily="34" charset="0"/>
+            </a:endParaRPr>
           </a:p>
         </p:txBody>
       </p:sp>
       <p:sp>
         <p:nvSpPr>
           <p:cNvPr id="61" name="Google Shape;61;p14"/>
-          <p:cNvSpPr txBox="1"/>
+          <p:cNvSpPr txBox="1">
+            <a:spLocks noGrp="1"/>
+          </p:cNvSpPr>
           <p:nvPr>
-            <p:ph idx="1" type="body"/>
+            <p:ph type="body" idx="1"/>
           </p:nvPr>
         </p:nvSpPr>
         <p:spPr>
@@ -6415,12 +7175,12 @@
           </a:prstGeom>
         </p:spPr>
         <p:txBody>
-          <a:bodyPr anchorCtr="0" anchor="t" bIns="91425" lIns="91425" spcFirstLastPara="1" rIns="91425" wrap="square" tIns="91425">
+          <a:bodyPr spcFirstLastPara="1" wrap="square" lIns="91425" tIns="91425" rIns="91425" bIns="91425" anchor="t" anchorCtr="0">
             <a:normAutofit/>
           </a:bodyPr>
           <a:lstStyle/>
           <a:p>
-            <a:pPr indent="-342900" lvl="0" marL="457200" rtl="0" algn="l">
+            <a:pPr marL="457200" lvl="0" indent="-342900" algn="l" rtl="0">
               <a:spcBef>
                 <a:spcPts val="0"/>
               </a:spcBef>
@@ -6431,13 +7191,17 @@
               <a:buChar char="●"/>
             </a:pPr>
             <a:r>
-              <a:rPr lang="en-GB"/>
+              <a:rPr lang="en-GB" dirty="0">
+                <a:latin typeface="Avenir Next LT Pro Light" panose="020B0304020202020204" pitchFamily="34" charset="0"/>
+              </a:rPr>
               <a:t>Generate Faces via an attribute vector</a:t>
             </a:r>
-            <a:endParaRPr/>
+            <a:endParaRPr dirty="0">
+              <a:latin typeface="Avenir Next LT Pro Light" panose="020B0304020202020204" pitchFamily="34" charset="0"/>
+            </a:endParaRPr>
           </a:p>
           <a:p>
-            <a:pPr indent="-342900" lvl="0" marL="457200" rtl="0" algn="l">
+            <a:pPr marL="457200" lvl="0" indent="-342900" algn="l" rtl="0">
               <a:spcBef>
                 <a:spcPts val="0"/>
               </a:spcBef>
@@ -6448,13 +7212,17 @@
               <a:buChar char="●"/>
             </a:pPr>
             <a:r>
-              <a:rPr lang="en-GB"/>
+              <a:rPr lang="en-GB" dirty="0">
+                <a:latin typeface="Avenir Next LT Pro Light" panose="020B0304020202020204" pitchFamily="34" charset="0"/>
+              </a:rPr>
               <a:t>Design and create framework</a:t>
             </a:r>
-            <a:endParaRPr/>
+            <a:endParaRPr dirty="0">
+              <a:latin typeface="Avenir Next LT Pro Light" panose="020B0304020202020204" pitchFamily="34" charset="0"/>
+            </a:endParaRPr>
           </a:p>
           <a:p>
-            <a:pPr indent="-342900" lvl="0" marL="457200" rtl="0" algn="l">
+            <a:pPr marL="457200" lvl="0" indent="-342900" algn="l" rtl="0">
               <a:spcBef>
                 <a:spcPts val="0"/>
               </a:spcBef>
@@ -6465,13 +7233,23 @@
               <a:buChar char="●"/>
             </a:pPr>
             <a:r>
-              <a:rPr lang="en-GB"/>
-              <a:t>Implement and train cDCGAN</a:t>
-            </a:r>
-            <a:endParaRPr/>
+              <a:rPr lang="en-GB" dirty="0">
+                <a:latin typeface="Avenir Next LT Pro Light" panose="020B0304020202020204" pitchFamily="34" charset="0"/>
+              </a:rPr>
+              <a:t>Implement and train </a:t>
+            </a:r>
+            <a:r>
+              <a:rPr lang="en-GB" dirty="0" err="1">
+                <a:latin typeface="Avenir Next LT Pro Light" panose="020B0304020202020204" pitchFamily="34" charset="0"/>
+              </a:rPr>
+              <a:t>cDCGAN</a:t>
+            </a:r>
+            <a:endParaRPr dirty="0">
+              <a:latin typeface="Avenir Next LT Pro Light" panose="020B0304020202020204" pitchFamily="34" charset="0"/>
+            </a:endParaRPr>
           </a:p>
           <a:p>
-            <a:pPr indent="-342900" lvl="0" marL="457200" rtl="0" algn="l">
+            <a:pPr marL="457200" lvl="0" indent="-342900" algn="l" rtl="0">
               <a:spcBef>
                 <a:spcPts val="0"/>
               </a:spcBef>
@@ -6482,13 +7260,23 @@
               <a:buChar char="●"/>
             </a:pPr>
             <a:r>
-              <a:rPr lang="en-GB"/>
-              <a:t>Implement and train TediGAN</a:t>
-            </a:r>
-            <a:endParaRPr/>
+              <a:rPr lang="en-GB" dirty="0">
+                <a:latin typeface="Avenir Next LT Pro Light" panose="020B0304020202020204" pitchFamily="34" charset="0"/>
+              </a:rPr>
+              <a:t>Implement and train </a:t>
+            </a:r>
+            <a:r>
+              <a:rPr lang="en-GB" dirty="0" err="1">
+                <a:latin typeface="Avenir Next LT Pro Light" panose="020B0304020202020204" pitchFamily="34" charset="0"/>
+              </a:rPr>
+              <a:t>TediGAN</a:t>
+            </a:r>
+            <a:endParaRPr dirty="0">
+              <a:latin typeface="Avenir Next LT Pro Light" panose="020B0304020202020204" pitchFamily="34" charset="0"/>
+            </a:endParaRPr>
           </a:p>
           <a:p>
-            <a:pPr indent="-342900" lvl="0" marL="457200" rtl="0" algn="l">
+            <a:pPr marL="457200" lvl="0" indent="-342900" algn="l" rtl="0">
               <a:spcBef>
                 <a:spcPts val="0"/>
               </a:spcBef>
@@ -6499,14 +7287,23 @@
               <a:buChar char="●"/>
             </a:pPr>
             <a:r>
-              <a:rPr lang="en-GB"/>
+              <a:rPr lang="en-GB" dirty="0">
+                <a:latin typeface="Avenir Next LT Pro Light" panose="020B0304020202020204" pitchFamily="34" charset="0"/>
+              </a:rPr>
               <a:t>Photofit-level (criminology)</a:t>
             </a:r>
-            <a:endParaRPr/>
+            <a:endParaRPr dirty="0">
+              <a:latin typeface="Avenir Next LT Pro Light" panose="020B0304020202020204" pitchFamily="34" charset="0"/>
+            </a:endParaRPr>
           </a:p>
         </p:txBody>
       </p:sp>
     </p:spTree>
+    <p:extLst>
+      <p:ext uri="{BB962C8B-B14F-4D97-AF65-F5344CB8AC3E}">
+        <p14:creationId xmlns:p14="http://schemas.microsoft.com/office/powerpoint/2010/main" val="3507391629"/>
+      </p:ext>
+    </p:extLst>
   </p:cSld>
   <p:clrMapOvr>
     <a:masterClrMapping/>
@@ -6515,11 +7312,11 @@
 </file>
 
 <file path=ppt/slides/slide3.xml><?xml version="1.0" encoding="utf-8"?>
-<p:sld xmlns:a="http://schemas.openxmlformats.org/drawingml/2006/main" xmlns:r="http://schemas.openxmlformats.org/officeDocument/2006/relationships" xmlns:mc="http://schemas.openxmlformats.org/markup-compatibility/2006" xmlns:mv="urn:schemas-microsoft-com:mac:vml" xmlns:p="http://schemas.openxmlformats.org/presentationml/2006/main" xmlns:c="http://schemas.openxmlformats.org/drawingml/2006/chart" xmlns:dgm="http://schemas.openxmlformats.org/drawingml/2006/diagram" xmlns:o="urn:schemas-microsoft-com:office:office" xmlns:v="urn:schemas-microsoft-com:vml" xmlns:pvml="urn:schemas-microsoft-com:office:powerpoint" xmlns:com="http://schemas.openxmlformats.org/drawingml/2006/compatibility" xmlns:p14="http://schemas.microsoft.com/office/powerpoint/2010/main" xmlns:p15="http://schemas.microsoft.com/office/powerpoint/2012/main" xmlns:ahyp="http://schemas.microsoft.com/office/drawing/2018/hyperlinkcolor">
+<p:sld xmlns:a="http://schemas.openxmlformats.org/drawingml/2006/main" xmlns:r="http://schemas.openxmlformats.org/officeDocument/2006/relationships" xmlns:p="http://schemas.openxmlformats.org/presentationml/2006/main">
   <p:cSld>
     <p:spTree>
       <p:nvGrpSpPr>
-        <p:cNvPr id="65" name="Shape 65"/>
+        <p:cNvPr id="1" name="Shape 65"/>
         <p:cNvGrpSpPr/>
         <p:nvPr/>
       </p:nvGrpSpPr>
@@ -6534,7 +7331,9 @@
       <p:sp>
         <p:nvSpPr>
           <p:cNvPr id="66" name="Google Shape;66;p15"/>
-          <p:cNvSpPr txBox="1"/>
+          <p:cNvSpPr txBox="1">
+            <a:spLocks noGrp="1"/>
+          </p:cNvSpPr>
           <p:nvPr>
             <p:ph type="title"/>
           </p:nvPr>
@@ -6549,12 +7348,12 @@
           </a:prstGeom>
         </p:spPr>
         <p:txBody>
-          <a:bodyPr anchorCtr="0" anchor="t" bIns="91425" lIns="91425" spcFirstLastPara="1" rIns="91425" wrap="square" tIns="91425">
+          <a:bodyPr spcFirstLastPara="1" wrap="square" lIns="91425" tIns="91425" rIns="91425" bIns="91425" anchor="t" anchorCtr="0">
             <a:normAutofit fontScale="90000"/>
           </a:bodyPr>
           <a:lstStyle/>
           <a:p>
-            <a:pPr indent="0" lvl="0" marL="0" rtl="0" algn="l">
+            <a:pPr marL="0" lvl="0" indent="0" algn="l" rtl="0">
               <a:spcBef>
                 <a:spcPts val="0"/>
               </a:spcBef>
@@ -6564,19 +7363,25 @@
               <a:buNone/>
             </a:pPr>
             <a:r>
-              <a:rPr lang="en-GB"/>
+              <a:rPr lang="en-GB" dirty="0">
+                <a:latin typeface="Avenir Next LT Pro Light" panose="020B0304020202020204" pitchFamily="34" charset="0"/>
+              </a:rPr>
               <a:t>Framework</a:t>
             </a:r>
-            <a:endParaRPr/>
+            <a:endParaRPr dirty="0">
+              <a:latin typeface="Avenir Next LT Pro Light" panose="020B0304020202020204" pitchFamily="34" charset="0"/>
+            </a:endParaRPr>
           </a:p>
         </p:txBody>
       </p:sp>
       <p:sp>
         <p:nvSpPr>
           <p:cNvPr id="67" name="Google Shape;67;p15"/>
-          <p:cNvSpPr txBox="1"/>
+          <p:cNvSpPr txBox="1">
+            <a:spLocks noGrp="1"/>
+          </p:cNvSpPr>
           <p:nvPr>
-            <p:ph idx="1" type="body"/>
+            <p:ph type="body" idx="1"/>
           </p:nvPr>
         </p:nvSpPr>
         <p:spPr>
@@ -6589,12 +7394,12 @@
           </a:prstGeom>
         </p:spPr>
         <p:txBody>
-          <a:bodyPr anchorCtr="0" anchor="t" bIns="91425" lIns="91425" spcFirstLastPara="1" rIns="91425" wrap="square" tIns="91425">
+          <a:bodyPr spcFirstLastPara="1" wrap="square" lIns="91425" tIns="91425" rIns="91425" bIns="91425" anchor="t" anchorCtr="0">
             <a:normAutofit/>
           </a:bodyPr>
           <a:lstStyle/>
           <a:p>
-            <a:pPr indent="-342900" lvl="0" marL="457200" rtl="0" algn="l">
+            <a:pPr marL="457200" lvl="0" indent="-342900" algn="l" rtl="0">
               <a:spcBef>
                 <a:spcPts val="0"/>
               </a:spcBef>
@@ -6605,13 +7410,17 @@
               <a:buChar char="●"/>
             </a:pPr>
             <a:r>
-              <a:rPr lang="en-GB"/>
+              <a:rPr lang="en-GB" dirty="0">
+                <a:latin typeface="Avenir Next LT Pro Light" panose="020B0304020202020204" pitchFamily="34" charset="0"/>
+              </a:rPr>
               <a:t>Be highly configurable </a:t>
             </a:r>
-            <a:endParaRPr/>
+            <a:endParaRPr dirty="0">
+              <a:latin typeface="Avenir Next LT Pro Light" panose="020B0304020202020204" pitchFamily="34" charset="0"/>
+            </a:endParaRPr>
           </a:p>
           <a:p>
-            <a:pPr indent="-342900" lvl="0" marL="457200" rtl="0" algn="l">
+            <a:pPr marL="457200" lvl="0" indent="-342900" algn="l" rtl="0">
               <a:spcBef>
                 <a:spcPts val="0"/>
               </a:spcBef>
@@ -6622,13 +7431,17 @@
               <a:buChar char="●"/>
             </a:pPr>
             <a:r>
-              <a:rPr lang="en-GB"/>
+              <a:rPr lang="en-GB" dirty="0">
+                <a:latin typeface="Avenir Next LT Pro Light" panose="020B0304020202020204" pitchFamily="34" charset="0"/>
+              </a:rPr>
               <a:t>Allow multiple datasets</a:t>
             </a:r>
-            <a:endParaRPr/>
+            <a:endParaRPr dirty="0">
+              <a:latin typeface="Avenir Next LT Pro Light" panose="020B0304020202020204" pitchFamily="34" charset="0"/>
+            </a:endParaRPr>
           </a:p>
           <a:p>
-            <a:pPr indent="-342900" lvl="0" marL="457200" rtl="0" algn="l">
+            <a:pPr marL="457200" lvl="0" indent="-342900" algn="l" rtl="0">
               <a:spcBef>
                 <a:spcPts val="0"/>
               </a:spcBef>
@@ -6639,13 +7452,17 @@
               <a:buChar char="●"/>
             </a:pPr>
             <a:r>
-              <a:rPr lang="en-GB"/>
+              <a:rPr lang="en-GB" dirty="0">
+                <a:latin typeface="Avenir Next LT Pro Light" panose="020B0304020202020204" pitchFamily="34" charset="0"/>
+              </a:rPr>
               <a:t>Allow multiple networks</a:t>
             </a:r>
-            <a:endParaRPr/>
+            <a:endParaRPr dirty="0">
+              <a:latin typeface="Avenir Next LT Pro Light" panose="020B0304020202020204" pitchFamily="34" charset="0"/>
+            </a:endParaRPr>
           </a:p>
           <a:p>
-            <a:pPr indent="-342900" lvl="0" marL="457200" rtl="0" algn="l">
+            <a:pPr marL="457200" lvl="0" indent="-342900" algn="l" rtl="0">
               <a:spcBef>
                 <a:spcPts val="0"/>
               </a:spcBef>
@@ -6656,13 +7473,17 @@
               <a:buChar char="●"/>
             </a:pPr>
             <a:r>
-              <a:rPr lang="en-GB"/>
+              <a:rPr lang="en-GB" dirty="0">
+                <a:latin typeface="Avenir Next LT Pro Light" panose="020B0304020202020204" pitchFamily="34" charset="0"/>
+              </a:rPr>
               <a:t>Allow multiple metrics</a:t>
             </a:r>
-            <a:endParaRPr/>
+            <a:endParaRPr dirty="0">
+              <a:latin typeface="Avenir Next LT Pro Light" panose="020B0304020202020204" pitchFamily="34" charset="0"/>
+            </a:endParaRPr>
           </a:p>
           <a:p>
-            <a:pPr indent="-342900" lvl="0" marL="457200" rtl="0" algn="l">
+            <a:pPr marL="457200" lvl="0" indent="-342900" algn="l" rtl="0">
               <a:spcBef>
                 <a:spcPts val="0"/>
               </a:spcBef>
@@ -6673,13 +7494,17 @@
               <a:buChar char="●"/>
             </a:pPr>
             <a:r>
-              <a:rPr lang="en-GB"/>
+              <a:rPr lang="en-GB" dirty="0">
+                <a:latin typeface="Avenir Next LT Pro Light" panose="020B0304020202020204" pitchFamily="34" charset="0"/>
+              </a:rPr>
               <a:t>Should allow training, evaluation and use of network</a:t>
             </a:r>
-            <a:endParaRPr/>
+            <a:endParaRPr dirty="0">
+              <a:latin typeface="Avenir Next LT Pro Light" panose="020B0304020202020204" pitchFamily="34" charset="0"/>
+            </a:endParaRPr>
           </a:p>
           <a:p>
-            <a:pPr indent="-342900" lvl="0" marL="457200" rtl="0" algn="l">
+            <a:pPr marL="457200" lvl="0" indent="-342900" algn="l" rtl="0">
               <a:spcBef>
                 <a:spcPts val="0"/>
               </a:spcBef>
@@ -6690,10 +7515,14 @@
               <a:buChar char="●"/>
             </a:pPr>
             <a:r>
-              <a:rPr lang="en-GB"/>
+              <a:rPr lang="en-GB" dirty="0">
+                <a:latin typeface="Avenir Next LT Pro Light" panose="020B0304020202020204" pitchFamily="34" charset="0"/>
+              </a:rPr>
               <a:t>Be extendable</a:t>
             </a:r>
-            <a:endParaRPr/>
+            <a:endParaRPr dirty="0">
+              <a:latin typeface="Avenir Next LT Pro Light" panose="020B0304020202020204" pitchFamily="34" charset="0"/>
+            </a:endParaRPr>
           </a:p>
         </p:txBody>
       </p:sp>
@@ -6706,11 +7535,359 @@
 </file>
 
 <file path=ppt/slides/slide4.xml><?xml version="1.0" encoding="utf-8"?>
-<p:sld xmlns:a="http://schemas.openxmlformats.org/drawingml/2006/main" xmlns:r="http://schemas.openxmlformats.org/officeDocument/2006/relationships" xmlns:mc="http://schemas.openxmlformats.org/markup-compatibility/2006" xmlns:mv="urn:schemas-microsoft-com:mac:vml" xmlns:p="http://schemas.openxmlformats.org/presentationml/2006/main" xmlns:c="http://schemas.openxmlformats.org/drawingml/2006/chart" xmlns:dgm="http://schemas.openxmlformats.org/drawingml/2006/diagram" xmlns:o="urn:schemas-microsoft-com:office:office" xmlns:v="urn:schemas-microsoft-com:vml" xmlns:pvml="urn:schemas-microsoft-com:office:powerpoint" xmlns:com="http://schemas.openxmlformats.org/drawingml/2006/compatibility" xmlns:p14="http://schemas.microsoft.com/office/powerpoint/2010/main" xmlns:p15="http://schemas.microsoft.com/office/powerpoint/2012/main" xmlns:ahyp="http://schemas.microsoft.com/office/drawing/2018/hyperlinkcolor">
+<p:sld xmlns:a="http://schemas.openxmlformats.org/drawingml/2006/main" xmlns:r="http://schemas.openxmlformats.org/officeDocument/2006/relationships" xmlns:p="http://schemas.openxmlformats.org/presentationml/2006/main">
   <p:cSld>
     <p:spTree>
       <p:nvGrpSpPr>
-        <p:cNvPr id="71" name="Shape 71"/>
+        <p:cNvPr id="1" name="Shape 71"/>
+        <p:cNvGrpSpPr/>
+        <p:nvPr/>
+      </p:nvGrpSpPr>
+      <p:grpSpPr>
+        <a:xfrm>
+          <a:off x="0" y="0"/>
+          <a:ext cx="0" cy="0"/>
+          <a:chOff x="0" y="0"/>
+          <a:chExt cx="0" cy="0"/>
+        </a:xfrm>
+      </p:grpSpPr>
+      <p:sp>
+        <p:nvSpPr>
+          <p:cNvPr id="6" name="Google Shape;66;p15">
+            <a:extLst>
+              <a:ext uri="{FF2B5EF4-FFF2-40B4-BE49-F238E27FC236}">
+                <a16:creationId xmlns:a16="http://schemas.microsoft.com/office/drawing/2014/main" id="{BCF9A186-9B8B-DD1D-56E0-A997B4CCA944}"/>
+              </a:ext>
+            </a:extLst>
+          </p:cNvPr>
+          <p:cNvSpPr txBox="1">
+            <a:spLocks/>
+          </p:cNvSpPr>
+          <p:nvPr/>
+        </p:nvSpPr>
+        <p:spPr>
+          <a:xfrm>
+            <a:off x="311700" y="445025"/>
+            <a:ext cx="8520600" cy="572700"/>
+          </a:xfrm>
+          <a:prstGeom prst="rect">
+            <a:avLst/>
+          </a:prstGeom>
+          <a:noFill/>
+          <a:ln>
+            <a:noFill/>
+          </a:ln>
+        </p:spPr>
+        <p:txBody>
+          <a:bodyPr spcFirstLastPara="1" wrap="square" lIns="91425" tIns="91425" rIns="91425" bIns="91425" anchor="t" anchorCtr="0">
+            <a:normAutofit fontScale="97500" lnSpcReduction="10000"/>
+          </a:bodyPr>
+          <a:lstStyle>
+            <a:defPPr marR="0" lvl="0" algn="l" rtl="0">
+              <a:lnSpc>
+                <a:spcPct val="100000"/>
+              </a:lnSpc>
+              <a:spcBef>
+                <a:spcPts val="0"/>
+              </a:spcBef>
+              <a:spcAft>
+                <a:spcPts val="0"/>
+              </a:spcAft>
+            </a:defPPr>
+            <a:lvl1pPr marR="0" lvl="0" algn="l" rtl="0">
+              <a:lnSpc>
+                <a:spcPct val="100000"/>
+              </a:lnSpc>
+              <a:spcBef>
+                <a:spcPts val="0"/>
+              </a:spcBef>
+              <a:spcAft>
+                <a:spcPts val="0"/>
+              </a:spcAft>
+              <a:buClr>
+                <a:schemeClr val="dk1"/>
+              </a:buClr>
+              <a:buSzPts val="2800"/>
+              <a:buFont typeface="Arial"/>
+              <a:buNone/>
+              <a:defRPr sz="2800" b="0" i="0" u="none" strike="noStrike" cap="none">
+                <a:solidFill>
+                  <a:schemeClr val="dk1"/>
+                </a:solidFill>
+                <a:latin typeface="Arial"/>
+                <a:ea typeface="Arial"/>
+                <a:cs typeface="Arial"/>
+                <a:sym typeface="Arial"/>
+              </a:defRPr>
+            </a:lvl1pPr>
+            <a:lvl2pPr marR="0" lvl="1" algn="l" rtl="0">
+              <a:lnSpc>
+                <a:spcPct val="100000"/>
+              </a:lnSpc>
+              <a:spcBef>
+                <a:spcPts val="0"/>
+              </a:spcBef>
+              <a:spcAft>
+                <a:spcPts val="0"/>
+              </a:spcAft>
+              <a:buClr>
+                <a:schemeClr val="dk1"/>
+              </a:buClr>
+              <a:buSzPts val="2800"/>
+              <a:buFont typeface="Arial"/>
+              <a:buNone/>
+              <a:defRPr sz="2800" b="0" i="0" u="none" strike="noStrike" cap="none">
+                <a:solidFill>
+                  <a:schemeClr val="dk1"/>
+                </a:solidFill>
+                <a:latin typeface="Arial"/>
+                <a:ea typeface="Arial"/>
+                <a:cs typeface="Arial"/>
+                <a:sym typeface="Arial"/>
+              </a:defRPr>
+            </a:lvl2pPr>
+            <a:lvl3pPr marR="0" lvl="2" algn="l" rtl="0">
+              <a:lnSpc>
+                <a:spcPct val="100000"/>
+              </a:lnSpc>
+              <a:spcBef>
+                <a:spcPts val="0"/>
+              </a:spcBef>
+              <a:spcAft>
+                <a:spcPts val="0"/>
+              </a:spcAft>
+              <a:buClr>
+                <a:schemeClr val="dk1"/>
+              </a:buClr>
+              <a:buSzPts val="2800"/>
+              <a:buFont typeface="Arial"/>
+              <a:buNone/>
+              <a:defRPr sz="2800" b="0" i="0" u="none" strike="noStrike" cap="none">
+                <a:solidFill>
+                  <a:schemeClr val="dk1"/>
+                </a:solidFill>
+                <a:latin typeface="Arial"/>
+                <a:ea typeface="Arial"/>
+                <a:cs typeface="Arial"/>
+                <a:sym typeface="Arial"/>
+              </a:defRPr>
+            </a:lvl3pPr>
+            <a:lvl4pPr marR="0" lvl="3" algn="l" rtl="0">
+              <a:lnSpc>
+                <a:spcPct val="100000"/>
+              </a:lnSpc>
+              <a:spcBef>
+                <a:spcPts val="0"/>
+              </a:spcBef>
+              <a:spcAft>
+                <a:spcPts val="0"/>
+              </a:spcAft>
+              <a:buClr>
+                <a:schemeClr val="dk1"/>
+              </a:buClr>
+              <a:buSzPts val="2800"/>
+              <a:buFont typeface="Arial"/>
+              <a:buNone/>
+              <a:defRPr sz="2800" b="0" i="0" u="none" strike="noStrike" cap="none">
+                <a:solidFill>
+                  <a:schemeClr val="dk1"/>
+                </a:solidFill>
+                <a:latin typeface="Arial"/>
+                <a:ea typeface="Arial"/>
+                <a:cs typeface="Arial"/>
+                <a:sym typeface="Arial"/>
+              </a:defRPr>
+            </a:lvl4pPr>
+            <a:lvl5pPr marR="0" lvl="4" algn="l" rtl="0">
+              <a:lnSpc>
+                <a:spcPct val="100000"/>
+              </a:lnSpc>
+              <a:spcBef>
+                <a:spcPts val="0"/>
+              </a:spcBef>
+              <a:spcAft>
+                <a:spcPts val="0"/>
+              </a:spcAft>
+              <a:buClr>
+                <a:schemeClr val="dk1"/>
+              </a:buClr>
+              <a:buSzPts val="2800"/>
+              <a:buFont typeface="Arial"/>
+              <a:buNone/>
+              <a:defRPr sz="2800" b="0" i="0" u="none" strike="noStrike" cap="none">
+                <a:solidFill>
+                  <a:schemeClr val="dk1"/>
+                </a:solidFill>
+                <a:latin typeface="Arial"/>
+                <a:ea typeface="Arial"/>
+                <a:cs typeface="Arial"/>
+                <a:sym typeface="Arial"/>
+              </a:defRPr>
+            </a:lvl5pPr>
+            <a:lvl6pPr marR="0" lvl="5" algn="l" rtl="0">
+              <a:lnSpc>
+                <a:spcPct val="100000"/>
+              </a:lnSpc>
+              <a:spcBef>
+                <a:spcPts val="0"/>
+              </a:spcBef>
+              <a:spcAft>
+                <a:spcPts val="0"/>
+              </a:spcAft>
+              <a:buClr>
+                <a:schemeClr val="dk1"/>
+              </a:buClr>
+              <a:buSzPts val="2800"/>
+              <a:buFont typeface="Arial"/>
+              <a:buNone/>
+              <a:defRPr sz="2800" b="0" i="0" u="none" strike="noStrike" cap="none">
+                <a:solidFill>
+                  <a:schemeClr val="dk1"/>
+                </a:solidFill>
+                <a:latin typeface="Arial"/>
+                <a:ea typeface="Arial"/>
+                <a:cs typeface="Arial"/>
+                <a:sym typeface="Arial"/>
+              </a:defRPr>
+            </a:lvl6pPr>
+            <a:lvl7pPr marR="0" lvl="6" algn="l" rtl="0">
+              <a:lnSpc>
+                <a:spcPct val="100000"/>
+              </a:lnSpc>
+              <a:spcBef>
+                <a:spcPts val="0"/>
+              </a:spcBef>
+              <a:spcAft>
+                <a:spcPts val="0"/>
+              </a:spcAft>
+              <a:buClr>
+                <a:schemeClr val="dk1"/>
+              </a:buClr>
+              <a:buSzPts val="2800"/>
+              <a:buFont typeface="Arial"/>
+              <a:buNone/>
+              <a:defRPr sz="2800" b="0" i="0" u="none" strike="noStrike" cap="none">
+                <a:solidFill>
+                  <a:schemeClr val="dk1"/>
+                </a:solidFill>
+                <a:latin typeface="Arial"/>
+                <a:ea typeface="Arial"/>
+                <a:cs typeface="Arial"/>
+                <a:sym typeface="Arial"/>
+              </a:defRPr>
+            </a:lvl7pPr>
+            <a:lvl8pPr marR="0" lvl="7" algn="l" rtl="0">
+              <a:lnSpc>
+                <a:spcPct val="100000"/>
+              </a:lnSpc>
+              <a:spcBef>
+                <a:spcPts val="0"/>
+              </a:spcBef>
+              <a:spcAft>
+                <a:spcPts val="0"/>
+              </a:spcAft>
+              <a:buClr>
+                <a:schemeClr val="dk1"/>
+              </a:buClr>
+              <a:buSzPts val="2800"/>
+              <a:buFont typeface="Arial"/>
+              <a:buNone/>
+              <a:defRPr sz="2800" b="0" i="0" u="none" strike="noStrike" cap="none">
+                <a:solidFill>
+                  <a:schemeClr val="dk1"/>
+                </a:solidFill>
+                <a:latin typeface="Arial"/>
+                <a:ea typeface="Arial"/>
+                <a:cs typeface="Arial"/>
+                <a:sym typeface="Arial"/>
+              </a:defRPr>
+            </a:lvl8pPr>
+            <a:lvl9pPr marR="0" lvl="8" algn="l" rtl="0">
+              <a:lnSpc>
+                <a:spcPct val="100000"/>
+              </a:lnSpc>
+              <a:spcBef>
+                <a:spcPts val="0"/>
+              </a:spcBef>
+              <a:spcAft>
+                <a:spcPts val="0"/>
+              </a:spcAft>
+              <a:buClr>
+                <a:schemeClr val="dk1"/>
+              </a:buClr>
+              <a:buSzPts val="2800"/>
+              <a:buFont typeface="Arial"/>
+              <a:buNone/>
+              <a:defRPr sz="2800" b="0" i="0" u="none" strike="noStrike" cap="none">
+                <a:solidFill>
+                  <a:schemeClr val="dk1"/>
+                </a:solidFill>
+                <a:latin typeface="Arial"/>
+                <a:ea typeface="Arial"/>
+                <a:cs typeface="Arial"/>
+                <a:sym typeface="Arial"/>
+              </a:defRPr>
+            </a:lvl9pPr>
+          </a:lstStyle>
+          <a:p>
+            <a:r>
+              <a:rPr lang="en-GB" dirty="0">
+                <a:latin typeface="Avenir Next LT Pro Light" panose="020B0304020202020204" pitchFamily="34" charset="0"/>
+              </a:rPr>
+              <a:t>Configuration</a:t>
+            </a:r>
+          </a:p>
+        </p:txBody>
+      </p:sp>
+      <p:pic>
+        <p:nvPicPr>
+          <p:cNvPr id="8" name="Grafik 7">
+            <a:extLst>
+              <a:ext uri="{FF2B5EF4-FFF2-40B4-BE49-F238E27FC236}">
+                <a16:creationId xmlns:a16="http://schemas.microsoft.com/office/drawing/2014/main" id="{1FA7ADBB-2248-F6F0-1E48-964CD73F1CB3}"/>
+              </a:ext>
+            </a:extLst>
+          </p:cNvPr>
+          <p:cNvPicPr>
+            <a:picLocks noChangeAspect="1"/>
+          </p:cNvPicPr>
+          <p:nvPr/>
+        </p:nvPicPr>
+        <p:blipFill>
+          <a:blip r:embed="rId3"/>
+          <a:stretch>
+            <a:fillRect/>
+          </a:stretch>
+        </p:blipFill>
+        <p:spPr>
+          <a:xfrm>
+            <a:off x="3241598" y="145143"/>
+            <a:ext cx="5372148" cy="4853214"/>
+          </a:xfrm>
+          <a:prstGeom prst="rect">
+            <a:avLst/>
+          </a:prstGeom>
+        </p:spPr>
+      </p:pic>
+    </p:spTree>
+    <p:extLst>
+      <p:ext uri="{BB962C8B-B14F-4D97-AF65-F5344CB8AC3E}">
+        <p14:creationId xmlns:p14="http://schemas.microsoft.com/office/powerpoint/2010/main" val="711222796"/>
+      </p:ext>
+    </p:extLst>
+  </p:cSld>
+  <p:clrMapOvr>
+    <a:masterClrMapping/>
+  </p:clrMapOvr>
+</p:sld>
+</file>
+
+<file path=ppt/slides/slide5.xml><?xml version="1.0" encoding="utf-8"?>
+<p:sld xmlns:a="http://schemas.openxmlformats.org/drawingml/2006/main" xmlns:r="http://schemas.openxmlformats.org/officeDocument/2006/relationships" xmlns:p="http://schemas.openxmlformats.org/presentationml/2006/main">
+  <p:cSld>
+    <p:spTree>
+      <p:nvGrpSpPr>
+        <p:cNvPr id="1" name="Shape 71"/>
         <p:cNvGrpSpPr/>
         <p:nvPr/>
       </p:nvGrpSpPr>
@@ -6725,7 +7902,9 @@
       <p:sp>
         <p:nvSpPr>
           <p:cNvPr id="72" name="Google Shape;72;p16"/>
-          <p:cNvSpPr txBox="1"/>
+          <p:cNvSpPr txBox="1">
+            <a:spLocks noGrp="1"/>
+          </p:cNvSpPr>
           <p:nvPr>
             <p:ph type="title"/>
           </p:nvPr>
@@ -6740,12 +7919,12 @@
           </a:prstGeom>
         </p:spPr>
         <p:txBody>
-          <a:bodyPr anchorCtr="0" anchor="t" bIns="91425" lIns="91425" spcFirstLastPara="1" rIns="91425" wrap="square" tIns="91425">
+          <a:bodyPr spcFirstLastPara="1" wrap="square" lIns="91425" tIns="91425" rIns="91425" bIns="91425" anchor="t" anchorCtr="0">
             <a:normAutofit fontScale="90000"/>
           </a:bodyPr>
           <a:lstStyle/>
           <a:p>
-            <a:pPr indent="0" lvl="0" marL="0" rtl="0" algn="l">
+            <a:pPr marL="0" lvl="0" indent="0" algn="l" rtl="0">
               <a:spcBef>
                 <a:spcPts val="0"/>
               </a:spcBef>
@@ -6755,19 +7934,25 @@
               <a:buNone/>
             </a:pPr>
             <a:r>
-              <a:rPr lang="en-GB"/>
+              <a:rPr lang="en-GB">
+                <a:latin typeface="Avenir Next LT Pro Light" panose="020B0304020202020204" pitchFamily="34" charset="0"/>
+              </a:rPr>
               <a:t>Experiments</a:t>
             </a:r>
-            <a:endParaRPr/>
+            <a:endParaRPr>
+              <a:latin typeface="Avenir Next LT Pro Light" panose="020B0304020202020204" pitchFamily="34" charset="0"/>
+            </a:endParaRPr>
           </a:p>
         </p:txBody>
       </p:sp>
       <p:sp>
         <p:nvSpPr>
           <p:cNvPr id="73" name="Google Shape;73;p16"/>
-          <p:cNvSpPr txBox="1"/>
+          <p:cNvSpPr txBox="1">
+            <a:spLocks noGrp="1"/>
+          </p:cNvSpPr>
           <p:nvPr>
-            <p:ph idx="1" type="body"/>
+            <p:ph type="body" idx="1"/>
           </p:nvPr>
         </p:nvSpPr>
         <p:spPr>
@@ -6780,12 +7965,12 @@
           </a:prstGeom>
         </p:spPr>
         <p:txBody>
-          <a:bodyPr anchorCtr="0" anchor="t" bIns="91425" lIns="91425" spcFirstLastPara="1" rIns="91425" wrap="square" tIns="91425">
+          <a:bodyPr spcFirstLastPara="1" wrap="square" lIns="91425" tIns="91425" rIns="91425" bIns="91425" anchor="t" anchorCtr="0">
             <a:normAutofit/>
           </a:bodyPr>
           <a:lstStyle/>
           <a:p>
-            <a:pPr indent="-342900" lvl="0" marL="457200" rtl="0" algn="l">
+            <a:pPr marL="457200" lvl="0" indent="-342900" algn="l" rtl="0">
               <a:spcBef>
                 <a:spcPts val="0"/>
               </a:spcBef>
@@ -6796,13 +7981,17 @@
               <a:buChar char="●"/>
             </a:pPr>
             <a:r>
-              <a:rPr lang="en-GB"/>
+              <a:rPr lang="en-GB" dirty="0">
+                <a:latin typeface="Avenir Next LT Pro Light" panose="020B0304020202020204" pitchFamily="34" charset="0"/>
+              </a:rPr>
               <a:t>4 different dropouts</a:t>
             </a:r>
-            <a:endParaRPr/>
+            <a:endParaRPr dirty="0">
+              <a:latin typeface="Avenir Next LT Pro Light" panose="020B0304020202020204" pitchFamily="34" charset="0"/>
+            </a:endParaRPr>
           </a:p>
           <a:p>
-            <a:pPr indent="-317500" lvl="1" marL="914400" rtl="0" algn="l">
+            <a:pPr marL="914400" lvl="1" indent="-317500" algn="l" rtl="0">
               <a:spcBef>
                 <a:spcPts val="0"/>
               </a:spcBef>
@@ -6813,13 +8002,17 @@
               <a:buChar char="○"/>
             </a:pPr>
             <a:r>
-              <a:rPr lang="en-GB"/>
+              <a:rPr lang="en-GB" dirty="0">
+                <a:latin typeface="Avenir Next LT Pro Light" panose="020B0304020202020204" pitchFamily="34" charset="0"/>
+              </a:rPr>
               <a:t>0%</a:t>
             </a:r>
-            <a:endParaRPr/>
+            <a:endParaRPr dirty="0">
+              <a:latin typeface="Avenir Next LT Pro Light" panose="020B0304020202020204" pitchFamily="34" charset="0"/>
+            </a:endParaRPr>
           </a:p>
           <a:p>
-            <a:pPr indent="-317500" lvl="1" marL="914400" rtl="0" algn="l">
+            <a:pPr marL="914400" lvl="1" indent="-317500" algn="l" rtl="0">
               <a:spcBef>
                 <a:spcPts val="0"/>
               </a:spcBef>
@@ -6830,13 +8023,17 @@
               <a:buChar char="○"/>
             </a:pPr>
             <a:r>
-              <a:rPr lang="en-GB"/>
+              <a:rPr lang="en-GB" dirty="0">
+                <a:latin typeface="Avenir Next LT Pro Light" panose="020B0304020202020204" pitchFamily="34" charset="0"/>
+              </a:rPr>
               <a:t>20%</a:t>
             </a:r>
-            <a:endParaRPr/>
+            <a:endParaRPr dirty="0">
+              <a:latin typeface="Avenir Next LT Pro Light" panose="020B0304020202020204" pitchFamily="34" charset="0"/>
+            </a:endParaRPr>
           </a:p>
           <a:p>
-            <a:pPr indent="-317500" lvl="1" marL="914400" rtl="0" algn="l">
+            <a:pPr marL="914400" lvl="1" indent="-317500" algn="l" rtl="0">
               <a:spcBef>
                 <a:spcPts val="0"/>
               </a:spcBef>
@@ -6847,13 +8044,17 @@
               <a:buChar char="○"/>
             </a:pPr>
             <a:r>
-              <a:rPr lang="en-GB"/>
+              <a:rPr lang="en-GB" dirty="0">
+                <a:latin typeface="Avenir Next LT Pro Light" panose="020B0304020202020204" pitchFamily="34" charset="0"/>
+              </a:rPr>
               <a:t>30%</a:t>
             </a:r>
-            <a:endParaRPr/>
+            <a:endParaRPr dirty="0">
+              <a:latin typeface="Avenir Next LT Pro Light" panose="020B0304020202020204" pitchFamily="34" charset="0"/>
+            </a:endParaRPr>
           </a:p>
           <a:p>
-            <a:pPr indent="-317500" lvl="1" marL="914400" rtl="0" algn="l">
+            <a:pPr marL="914400" lvl="1" indent="-317500" algn="l" rtl="0">
               <a:spcBef>
                 <a:spcPts val="0"/>
               </a:spcBef>
@@ -6864,13 +8065,17 @@
               <a:buChar char="○"/>
             </a:pPr>
             <a:r>
-              <a:rPr lang="en-GB"/>
+              <a:rPr lang="en-GB" dirty="0">
+                <a:latin typeface="Avenir Next LT Pro Light" panose="020B0304020202020204" pitchFamily="34" charset="0"/>
+              </a:rPr>
               <a:t>50%</a:t>
             </a:r>
-            <a:endParaRPr/>
+            <a:endParaRPr dirty="0">
+              <a:latin typeface="Avenir Next LT Pro Light" panose="020B0304020202020204" pitchFamily="34" charset="0"/>
+            </a:endParaRPr>
           </a:p>
           <a:p>
-            <a:pPr indent="-342900" lvl="0" marL="457200" rtl="0" algn="l">
+            <a:pPr marL="457200" lvl="0" indent="-342900" algn="l" rtl="0">
               <a:spcBef>
                 <a:spcPts val="0"/>
               </a:spcBef>
@@ -6881,13 +8086,17 @@
               <a:buChar char="●"/>
             </a:pPr>
             <a:r>
-              <a:rPr lang="en-GB"/>
+              <a:rPr lang="en-GB" dirty="0">
+                <a:latin typeface="Avenir Next LT Pro Light" panose="020B0304020202020204" pitchFamily="34" charset="0"/>
+              </a:rPr>
               <a:t>2 layer types </a:t>
             </a:r>
-            <a:endParaRPr/>
+            <a:endParaRPr dirty="0">
+              <a:latin typeface="Avenir Next LT Pro Light" panose="020B0304020202020204" pitchFamily="34" charset="0"/>
+            </a:endParaRPr>
           </a:p>
           <a:p>
-            <a:pPr indent="-317500" lvl="1" marL="914400" rtl="0" algn="l">
+            <a:pPr marL="914400" lvl="1" indent="-317500" algn="l" rtl="0">
               <a:spcBef>
                 <a:spcPts val="0"/>
               </a:spcBef>
@@ -6898,13 +8107,17 @@
               <a:buChar char="○"/>
             </a:pPr>
             <a:r>
-              <a:rPr lang="en-GB"/>
+              <a:rPr lang="en-GB" dirty="0">
+                <a:latin typeface="Avenir Next LT Pro Light" panose="020B0304020202020204" pitchFamily="34" charset="0"/>
+              </a:rPr>
               <a:t>With ‘standard’ convolutional layers</a:t>
             </a:r>
-            <a:endParaRPr/>
+            <a:endParaRPr dirty="0">
+              <a:latin typeface="Avenir Next LT Pro Light" panose="020B0304020202020204" pitchFamily="34" charset="0"/>
+            </a:endParaRPr>
           </a:p>
           <a:p>
-            <a:pPr indent="-317500" lvl="1" marL="914400" rtl="0" algn="l">
+            <a:pPr marL="914400" lvl="1" indent="-317500" algn="l" rtl="0">
               <a:spcBef>
                 <a:spcPts val="0"/>
               </a:spcBef>
@@ -6915,13 +8128,17 @@
               <a:buChar char="○"/>
             </a:pPr>
             <a:r>
-              <a:rPr lang="en-GB"/>
+              <a:rPr lang="en-GB" dirty="0">
+                <a:latin typeface="Avenir Next LT Pro Light" panose="020B0304020202020204" pitchFamily="34" charset="0"/>
+              </a:rPr>
               <a:t>With spectral convolutional layers</a:t>
             </a:r>
-            <a:endParaRPr/>
+            <a:endParaRPr dirty="0">
+              <a:latin typeface="Avenir Next LT Pro Light" panose="020B0304020202020204" pitchFamily="34" charset="0"/>
+            </a:endParaRPr>
           </a:p>
           <a:p>
-            <a:pPr indent="-342900" lvl="0" marL="457200" rtl="0" algn="l">
+            <a:pPr marL="457200" lvl="0" indent="-342900" algn="l" rtl="0">
               <a:spcBef>
                 <a:spcPts val="0"/>
               </a:spcBef>
@@ -6932,13 +8149,23 @@
               <a:buChar char="●"/>
             </a:pPr>
             <a:r>
-              <a:rPr lang="en-GB"/>
-              <a:t>celebA Dataset with 25% and 100% of the size</a:t>
-            </a:r>
-            <a:endParaRPr/>
+              <a:rPr lang="en-GB" dirty="0" err="1">
+                <a:latin typeface="Avenir Next LT Pro Light" panose="020B0304020202020204" pitchFamily="34" charset="0"/>
+              </a:rPr>
+              <a:t>celebA</a:t>
+            </a:r>
+            <a:r>
+              <a:rPr lang="en-GB" dirty="0">
+                <a:latin typeface="Avenir Next LT Pro Light" panose="020B0304020202020204" pitchFamily="34" charset="0"/>
+              </a:rPr>
+              <a:t> Dataset with 25% and 100% of the size</a:t>
+            </a:r>
+            <a:endParaRPr dirty="0">
+              <a:latin typeface="Avenir Next LT Pro Light" panose="020B0304020202020204" pitchFamily="34" charset="0"/>
+            </a:endParaRPr>
           </a:p>
           <a:p>
-            <a:pPr indent="-342900" lvl="0" marL="457200" rtl="0" algn="l">
+            <a:pPr marL="457200" lvl="0" indent="-342900" algn="l" rtl="0">
               <a:spcBef>
                 <a:spcPts val="0"/>
               </a:spcBef>
@@ -6949,10 +8176,14 @@
               <a:buChar char="●"/>
             </a:pPr>
             <a:r>
-              <a:rPr lang="en-GB"/>
+              <a:rPr lang="en-GB" dirty="0">
+                <a:latin typeface="Avenir Next LT Pro Light" panose="020B0304020202020204" pitchFamily="34" charset="0"/>
+              </a:rPr>
               <a:t>Resulting in 10 runs for at least 100 epochs</a:t>
             </a:r>
-            <a:endParaRPr/>
+            <a:endParaRPr dirty="0">
+              <a:latin typeface="Avenir Next LT Pro Light" panose="020B0304020202020204" pitchFamily="34" charset="0"/>
+            </a:endParaRPr>
           </a:p>
         </p:txBody>
       </p:sp>
@@ -6964,12 +8195,12 @@
 </p:sld>
 </file>
 
-<file path=ppt/slides/slide5.xml><?xml version="1.0" encoding="utf-8"?>
-<p:sld xmlns:a="http://schemas.openxmlformats.org/drawingml/2006/main" xmlns:r="http://schemas.openxmlformats.org/officeDocument/2006/relationships" xmlns:mc="http://schemas.openxmlformats.org/markup-compatibility/2006" xmlns:mv="urn:schemas-microsoft-com:mac:vml" xmlns:p="http://schemas.openxmlformats.org/presentationml/2006/main" xmlns:c="http://schemas.openxmlformats.org/drawingml/2006/chart" xmlns:dgm="http://schemas.openxmlformats.org/drawingml/2006/diagram" xmlns:o="urn:schemas-microsoft-com:office:office" xmlns:v="urn:schemas-microsoft-com:vml" xmlns:pvml="urn:schemas-microsoft-com:office:powerpoint" xmlns:com="http://schemas.openxmlformats.org/drawingml/2006/compatibility" xmlns:p14="http://schemas.microsoft.com/office/powerpoint/2010/main" xmlns:p15="http://schemas.microsoft.com/office/powerpoint/2012/main" xmlns:ahyp="http://schemas.microsoft.com/office/drawing/2018/hyperlinkcolor">
+<file path=ppt/slides/slide6.xml><?xml version="1.0" encoding="utf-8"?>
+<p:sld xmlns:a="http://schemas.openxmlformats.org/drawingml/2006/main" xmlns:r="http://schemas.openxmlformats.org/officeDocument/2006/relationships" xmlns:p="http://schemas.openxmlformats.org/presentationml/2006/main">
   <p:cSld>
     <p:spTree>
       <p:nvGrpSpPr>
-        <p:cNvPr id="77" name="Shape 77"/>
+        <p:cNvPr id="1" name="Shape 77"/>
         <p:cNvGrpSpPr/>
         <p:nvPr/>
       </p:nvGrpSpPr>
@@ -6984,7 +8215,9 @@
       <p:sp>
         <p:nvSpPr>
           <p:cNvPr id="78" name="Google Shape;78;p17"/>
-          <p:cNvSpPr txBox="1"/>
+          <p:cNvSpPr txBox="1">
+            <a:spLocks noGrp="1"/>
+          </p:cNvSpPr>
           <p:nvPr>
             <p:ph type="title"/>
           </p:nvPr>
@@ -6999,12 +8232,12 @@
           </a:prstGeom>
         </p:spPr>
         <p:txBody>
-          <a:bodyPr anchorCtr="0" anchor="t" bIns="91425" lIns="91425" spcFirstLastPara="1" rIns="91425" wrap="square" tIns="91425">
+          <a:bodyPr spcFirstLastPara="1" wrap="square" lIns="91425" tIns="91425" rIns="91425" bIns="91425" anchor="t" anchorCtr="0">
             <a:normAutofit fontScale="90000"/>
           </a:bodyPr>
           <a:lstStyle/>
           <a:p>
-            <a:pPr indent="0" lvl="0" marL="0" rtl="0" algn="l">
+            <a:pPr marL="0" lvl="0" indent="0" algn="l" rtl="0">
               <a:spcBef>
                 <a:spcPts val="0"/>
               </a:spcBef>
@@ -7014,19 +8247,25 @@
               <a:buNone/>
             </a:pPr>
             <a:r>
-              <a:rPr lang="en-GB"/>
+              <a:rPr lang="en-GB">
+                <a:latin typeface="Avenir Next LT Pro Light" panose="020B0304020202020204" pitchFamily="34" charset="0"/>
+              </a:rPr>
               <a:t>Why celebA?</a:t>
             </a:r>
-            <a:endParaRPr/>
+            <a:endParaRPr>
+              <a:latin typeface="Avenir Next LT Pro Light" panose="020B0304020202020204" pitchFamily="34" charset="0"/>
+            </a:endParaRPr>
           </a:p>
         </p:txBody>
       </p:sp>
       <p:sp>
         <p:nvSpPr>
           <p:cNvPr id="79" name="Google Shape;79;p17"/>
-          <p:cNvSpPr txBox="1"/>
+          <p:cNvSpPr txBox="1">
+            <a:spLocks noGrp="1"/>
+          </p:cNvSpPr>
           <p:nvPr>
-            <p:ph idx="1" type="body"/>
+            <p:ph type="body" idx="1"/>
           </p:nvPr>
         </p:nvSpPr>
         <p:spPr>
@@ -7039,12 +8278,12 @@
           </a:prstGeom>
         </p:spPr>
         <p:txBody>
-          <a:bodyPr anchorCtr="0" anchor="t" bIns="91425" lIns="91425" spcFirstLastPara="1" rIns="91425" wrap="square" tIns="91425">
+          <a:bodyPr spcFirstLastPara="1" wrap="square" lIns="91425" tIns="91425" rIns="91425" bIns="91425" anchor="t" anchorCtr="0">
             <a:normAutofit/>
           </a:bodyPr>
           <a:lstStyle/>
           <a:p>
-            <a:pPr indent="0" lvl="0" marL="0" rtl="0" algn="l">
+            <a:pPr marL="0" lvl="0" indent="0" algn="l" rtl="0">
               <a:spcBef>
                 <a:spcPts val="0"/>
               </a:spcBef>
@@ -7053,13 +8292,12 @@
               </a:spcAft>
               <a:buNone/>
             </a:pPr>
-            <a:r>
-              <a:t/>
-            </a:r>
-            <a:endParaRPr/>
+            <a:endParaRPr dirty="0">
+              <a:latin typeface="Avenir Next LT Pro Light" panose="020B0304020202020204" pitchFamily="34" charset="0"/>
+            </a:endParaRPr>
           </a:p>
           <a:p>
-            <a:pPr indent="0" lvl="0" marL="0" rtl="0" algn="l">
+            <a:pPr marL="0" lvl="0" indent="0" algn="l" rtl="0">
               <a:spcBef>
                 <a:spcPts val="1200"/>
               </a:spcBef>
@@ -7068,13 +8306,12 @@
               </a:spcAft>
               <a:buNone/>
             </a:pPr>
-            <a:r>
-              <a:t/>
-            </a:r>
-            <a:endParaRPr/>
+            <a:endParaRPr dirty="0">
+              <a:latin typeface="Avenir Next LT Pro Light" panose="020B0304020202020204" pitchFamily="34" charset="0"/>
+            </a:endParaRPr>
           </a:p>
           <a:p>
-            <a:pPr indent="0" lvl="0" marL="0" rtl="0" algn="l">
+            <a:pPr marL="0" lvl="0" indent="0" algn="l" rtl="0">
               <a:spcBef>
                 <a:spcPts val="1200"/>
               </a:spcBef>
@@ -7083,13 +8320,12 @@
               </a:spcAft>
               <a:buNone/>
             </a:pPr>
-            <a:r>
-              <a:t/>
-            </a:r>
-            <a:endParaRPr/>
+            <a:endParaRPr dirty="0">
+              <a:latin typeface="Avenir Next LT Pro Light" panose="020B0304020202020204" pitchFamily="34" charset="0"/>
+            </a:endParaRPr>
           </a:p>
           <a:p>
-            <a:pPr indent="0" lvl="0" marL="0" rtl="0" algn="l">
+            <a:pPr marL="0" lvl="0" indent="0" algn="l" rtl="0">
               <a:spcBef>
                 <a:spcPts val="1200"/>
               </a:spcBef>
@@ -7098,13 +8334,12 @@
               </a:spcAft>
               <a:buNone/>
             </a:pPr>
-            <a:r>
-              <a:t/>
-            </a:r>
-            <a:endParaRPr/>
+            <a:endParaRPr dirty="0">
+              <a:latin typeface="Avenir Next LT Pro Light" panose="020B0304020202020204" pitchFamily="34" charset="0"/>
+            </a:endParaRPr>
           </a:p>
           <a:p>
-            <a:pPr indent="0" lvl="0" marL="0" rtl="0" algn="l">
+            <a:pPr marL="0" lvl="0" indent="0" algn="l" rtl="0">
               <a:spcBef>
                 <a:spcPts val="1200"/>
               </a:spcBef>
@@ -7113,13 +8348,12 @@
               </a:spcAft>
               <a:buNone/>
             </a:pPr>
-            <a:r>
-              <a:t/>
-            </a:r>
-            <a:endParaRPr/>
+            <a:endParaRPr dirty="0">
+              <a:latin typeface="Avenir Next LT Pro Light" panose="020B0304020202020204" pitchFamily="34" charset="0"/>
+            </a:endParaRPr>
           </a:p>
           <a:p>
-            <a:pPr indent="0" lvl="0" marL="0" rtl="0" algn="l">
+            <a:pPr marL="0" lvl="0" indent="0" algn="l" rtl="0">
               <a:spcBef>
                 <a:spcPts val="1200"/>
               </a:spcBef>
@@ -7128,11 +8362,28 @@
               </a:spcAft>
               <a:buNone/>
             </a:pPr>
-            <a:r>
-              <a:rPr lang="en-GB"/>
-              <a:t>Tradeoff between number of images and number of attributes</a:t>
-            </a:r>
-            <a:endParaRPr/>
+            <a:br>
+              <a:rPr lang="en-GB" dirty="0">
+                <a:latin typeface="Avenir Next LT Pro Light" panose="020B0304020202020204" pitchFamily="34" charset="0"/>
+                <a:sym typeface="Wingdings" panose="05000000000000000000" pitchFamily="2" charset="2"/>
+              </a:rPr>
+            </a:br>
+            <a:r>
+              <a:rPr lang="en-GB" dirty="0">
+                <a:latin typeface="Avenir Next LT Pro Light" panose="020B0304020202020204" pitchFamily="34" charset="0"/>
+                <a:sym typeface="Wingdings" panose="05000000000000000000" pitchFamily="2" charset="2"/>
+              </a:rPr>
+              <a:t> </a:t>
+            </a:r>
+            <a:r>
+              <a:rPr lang="en-GB" dirty="0">
+                <a:latin typeface="Avenir Next LT Pro Light" panose="020B0304020202020204" pitchFamily="34" charset="0"/>
+              </a:rPr>
+              <a:t>Trade-off between number of images and number of attributes</a:t>
+            </a:r>
+            <a:endParaRPr dirty="0">
+              <a:latin typeface="Avenir Next LT Pro Light" panose="020B0304020202020204" pitchFamily="34" charset="0"/>
+            </a:endParaRPr>
           </a:p>
         </p:txBody>
       </p:sp>
@@ -7152,7 +8403,7 @@
         </p:blipFill>
         <p:spPr>
           <a:xfrm>
-            <a:off x="510075" y="1152475"/>
+            <a:off x="510076" y="1570350"/>
             <a:ext cx="8123848" cy="2002800"/>
           </a:xfrm>
           <a:prstGeom prst="rect">
@@ -7172,12 +8423,12 @@
 </p:sld>
 </file>
 
-<file path=ppt/slides/slide6.xml><?xml version="1.0" encoding="utf-8"?>
-<p:sld xmlns:a="http://schemas.openxmlformats.org/drawingml/2006/main" xmlns:r="http://schemas.openxmlformats.org/officeDocument/2006/relationships" xmlns:mc="http://schemas.openxmlformats.org/markup-compatibility/2006" xmlns:mv="urn:schemas-microsoft-com:mac:vml" xmlns:p="http://schemas.openxmlformats.org/presentationml/2006/main" xmlns:c="http://schemas.openxmlformats.org/drawingml/2006/chart" xmlns:dgm="http://schemas.openxmlformats.org/drawingml/2006/diagram" xmlns:o="urn:schemas-microsoft-com:office:office" xmlns:v="urn:schemas-microsoft-com:vml" xmlns:pvml="urn:schemas-microsoft-com:office:powerpoint" xmlns:com="http://schemas.openxmlformats.org/drawingml/2006/compatibility" xmlns:p14="http://schemas.microsoft.com/office/powerpoint/2010/main" xmlns:p15="http://schemas.microsoft.com/office/powerpoint/2012/main" xmlns:ahyp="http://schemas.microsoft.com/office/drawing/2018/hyperlinkcolor">
+<file path=ppt/slides/slide7.xml><?xml version="1.0" encoding="utf-8"?>
+<p:sld xmlns:a="http://schemas.openxmlformats.org/drawingml/2006/main" xmlns:r="http://schemas.openxmlformats.org/officeDocument/2006/relationships" xmlns:p="http://schemas.openxmlformats.org/presentationml/2006/main">
   <p:cSld>
     <p:spTree>
       <p:nvGrpSpPr>
-        <p:cNvPr id="84" name="Shape 84"/>
+        <p:cNvPr id="1" name="Shape 84"/>
         <p:cNvGrpSpPr/>
         <p:nvPr/>
       </p:nvGrpSpPr>
@@ -7192,7 +8443,9 @@
       <p:sp>
         <p:nvSpPr>
           <p:cNvPr id="85" name="Google Shape;85;p18"/>
-          <p:cNvSpPr txBox="1"/>
+          <p:cNvSpPr txBox="1">
+            <a:spLocks noGrp="1"/>
+          </p:cNvSpPr>
           <p:nvPr>
             <p:ph type="title"/>
           </p:nvPr>
@@ -7207,12 +8460,12 @@
           </a:prstGeom>
         </p:spPr>
         <p:txBody>
-          <a:bodyPr anchorCtr="0" anchor="t" bIns="91425" lIns="91425" spcFirstLastPara="1" rIns="91425" wrap="square" tIns="91425">
+          <a:bodyPr spcFirstLastPara="1" wrap="square" lIns="91425" tIns="91425" rIns="91425" bIns="91425" anchor="t" anchorCtr="0">
             <a:normAutofit fontScale="90000"/>
           </a:bodyPr>
           <a:lstStyle/>
           <a:p>
-            <a:pPr indent="0" lvl="0" marL="0" rtl="0" algn="l">
+            <a:pPr marL="0" lvl="0" indent="0" algn="l" rtl="0">
               <a:spcBef>
                 <a:spcPts val="0"/>
               </a:spcBef>
@@ -7222,49 +8475,14 @@
               <a:buNone/>
             </a:pPr>
             <a:r>
-              <a:rPr lang="en-GB"/>
+              <a:rPr lang="en-GB" dirty="0">
+                <a:latin typeface="Avenir Next LT Pro Light" panose="020B0304020202020204" pitchFamily="34" charset="0"/>
+              </a:rPr>
               <a:t>Evaluation of Experiments</a:t>
             </a:r>
-            <a:endParaRPr/>
-          </a:p>
-        </p:txBody>
-      </p:sp>
-      <p:sp>
-        <p:nvSpPr>
-          <p:cNvPr id="86" name="Google Shape;86;p18"/>
-          <p:cNvSpPr txBox="1"/>
-          <p:nvPr>
-            <p:ph idx="1" type="body"/>
-          </p:nvPr>
-        </p:nvSpPr>
-        <p:spPr>
-          <a:xfrm>
-            <a:off x="311700" y="1152475"/>
-            <a:ext cx="8520600" cy="3416400"/>
-          </a:xfrm>
-          <a:prstGeom prst="rect">
-            <a:avLst/>
-          </a:prstGeom>
-        </p:spPr>
-        <p:txBody>
-          <a:bodyPr anchorCtr="0" anchor="t" bIns="91425" lIns="91425" spcFirstLastPara="1" rIns="91425" wrap="square" tIns="91425">
-            <a:normAutofit/>
-          </a:bodyPr>
-          <a:lstStyle/>
-          <a:p>
-            <a:pPr indent="0" lvl="0" marL="0" rtl="0" algn="l">
-              <a:spcBef>
-                <a:spcPts val="0"/>
-              </a:spcBef>
-              <a:spcAft>
-                <a:spcPts val="1200"/>
-              </a:spcAft>
-              <a:buNone/>
-            </a:pPr>
-            <a:r>
-              <a:t/>
-            </a:r>
-            <a:endParaRPr/>
+            <a:endParaRPr dirty="0">
+              <a:latin typeface="Avenir Next LT Pro Light" panose="020B0304020202020204" pitchFamily="34" charset="0"/>
+            </a:endParaRPr>
           </a:p>
         </p:txBody>
       </p:sp>
@@ -7312,7 +8530,7 @@
         </p:blipFill>
         <p:spPr>
           <a:xfrm>
-            <a:off x="8222700" y="1152475"/>
+            <a:off x="6819718" y="2310500"/>
             <a:ext cx="609600" cy="609600"/>
           </a:xfrm>
           <a:prstGeom prst="rect">
@@ -7340,7 +8558,7 @@
         </p:blipFill>
         <p:spPr>
           <a:xfrm>
-            <a:off x="7490725" y="1152475"/>
+            <a:off x="7587850" y="2310500"/>
             <a:ext cx="609600" cy="609600"/>
           </a:xfrm>
           <a:prstGeom prst="rect">
@@ -7368,7 +8586,7 @@
         </p:blipFill>
         <p:spPr>
           <a:xfrm>
-            <a:off x="6758750" y="1152475"/>
+            <a:off x="7124518" y="1618857"/>
             <a:ext cx="609600" cy="609600"/>
           </a:xfrm>
           <a:prstGeom prst="rect">
@@ -7396,7 +8614,7 @@
         </p:blipFill>
         <p:spPr>
           <a:xfrm>
-            <a:off x="6026775" y="1152475"/>
+            <a:off x="6392543" y="1618857"/>
             <a:ext cx="609600" cy="609600"/>
           </a:xfrm>
           <a:prstGeom prst="rect">
@@ -7424,7 +8642,7 @@
         </p:blipFill>
         <p:spPr>
           <a:xfrm>
-            <a:off x="8222700" y="3959275"/>
+            <a:off x="7283050" y="3974232"/>
             <a:ext cx="609600" cy="609600"/>
           </a:xfrm>
           <a:prstGeom prst="rect">
@@ -7452,7 +8670,7 @@
         </p:blipFill>
         <p:spPr>
           <a:xfrm>
-            <a:off x="7490725" y="3959275"/>
+            <a:off x="6551075" y="3974232"/>
             <a:ext cx="609600" cy="609600"/>
           </a:xfrm>
           <a:prstGeom prst="rect">
@@ -7480,7 +8698,7 @@
         </p:blipFill>
         <p:spPr>
           <a:xfrm>
-            <a:off x="5294800" y="1152475"/>
+            <a:off x="5660568" y="1618857"/>
             <a:ext cx="609600" cy="609600"/>
           </a:xfrm>
           <a:prstGeom prst="rect">
@@ -7508,7 +8726,7 @@
         </p:blipFill>
         <p:spPr>
           <a:xfrm>
-            <a:off x="8222700" y="1896825"/>
+            <a:off x="6063666" y="2305444"/>
             <a:ext cx="609600" cy="609600"/>
           </a:xfrm>
           <a:prstGeom prst="rect">
@@ -7536,7 +8754,7 @@
         </p:blipFill>
         <p:spPr>
           <a:xfrm>
-            <a:off x="6758750" y="3959275"/>
+            <a:off x="5819100" y="3974232"/>
             <a:ext cx="609600" cy="609600"/>
           </a:xfrm>
           <a:prstGeom prst="rect">
@@ -7556,7 +8774,7 @@
         </p:nvSpPr>
         <p:spPr>
           <a:xfrm>
-            <a:off x="5469300" y="2024300"/>
+            <a:off x="5882218" y="1177636"/>
             <a:ext cx="2484600" cy="400200"/>
           </a:xfrm>
           <a:prstGeom prst="rect">
@@ -7568,12 +8786,12 @@
           </a:ln>
         </p:spPr>
         <p:txBody>
-          <a:bodyPr anchorCtr="0" anchor="t" bIns="91425" lIns="91425" spcFirstLastPara="1" rIns="91425" wrap="square" tIns="91425">
+          <a:bodyPr spcFirstLastPara="1" wrap="square" lIns="91425" tIns="91425" rIns="91425" bIns="91425" anchor="t" anchorCtr="0">
             <a:spAutoFit/>
           </a:bodyPr>
           <a:lstStyle/>
           <a:p>
-            <a:pPr indent="0" lvl="0" marL="0" rtl="0" algn="l">
+            <a:pPr marL="0" lvl="0" indent="0" algn="l" rtl="0">
               <a:spcBef>
                 <a:spcPts val="0"/>
               </a:spcBef>
@@ -7583,18 +8801,14 @@
               <a:buNone/>
             </a:pPr>
             <a:r>
-              <a:rPr lang="en-GB"/>
-              <a:t>Highest </a:t>
-            </a:r>
-            <a:r>
-              <a:rPr lang="en-GB"/>
-              <a:t>perceived</a:t>
-            </a:r>
-            <a:r>
-              <a:rPr lang="en-GB"/>
-              <a:t> realness</a:t>
-            </a:r>
-            <a:endParaRPr/>
+              <a:rPr lang="en-GB" dirty="0">
+                <a:latin typeface="Avenir Next LT Pro Light" panose="020B0304020202020204" pitchFamily="34" charset="0"/>
+              </a:rPr>
+              <a:t>Highest perceived realness</a:t>
+            </a:r>
+            <a:endParaRPr dirty="0">
+              <a:latin typeface="Avenir Next LT Pro Light" panose="020B0304020202020204" pitchFamily="34" charset="0"/>
+            </a:endParaRPr>
           </a:p>
         </p:txBody>
       </p:sp>
@@ -7606,7 +8820,7 @@
         </p:nvSpPr>
         <p:spPr>
           <a:xfrm>
-            <a:off x="5408050" y="3373100"/>
+            <a:off x="5882218" y="3539250"/>
             <a:ext cx="2484600" cy="400200"/>
           </a:xfrm>
           <a:prstGeom prst="rect">
@@ -7618,12 +8832,12 @@
           </a:ln>
         </p:spPr>
         <p:txBody>
-          <a:bodyPr anchorCtr="0" anchor="t" bIns="91425" lIns="91425" spcFirstLastPara="1" rIns="91425" wrap="square" tIns="91425">
+          <a:bodyPr spcFirstLastPara="1" wrap="square" lIns="91425" tIns="91425" rIns="91425" bIns="91425" anchor="t" anchorCtr="0">
             <a:spAutoFit/>
           </a:bodyPr>
           <a:lstStyle/>
           <a:p>
-            <a:pPr indent="0" lvl="0" marL="0" rtl="0" algn="l">
+            <a:pPr marL="0" lvl="0" indent="0" algn="l" rtl="0">
               <a:spcBef>
                 <a:spcPts val="0"/>
               </a:spcBef>
@@ -7633,14 +8847,14 @@
               <a:buNone/>
             </a:pPr>
             <a:r>
-              <a:rPr lang="en-GB"/>
-              <a:t>Lowest </a:t>
-            </a:r>
-            <a:r>
-              <a:rPr lang="en-GB"/>
-              <a:t>perceived realness</a:t>
-            </a:r>
-            <a:endParaRPr/>
+              <a:rPr lang="en-GB" dirty="0">
+                <a:latin typeface="Avenir Next LT Pro Light" panose="020B0304020202020204" pitchFamily="34" charset="0"/>
+              </a:rPr>
+              <a:t>Lowest perceived realness</a:t>
+            </a:r>
+            <a:endParaRPr dirty="0">
+              <a:latin typeface="Avenir Next LT Pro Light" panose="020B0304020202020204" pitchFamily="34" charset="0"/>
+            </a:endParaRPr>
           </a:p>
         </p:txBody>
       </p:sp>
@@ -7652,12 +8866,12 @@
 </p:sld>
 </file>
 
-<file path=ppt/slides/slide7.xml><?xml version="1.0" encoding="utf-8"?>
-<p:sld xmlns:a="http://schemas.openxmlformats.org/drawingml/2006/main" xmlns:r="http://schemas.openxmlformats.org/officeDocument/2006/relationships" xmlns:mc="http://schemas.openxmlformats.org/markup-compatibility/2006" xmlns:mv="urn:schemas-microsoft-com:mac:vml" xmlns:p="http://schemas.openxmlformats.org/presentationml/2006/main" xmlns:c="http://schemas.openxmlformats.org/drawingml/2006/chart" xmlns:dgm="http://schemas.openxmlformats.org/drawingml/2006/diagram" xmlns:o="urn:schemas-microsoft-com:office:office" xmlns:v="urn:schemas-microsoft-com:vml" xmlns:pvml="urn:schemas-microsoft-com:office:powerpoint" xmlns:com="http://schemas.openxmlformats.org/drawingml/2006/compatibility" xmlns:p14="http://schemas.microsoft.com/office/powerpoint/2010/main" xmlns:p15="http://schemas.microsoft.com/office/powerpoint/2012/main" xmlns:ahyp="http://schemas.microsoft.com/office/drawing/2018/hyperlinkcolor">
+<file path=ppt/slides/slide8.xml><?xml version="1.0" encoding="utf-8"?>
+<p:sld xmlns:a="http://schemas.openxmlformats.org/drawingml/2006/main" xmlns:r="http://schemas.openxmlformats.org/officeDocument/2006/relationships" xmlns:p="http://schemas.openxmlformats.org/presentationml/2006/main">
   <p:cSld>
     <p:spTree>
       <p:nvGrpSpPr>
-        <p:cNvPr id="102" name="Shape 102"/>
+        <p:cNvPr id="1" name="Shape 102"/>
         <p:cNvGrpSpPr/>
         <p:nvPr/>
       </p:nvGrpSpPr>
@@ -7672,7 +8886,9 @@
       <p:sp>
         <p:nvSpPr>
           <p:cNvPr id="103" name="Google Shape;103;p19"/>
-          <p:cNvSpPr txBox="1"/>
+          <p:cNvSpPr txBox="1">
+            <a:spLocks noGrp="1"/>
+          </p:cNvSpPr>
           <p:nvPr>
             <p:ph type="title"/>
           </p:nvPr>
@@ -7687,12 +8903,12 @@
           </a:prstGeom>
         </p:spPr>
         <p:txBody>
-          <a:bodyPr anchorCtr="0" anchor="t" bIns="91425" lIns="91425" spcFirstLastPara="1" rIns="91425" wrap="square" tIns="91425">
+          <a:bodyPr spcFirstLastPara="1" wrap="square" lIns="91425" tIns="91425" rIns="91425" bIns="91425" anchor="t" anchorCtr="0">
             <a:normAutofit fontScale="90000"/>
           </a:bodyPr>
           <a:lstStyle/>
           <a:p>
-            <a:pPr indent="0" lvl="0" marL="0" rtl="0" algn="l">
+            <a:pPr marL="0" lvl="0" indent="0" algn="l" rtl="0">
               <a:spcBef>
                 <a:spcPts val="0"/>
               </a:spcBef>
@@ -7702,55 +8918,20 @@
               <a:buNone/>
             </a:pPr>
             <a:r>
-              <a:rPr lang="en-GB"/>
-              <a:t>Results</a:t>
-            </a:r>
-            <a:endParaRPr/>
-          </a:p>
-        </p:txBody>
-      </p:sp>
-      <p:sp>
-        <p:nvSpPr>
-          <p:cNvPr id="104" name="Google Shape;104;p19"/>
-          <p:cNvSpPr txBox="1"/>
-          <p:nvPr>
-            <p:ph idx="1" type="body"/>
-          </p:nvPr>
-        </p:nvSpPr>
-        <p:spPr>
-          <a:xfrm>
-            <a:off x="311700" y="1152475"/>
-            <a:ext cx="8520600" cy="3416400"/>
-          </a:xfrm>
-          <a:prstGeom prst="rect">
-            <a:avLst/>
-          </a:prstGeom>
-        </p:spPr>
-        <p:txBody>
-          <a:bodyPr anchorCtr="0" anchor="t" bIns="91425" lIns="91425" spcFirstLastPara="1" rIns="91425" wrap="square" tIns="91425">
-            <a:normAutofit/>
-          </a:bodyPr>
-          <a:lstStyle/>
-          <a:p>
-            <a:pPr indent="0" lvl="0" marL="0" rtl="0" algn="l">
-              <a:spcBef>
-                <a:spcPts val="0"/>
-              </a:spcBef>
-              <a:spcAft>
-                <a:spcPts val="1200"/>
-              </a:spcAft>
-              <a:buNone/>
-            </a:pPr>
-            <a:r>
-              <a:t/>
-            </a:r>
-            <a:endParaRPr/>
+              <a:rPr lang="en-GB" dirty="0">
+                <a:latin typeface="Avenir Next LT Pro Light" panose="020B0304020202020204" pitchFamily="34" charset="0"/>
+              </a:rPr>
+              <a:t>Results – general</a:t>
+            </a:r>
+            <a:endParaRPr dirty="0">
+              <a:latin typeface="Avenir Next LT Pro Light" panose="020B0304020202020204" pitchFamily="34" charset="0"/>
+            </a:endParaRPr>
           </a:p>
         </p:txBody>
       </p:sp>
       <p:pic>
         <p:nvPicPr>
-          <p:cNvPr id="105" name="Google Shape;105;p19"/>
+          <p:cNvPr id="106" name="Google Shape;106;p19"/>
           <p:cNvPicPr preferRelativeResize="0"/>
           <p:nvPr/>
         </p:nvPicPr>
@@ -7764,36 +8945,8 @@
         </p:blipFill>
         <p:spPr>
           <a:xfrm>
-            <a:off x="311700" y="1152475"/>
-            <a:ext cx="2964174" cy="2223125"/>
-          </a:xfrm>
-          <a:prstGeom prst="rect">
-            <a:avLst/>
-          </a:prstGeom>
-          <a:noFill/>
-          <a:ln>
-            <a:noFill/>
-          </a:ln>
-        </p:spPr>
-      </p:pic>
-      <p:pic>
-        <p:nvPicPr>
-          <p:cNvPr id="106" name="Google Shape;106;p19"/>
-          <p:cNvPicPr preferRelativeResize="0"/>
-          <p:nvPr/>
-        </p:nvPicPr>
-        <p:blipFill>
-          <a:blip r:embed="rId4">
-            <a:alphaModFix/>
-          </a:blip>
-          <a:stretch>
-            <a:fillRect/>
-          </a:stretch>
-        </p:blipFill>
-        <p:spPr>
-          <a:xfrm>
-            <a:off x="5839500" y="1152475"/>
-            <a:ext cx="2992800" cy="2244600"/>
+            <a:off x="4747648" y="2719018"/>
+            <a:ext cx="1944168" cy="1439911"/>
           </a:xfrm>
           <a:prstGeom prst="rect">
             <a:avLst/>
@@ -7811,7 +8964,7 @@
           <p:nvPr/>
         </p:nvPicPr>
         <p:blipFill>
-          <a:blip r:embed="rId5">
+          <a:blip r:embed="rId4">
             <a:alphaModFix/>
           </a:blip>
           <a:stretch>
@@ -7820,7 +8973,7 @@
         </p:blipFill>
         <p:spPr>
           <a:xfrm>
-            <a:off x="418500" y="3510350"/>
+            <a:off x="3271108" y="1345522"/>
             <a:ext cx="612161" cy="609600"/>
           </a:xfrm>
           <a:prstGeom prst="rect">
@@ -7839,7 +8992,7 @@
           <p:nvPr/>
         </p:nvPicPr>
         <p:blipFill>
-          <a:blip r:embed="rId6">
+          <a:blip r:embed="rId5">
             <a:alphaModFix/>
           </a:blip>
           <a:stretch>
@@ -7848,7 +9001,7 @@
         </p:blipFill>
         <p:spPr>
           <a:xfrm>
-            <a:off x="1202505" y="3510350"/>
+            <a:off x="3271106" y="2805942"/>
             <a:ext cx="612161" cy="609600"/>
           </a:xfrm>
           <a:prstGeom prst="rect">
@@ -7867,7 +9020,7 @@
           <p:nvPr/>
         </p:nvPicPr>
         <p:blipFill>
-          <a:blip r:embed="rId7">
+          <a:blip r:embed="rId6">
             <a:alphaModFix/>
           </a:blip>
           <a:stretch>
@@ -7876,7 +9029,7 @@
         </p:blipFill>
         <p:spPr>
           <a:xfrm>
-            <a:off x="1986509" y="3510350"/>
+            <a:off x="3271105" y="3545065"/>
             <a:ext cx="612161" cy="609600"/>
           </a:xfrm>
           <a:prstGeom prst="rect">
@@ -7895,7 +9048,7 @@
           <p:nvPr/>
         </p:nvPicPr>
         <p:blipFill>
-          <a:blip r:embed="rId8">
+          <a:blip r:embed="rId7">
             <a:alphaModFix/>
           </a:blip>
           <a:stretch>
@@ -7904,7 +9057,7 @@
         </p:blipFill>
         <p:spPr>
           <a:xfrm>
-            <a:off x="2770514" y="3510350"/>
+            <a:off x="3271107" y="2084645"/>
             <a:ext cx="612161" cy="609600"/>
           </a:xfrm>
           <a:prstGeom prst="rect">
@@ -7923,7 +9076,7 @@
           <p:nvPr/>
         </p:nvPicPr>
         <p:blipFill>
-          <a:blip r:embed="rId9">
+          <a:blip r:embed="rId8">
             <a:alphaModFix/>
           </a:blip>
           <a:stretch>
@@ -7932,7 +9085,7 @@
         </p:blipFill>
         <p:spPr>
           <a:xfrm>
-            <a:off x="6557500" y="3495750"/>
+            <a:off x="6729125" y="2069027"/>
             <a:ext cx="609600" cy="609600"/>
           </a:xfrm>
           <a:prstGeom prst="rect">
@@ -7951,7 +9104,7 @@
           <p:nvPr/>
         </p:nvPicPr>
         <p:blipFill>
-          <a:blip r:embed="rId10">
+          <a:blip r:embed="rId9">
             <a:alphaModFix/>
           </a:blip>
           <a:stretch>
@@ -7960,7 +9113,7 @@
         </p:blipFill>
         <p:spPr>
           <a:xfrm>
-            <a:off x="8118950" y="3495750"/>
+            <a:off x="6729125" y="3545065"/>
             <a:ext cx="609600" cy="609600"/>
           </a:xfrm>
           <a:prstGeom prst="rect">
@@ -7979,7 +9132,7 @@
           <p:nvPr/>
         </p:nvPicPr>
         <p:blipFill>
-          <a:blip r:embed="rId11">
+          <a:blip r:embed="rId10">
             <a:alphaModFix/>
           </a:blip>
           <a:stretch>
@@ -7988,7 +9141,7 @@
         </p:blipFill>
         <p:spPr>
           <a:xfrm>
-            <a:off x="5776775" y="3495750"/>
+            <a:off x="6729125" y="1326600"/>
             <a:ext cx="609600" cy="609600"/>
           </a:xfrm>
           <a:prstGeom prst="rect">
@@ -8007,7 +9160,7 @@
           <p:nvPr/>
         </p:nvPicPr>
         <p:blipFill>
-          <a:blip r:embed="rId12">
+          <a:blip r:embed="rId11">
             <a:alphaModFix/>
           </a:blip>
           <a:stretch>
@@ -8016,7 +9169,7 @@
         </p:blipFill>
         <p:spPr>
           <a:xfrm>
-            <a:off x="7338225" y="3495750"/>
+            <a:off x="6733297" y="2827072"/>
             <a:ext cx="609600" cy="609600"/>
           </a:xfrm>
           <a:prstGeom prst="rect">
@@ -8028,6 +9181,96 @@
           </a:ln>
         </p:spPr>
       </p:pic>
+      <p:pic>
+        <p:nvPicPr>
+          <p:cNvPr id="3" name="Grafik 2">
+            <a:extLst>
+              <a:ext uri="{FF2B5EF4-FFF2-40B4-BE49-F238E27FC236}">
+                <a16:creationId xmlns:a16="http://schemas.microsoft.com/office/drawing/2014/main" id="{596CDED1-F415-DEB2-012E-50507946D0D4}"/>
+              </a:ext>
+            </a:extLst>
+          </p:cNvPr>
+          <p:cNvPicPr>
+            <a:picLocks noChangeAspect="1"/>
+          </p:cNvPicPr>
+          <p:nvPr/>
+        </p:nvPicPr>
+        <p:blipFill>
+          <a:blip r:embed="rId12"/>
+          <a:stretch>
+            <a:fillRect/>
+          </a:stretch>
+        </p:blipFill>
+        <p:spPr>
+          <a:xfrm>
+            <a:off x="1288266" y="1205583"/>
+            <a:ext cx="1944168" cy="1458126"/>
+          </a:xfrm>
+          <a:prstGeom prst="rect">
+            <a:avLst/>
+          </a:prstGeom>
+        </p:spPr>
+      </p:pic>
+      <p:pic>
+        <p:nvPicPr>
+          <p:cNvPr id="5" name="Grafik 4">
+            <a:extLst>
+              <a:ext uri="{FF2B5EF4-FFF2-40B4-BE49-F238E27FC236}">
+                <a16:creationId xmlns:a16="http://schemas.microsoft.com/office/drawing/2014/main" id="{1620F184-96B5-135A-1C68-1C237B566EF9}"/>
+              </a:ext>
+            </a:extLst>
+          </p:cNvPr>
+          <p:cNvPicPr>
+            <a:picLocks noChangeAspect="1"/>
+          </p:cNvPicPr>
+          <p:nvPr/>
+        </p:nvPicPr>
+        <p:blipFill>
+          <a:blip r:embed="rId13"/>
+          <a:stretch>
+            <a:fillRect/>
+          </a:stretch>
+        </p:blipFill>
+        <p:spPr>
+          <a:xfrm>
+            <a:off x="1234392" y="2798459"/>
+            <a:ext cx="1937464" cy="1458126"/>
+          </a:xfrm>
+          <a:prstGeom prst="rect">
+            <a:avLst/>
+          </a:prstGeom>
+        </p:spPr>
+      </p:pic>
+      <p:pic>
+        <p:nvPicPr>
+          <p:cNvPr id="7" name="Grafik 6">
+            <a:extLst>
+              <a:ext uri="{FF2B5EF4-FFF2-40B4-BE49-F238E27FC236}">
+                <a16:creationId xmlns:a16="http://schemas.microsoft.com/office/drawing/2014/main" id="{F7F56C14-E54B-02A8-220D-E0D903731B4F}"/>
+              </a:ext>
+            </a:extLst>
+          </p:cNvPr>
+          <p:cNvPicPr>
+            <a:picLocks noChangeAspect="1"/>
+          </p:cNvPicPr>
+          <p:nvPr/>
+        </p:nvPicPr>
+        <p:blipFill>
+          <a:blip r:embed="rId14"/>
+          <a:stretch>
+            <a:fillRect/>
+          </a:stretch>
+        </p:blipFill>
+        <p:spPr>
+          <a:xfrm>
+            <a:off x="4747648" y="1238422"/>
+            <a:ext cx="1944167" cy="1458125"/>
+          </a:xfrm>
+          <a:prstGeom prst="rect">
+            <a:avLst/>
+          </a:prstGeom>
+        </p:spPr>
+      </p:pic>
     </p:spTree>
   </p:cSld>
   <p:clrMapOvr>
@@ -8036,12 +9279,12 @@
 </p:sld>
 </file>
 
-<file path=ppt/slides/slide8.xml><?xml version="1.0" encoding="utf-8"?>
-<p:sld xmlns:a="http://schemas.openxmlformats.org/drawingml/2006/main" xmlns:r="http://schemas.openxmlformats.org/officeDocument/2006/relationships" xmlns:mc="http://schemas.openxmlformats.org/markup-compatibility/2006" xmlns:mv="urn:schemas-microsoft-com:mac:vml" xmlns:p="http://schemas.openxmlformats.org/presentationml/2006/main" xmlns:c="http://schemas.openxmlformats.org/drawingml/2006/chart" xmlns:dgm="http://schemas.openxmlformats.org/drawingml/2006/diagram" xmlns:o="urn:schemas-microsoft-com:office:office" xmlns:v="urn:schemas-microsoft-com:vml" xmlns:pvml="urn:schemas-microsoft-com:office:powerpoint" xmlns:com="http://schemas.openxmlformats.org/drawingml/2006/compatibility" xmlns:p14="http://schemas.microsoft.com/office/powerpoint/2010/main" xmlns:p15="http://schemas.microsoft.com/office/powerpoint/2012/main" xmlns:ahyp="http://schemas.microsoft.com/office/drawing/2018/hyperlinkcolor">
+<file path=ppt/slides/slide9.xml><?xml version="1.0" encoding="utf-8"?>
+<p:sld xmlns:a="http://schemas.openxmlformats.org/drawingml/2006/main" xmlns:r="http://schemas.openxmlformats.org/officeDocument/2006/relationships" xmlns:p="http://schemas.openxmlformats.org/presentationml/2006/main">
   <p:cSld>
     <p:spTree>
       <p:nvGrpSpPr>
-        <p:cNvPr id="118" name="Shape 118"/>
+        <p:cNvPr id="1" name="Shape 102"/>
         <p:cNvGrpSpPr/>
         <p:nvPr/>
       </p:nvGrpSpPr>
@@ -8055,8 +9298,10 @@
       </p:grpSpPr>
       <p:sp>
         <p:nvSpPr>
-          <p:cNvPr id="119" name="Google Shape;119;p20"/>
-          <p:cNvSpPr txBox="1"/>
+          <p:cNvPr id="103" name="Google Shape;103;p19"/>
+          <p:cNvSpPr txBox="1">
+            <a:spLocks noGrp="1"/>
+          </p:cNvSpPr>
           <p:nvPr>
             <p:ph type="title"/>
           </p:nvPr>
@@ -8071,12 +9316,12 @@
           </a:prstGeom>
         </p:spPr>
         <p:txBody>
-          <a:bodyPr anchorCtr="0" anchor="t" bIns="91425" lIns="91425" spcFirstLastPara="1" rIns="91425" wrap="square" tIns="91425">
+          <a:bodyPr spcFirstLastPara="1" wrap="square" lIns="91425" tIns="91425" rIns="91425" bIns="91425" anchor="t" anchorCtr="0">
             <a:normAutofit fontScale="90000"/>
           </a:bodyPr>
           <a:lstStyle/>
           <a:p>
-            <a:pPr indent="0" lvl="0" marL="0" rtl="0" algn="l">
+            <a:pPr marL="0" lvl="0" indent="0" algn="l" rtl="0">
               <a:spcBef>
                 <a:spcPts val="0"/>
               </a:spcBef>
@@ -8086,152 +9331,540 @@
               <a:buNone/>
             </a:pPr>
             <a:r>
-              <a:rPr lang="en-GB"/>
-              <a:t>Future Work</a:t>
-            </a:r>
-            <a:endParaRPr/>
+              <a:rPr lang="en-GB" dirty="0">
+                <a:latin typeface="Avenir Next LT Pro Light" panose="020B0304020202020204" pitchFamily="34" charset="0"/>
+              </a:rPr>
+              <a:t>Example Generation</a:t>
+            </a:r>
+            <a:endParaRPr dirty="0">
+              <a:latin typeface="Avenir Next LT Pro Light" panose="020B0304020202020204" pitchFamily="34" charset="0"/>
+            </a:endParaRPr>
           </a:p>
         </p:txBody>
       </p:sp>
       <p:sp>
         <p:nvSpPr>
-          <p:cNvPr id="120" name="Google Shape;120;p20"/>
-          <p:cNvSpPr txBox="1"/>
+          <p:cNvPr id="104" name="Google Shape;104;p19"/>
+          <p:cNvSpPr txBox="1">
+            <a:spLocks noGrp="1"/>
+          </p:cNvSpPr>
           <p:nvPr>
-            <p:ph idx="1" type="body"/>
+            <p:ph type="body" idx="1"/>
           </p:nvPr>
         </p:nvSpPr>
         <p:spPr>
           <a:xfrm>
-            <a:off x="311700" y="1152475"/>
-            <a:ext cx="8520600" cy="3416400"/>
+            <a:off x="3285067" y="1152475"/>
+            <a:ext cx="5547232" cy="3690458"/>
           </a:xfrm>
           <a:prstGeom prst="rect">
             <a:avLst/>
           </a:prstGeom>
         </p:spPr>
         <p:txBody>
-          <a:bodyPr anchorCtr="0" anchor="t" bIns="91425" lIns="91425" spcFirstLastPara="1" rIns="91425" wrap="square" tIns="91425">
-            <a:normAutofit/>
+          <a:bodyPr spcFirstLastPara="1" wrap="square" lIns="91425" tIns="91425" rIns="91425" bIns="91425" anchor="t" anchorCtr="0">
+            <a:normAutofit fontScale="92500" lnSpcReduction="20000"/>
           </a:bodyPr>
           <a:lstStyle/>
           <a:p>
-            <a:pPr indent="-342900" lvl="0" marL="457200" rtl="0" algn="l">
-              <a:spcBef>
-                <a:spcPts val="0"/>
-              </a:spcBef>
-              <a:spcAft>
-                <a:spcPts val="0"/>
-              </a:spcAft>
-              <a:buSzPts val="1800"/>
-              <a:buChar char="●"/>
+            <a:pPr marL="0" indent="0">
+              <a:spcAft>
+                <a:spcPts val="1200"/>
+              </a:spcAft>
+              <a:buNone/>
             </a:pPr>
             <a:r>
-              <a:rPr lang="en-GB"/>
-              <a:t>Train on other datasets</a:t>
-            </a:r>
-            <a:endParaRPr/>
+              <a:rPr lang="en-US" u="sng" dirty="0">
+                <a:latin typeface="Avenir Next LT Pro Light" panose="020B0304020202020204" pitchFamily="34" charset="0"/>
+              </a:rPr>
+              <a:t>Daniel</a:t>
+            </a:r>
+            <a:br>
+              <a:rPr lang="en-US" dirty="0">
+                <a:latin typeface="Avenir Next LT Pro Light" panose="020B0304020202020204" pitchFamily="34" charset="0"/>
+              </a:rPr>
+            </a:br>
+            <a:r>
+              <a:rPr lang="de-DE" sz="1900" dirty="0" err="1">
+                <a:latin typeface="Avenir Next LT Pro Light" panose="020B0304020202020204" pitchFamily="34" charset="0"/>
+              </a:rPr>
+              <a:t>Arched_Eyebrows</a:t>
+            </a:r>
+            <a:r>
+              <a:rPr lang="de-DE" sz="1900" dirty="0">
+                <a:latin typeface="Avenir Next LT Pro Light" panose="020B0304020202020204" pitchFamily="34" charset="0"/>
+              </a:rPr>
+              <a:t>, </a:t>
+            </a:r>
+            <a:r>
+              <a:rPr lang="de-DE" sz="1900" b="1" dirty="0" err="1">
+                <a:latin typeface="Avenir Next LT Pro Light" panose="020B0304020202020204" pitchFamily="34" charset="0"/>
+              </a:rPr>
+              <a:t>Attractive</a:t>
+            </a:r>
+            <a:r>
+              <a:rPr lang="de-DE" sz="1900" dirty="0">
+                <a:latin typeface="Avenir Next LT Pro Light" panose="020B0304020202020204" pitchFamily="34" charset="0"/>
+              </a:rPr>
+              <a:t>, </a:t>
+            </a:r>
+            <a:r>
+              <a:rPr lang="de-DE" sz="1900" b="1" dirty="0" err="1">
+                <a:latin typeface="Avenir Next LT Pro Light" panose="020B0304020202020204" pitchFamily="34" charset="0"/>
+              </a:rPr>
+              <a:t>Bags_Under_Eyes</a:t>
+            </a:r>
+            <a:r>
+              <a:rPr lang="de-DE" sz="1900" dirty="0">
+                <a:latin typeface="Avenir Next LT Pro Light" panose="020B0304020202020204" pitchFamily="34" charset="0"/>
+              </a:rPr>
+              <a:t>, </a:t>
+            </a:r>
+            <a:r>
+              <a:rPr lang="de-DE" sz="1900" dirty="0" err="1">
+                <a:latin typeface="Avenir Next LT Pro Light" panose="020B0304020202020204" pitchFamily="34" charset="0"/>
+              </a:rPr>
+              <a:t>Big_Nose</a:t>
+            </a:r>
+            <a:r>
+              <a:rPr lang="de-DE" sz="1900" dirty="0">
+                <a:latin typeface="Avenir Next LT Pro Light" panose="020B0304020202020204" pitchFamily="34" charset="0"/>
+              </a:rPr>
+              <a:t>, </a:t>
+            </a:r>
+            <a:r>
+              <a:rPr lang="de-DE" sz="1900" dirty="0" err="1">
+                <a:latin typeface="Avenir Next LT Pro Light" panose="020B0304020202020204" pitchFamily="34" charset="0"/>
+              </a:rPr>
+              <a:t>Brown_Hair</a:t>
+            </a:r>
+            <a:r>
+              <a:rPr lang="de-DE" sz="1900" dirty="0">
+                <a:latin typeface="Avenir Next LT Pro Light" panose="020B0304020202020204" pitchFamily="34" charset="0"/>
+              </a:rPr>
+              <a:t>, </a:t>
+            </a:r>
+            <a:r>
+              <a:rPr lang="de-DE" sz="1900" b="1" dirty="0">
+                <a:latin typeface="Avenir Next LT Pro Light" panose="020B0304020202020204" pitchFamily="34" charset="0"/>
+              </a:rPr>
+              <a:t>Male</a:t>
+            </a:r>
+            <a:r>
+              <a:rPr lang="de-DE" sz="1900" dirty="0">
+                <a:latin typeface="Avenir Next LT Pro Light" panose="020B0304020202020204" pitchFamily="34" charset="0"/>
+              </a:rPr>
+              <a:t>, </a:t>
+            </a:r>
+            <a:r>
+              <a:rPr lang="de-DE" sz="1900" b="1" dirty="0" err="1">
+                <a:latin typeface="Avenir Next LT Pro Light" panose="020B0304020202020204" pitchFamily="34" charset="0"/>
+              </a:rPr>
+              <a:t>Mouth_Slightly_Open</a:t>
+            </a:r>
+            <a:r>
+              <a:rPr lang="de-DE" sz="1900" dirty="0">
+                <a:latin typeface="Avenir Next LT Pro Light" panose="020B0304020202020204" pitchFamily="34" charset="0"/>
+              </a:rPr>
+              <a:t>, </a:t>
+            </a:r>
+            <a:r>
+              <a:rPr lang="de-DE" sz="1900" b="1" dirty="0" err="1">
+                <a:latin typeface="Avenir Next LT Pro Light" panose="020B0304020202020204" pitchFamily="34" charset="0"/>
+              </a:rPr>
+              <a:t>No_Beard</a:t>
+            </a:r>
+            <a:r>
+              <a:rPr lang="de-DE" sz="1900" dirty="0">
+                <a:latin typeface="Avenir Next LT Pro Light" panose="020B0304020202020204" pitchFamily="34" charset="0"/>
+              </a:rPr>
+              <a:t>, </a:t>
+            </a:r>
+            <a:r>
+              <a:rPr lang="de-DE" sz="1900" b="1" dirty="0" err="1">
+                <a:latin typeface="Avenir Next LT Pro Light" panose="020B0304020202020204" pitchFamily="34" charset="0"/>
+              </a:rPr>
+              <a:t>Pale_Skin</a:t>
+            </a:r>
+            <a:r>
+              <a:rPr lang="de-DE" sz="1900" dirty="0">
+                <a:latin typeface="Avenir Next LT Pro Light" panose="020B0304020202020204" pitchFamily="34" charset="0"/>
+              </a:rPr>
+              <a:t>, </a:t>
+            </a:r>
+            <a:r>
+              <a:rPr lang="de-DE" sz="1900" b="1" dirty="0">
+                <a:latin typeface="Avenir Next LT Pro Light" panose="020B0304020202020204" pitchFamily="34" charset="0"/>
+              </a:rPr>
+              <a:t>Smiling</a:t>
+            </a:r>
+            <a:r>
+              <a:rPr lang="de-DE" sz="1900" dirty="0">
+                <a:latin typeface="Avenir Next LT Pro Light" panose="020B0304020202020204" pitchFamily="34" charset="0"/>
+              </a:rPr>
+              <a:t>, </a:t>
+            </a:r>
+            <a:r>
+              <a:rPr lang="de-DE" sz="1900" b="1" dirty="0">
+                <a:latin typeface="Avenir Next LT Pro Light" panose="020B0304020202020204" pitchFamily="34" charset="0"/>
+              </a:rPr>
+              <a:t>Young</a:t>
+            </a:r>
+            <a:endParaRPr lang="en-US" sz="1900" b="1" dirty="0">
+              <a:latin typeface="Avenir Next LT Pro Light" panose="020B0304020202020204" pitchFamily="34" charset="0"/>
+            </a:endParaRPr>
           </a:p>
           <a:p>
-            <a:pPr indent="-342900" lvl="0" marL="457200" rtl="0" algn="l">
-              <a:spcBef>
-                <a:spcPts val="0"/>
-              </a:spcBef>
-              <a:spcAft>
-                <a:spcPts val="0"/>
-              </a:spcAft>
-              <a:buSzPts val="1800"/>
-              <a:buChar char="●"/>
+            <a:pPr marL="0" indent="0">
+              <a:spcAft>
+                <a:spcPts val="1200"/>
+              </a:spcAft>
+              <a:buNone/>
             </a:pPr>
-            <a:r>
-              <a:rPr lang="en-GB"/>
-              <a:t>Change image size from 64x64 to original size</a:t>
-            </a:r>
-            <a:endParaRPr/>
+            <a:endParaRPr lang="en-US" dirty="0">
+              <a:latin typeface="Avenir Next LT Pro Light" panose="020B0304020202020204" pitchFamily="34" charset="0"/>
+            </a:endParaRPr>
           </a:p>
           <a:p>
-            <a:pPr indent="-342900" lvl="0" marL="457200" rtl="0" algn="l">
-              <a:spcBef>
-                <a:spcPts val="0"/>
-              </a:spcBef>
-              <a:spcAft>
-                <a:spcPts val="0"/>
-              </a:spcAft>
-              <a:buSzPts val="1800"/>
-              <a:buChar char="●"/>
+            <a:pPr marL="0" indent="0">
+              <a:spcAft>
+                <a:spcPts val="1200"/>
+              </a:spcAft>
+              <a:buNone/>
             </a:pPr>
             <a:r>
-              <a:rPr lang="en-GB"/>
-              <a:t>Develop new </a:t>
-            </a:r>
-            <a:r>
-              <a:rPr lang="en-GB"/>
-              <a:t>specialized for </a:t>
-            </a:r>
-            <a:r>
-              <a:rPr lang="en-GB"/>
-              <a:t>criminology</a:t>
-            </a:r>
-            <a:r>
-              <a:rPr lang="en-GB"/>
-              <a:t> purposes</a:t>
-            </a:r>
-            <a:endParaRPr/>
+              <a:rPr lang="en-US" u="sng" dirty="0">
+                <a:latin typeface="Avenir Next LT Pro Light" panose="020B0304020202020204" pitchFamily="34" charset="0"/>
+              </a:rPr>
+              <a:t>Max</a:t>
+            </a:r>
+            <a:br>
+              <a:rPr lang="en-US" dirty="0">
+                <a:latin typeface="Avenir Next LT Pro Light" panose="020B0304020202020204" pitchFamily="34" charset="0"/>
+              </a:rPr>
+            </a:br>
+            <a:r>
+              <a:rPr lang="de-DE" sz="1900" b="1" dirty="0" err="1">
+                <a:latin typeface="Avenir Next LT Pro Light" panose="020B0304020202020204" pitchFamily="34" charset="0"/>
+              </a:rPr>
+              <a:t>Attractive</a:t>
+            </a:r>
+            <a:r>
+              <a:rPr lang="de-DE" sz="1900" dirty="0">
+                <a:latin typeface="Avenir Next LT Pro Light" panose="020B0304020202020204" pitchFamily="34" charset="0"/>
+              </a:rPr>
+              <a:t>, </a:t>
+            </a:r>
+            <a:r>
+              <a:rPr lang="de-DE" sz="1900" b="1" dirty="0" err="1">
+                <a:latin typeface="Avenir Next LT Pro Light" panose="020B0304020202020204" pitchFamily="34" charset="0"/>
+              </a:rPr>
+              <a:t>Bags_Under_Eyes</a:t>
+            </a:r>
+            <a:r>
+              <a:rPr lang="de-DE" sz="1900" dirty="0">
+                <a:latin typeface="Avenir Next LT Pro Light" panose="020B0304020202020204" pitchFamily="34" charset="0"/>
+              </a:rPr>
+              <a:t>, </a:t>
+            </a:r>
+            <a:r>
+              <a:rPr lang="de-DE" sz="1900" dirty="0" err="1">
+                <a:latin typeface="Avenir Next LT Pro Light" panose="020B0304020202020204" pitchFamily="34" charset="0"/>
+              </a:rPr>
+              <a:t>Blond_Hair</a:t>
+            </a:r>
+            <a:r>
+              <a:rPr lang="de-DE" sz="1900" dirty="0">
+                <a:latin typeface="Avenir Next LT Pro Light" panose="020B0304020202020204" pitchFamily="34" charset="0"/>
+              </a:rPr>
+              <a:t>, </a:t>
+            </a:r>
+            <a:r>
+              <a:rPr lang="de-DE" sz="1900" dirty="0" err="1">
+                <a:latin typeface="Avenir Next LT Pro Light" panose="020B0304020202020204" pitchFamily="34" charset="0"/>
+              </a:rPr>
+              <a:t>Eyeglasses</a:t>
+            </a:r>
+            <a:r>
+              <a:rPr lang="de-DE" sz="1900" dirty="0">
+                <a:latin typeface="Avenir Next LT Pro Light" panose="020B0304020202020204" pitchFamily="34" charset="0"/>
+              </a:rPr>
+              <a:t>, </a:t>
+            </a:r>
+            <a:r>
+              <a:rPr lang="de-DE" sz="1900" dirty="0" err="1">
+                <a:latin typeface="Avenir Next LT Pro Light" panose="020B0304020202020204" pitchFamily="34" charset="0"/>
+              </a:rPr>
+              <a:t>High_Cheekbones</a:t>
+            </a:r>
+            <a:r>
+              <a:rPr lang="de-DE" sz="1900" dirty="0">
+                <a:latin typeface="Avenir Next LT Pro Light" panose="020B0304020202020204" pitchFamily="34" charset="0"/>
+              </a:rPr>
+              <a:t>, </a:t>
+            </a:r>
+            <a:r>
+              <a:rPr lang="de-DE" sz="1900" b="1" dirty="0">
+                <a:latin typeface="Avenir Next LT Pro Light" panose="020B0304020202020204" pitchFamily="34" charset="0"/>
+              </a:rPr>
+              <a:t>Male</a:t>
+            </a:r>
+            <a:r>
+              <a:rPr lang="de-DE" sz="1900" dirty="0">
+                <a:latin typeface="Avenir Next LT Pro Light" panose="020B0304020202020204" pitchFamily="34" charset="0"/>
+              </a:rPr>
+              <a:t>, </a:t>
+            </a:r>
+            <a:r>
+              <a:rPr lang="de-DE" sz="1900" b="1" dirty="0" err="1">
+                <a:latin typeface="Avenir Next LT Pro Light" panose="020B0304020202020204" pitchFamily="34" charset="0"/>
+              </a:rPr>
+              <a:t>Mouth_Slightly_Open</a:t>
+            </a:r>
+            <a:r>
+              <a:rPr lang="de-DE" sz="1900" dirty="0">
+                <a:latin typeface="Avenir Next LT Pro Light" panose="020B0304020202020204" pitchFamily="34" charset="0"/>
+              </a:rPr>
+              <a:t>, </a:t>
+            </a:r>
+            <a:r>
+              <a:rPr lang="de-DE" sz="1900" b="1" dirty="0" err="1">
+                <a:latin typeface="Avenir Next LT Pro Light" panose="020B0304020202020204" pitchFamily="34" charset="0"/>
+              </a:rPr>
+              <a:t>No_Beard</a:t>
+            </a:r>
+            <a:r>
+              <a:rPr lang="de-DE" sz="1900" dirty="0">
+                <a:latin typeface="Avenir Next LT Pro Light" panose="020B0304020202020204" pitchFamily="34" charset="0"/>
+              </a:rPr>
+              <a:t>, </a:t>
+            </a:r>
+            <a:r>
+              <a:rPr lang="de-DE" sz="1900" b="1" dirty="0" err="1">
+                <a:latin typeface="Avenir Next LT Pro Light" panose="020B0304020202020204" pitchFamily="34" charset="0"/>
+              </a:rPr>
+              <a:t>Pale_Skin</a:t>
+            </a:r>
+            <a:r>
+              <a:rPr lang="de-DE" sz="1900" dirty="0">
+                <a:latin typeface="Avenir Next LT Pro Light" panose="020B0304020202020204" pitchFamily="34" charset="0"/>
+              </a:rPr>
+              <a:t>, </a:t>
+            </a:r>
+            <a:r>
+              <a:rPr lang="de-DE" sz="1900" b="1" dirty="0">
+                <a:latin typeface="Avenir Next LT Pro Light" panose="020B0304020202020204" pitchFamily="34" charset="0"/>
+              </a:rPr>
+              <a:t>Smiling</a:t>
+            </a:r>
+            <a:r>
+              <a:rPr lang="de-DE" sz="1900" dirty="0">
+                <a:latin typeface="Avenir Next LT Pro Light" panose="020B0304020202020204" pitchFamily="34" charset="0"/>
+              </a:rPr>
+              <a:t>, </a:t>
+            </a:r>
+            <a:r>
+              <a:rPr lang="de-DE" sz="1900" b="1" dirty="0">
+                <a:latin typeface="Avenir Next LT Pro Light" panose="020B0304020202020204" pitchFamily="34" charset="0"/>
+              </a:rPr>
+              <a:t>Young</a:t>
+            </a:r>
+            <a:endParaRPr lang="en-US" b="1" dirty="0">
+              <a:latin typeface="Avenir Next LT Pro Light" panose="020B0304020202020204" pitchFamily="34" charset="0"/>
+            </a:endParaRPr>
           </a:p>
+        </p:txBody>
+      </p:sp>
+      <p:pic>
+        <p:nvPicPr>
+          <p:cNvPr id="3" name="Grafik 2">
+            <a:extLst>
+              <a:ext uri="{FF2B5EF4-FFF2-40B4-BE49-F238E27FC236}">
+                <a16:creationId xmlns:a16="http://schemas.microsoft.com/office/drawing/2014/main" id="{F3EBDDC1-BD4A-FEB6-2FBF-49B7E9D121B6}"/>
+              </a:ext>
+            </a:extLst>
+          </p:cNvPr>
+          <p:cNvPicPr>
+            <a:picLocks noChangeAspect="1"/>
+          </p:cNvPicPr>
+          <p:nvPr/>
+        </p:nvPicPr>
+        <p:blipFill>
+          <a:blip r:embed="rId3"/>
+          <a:stretch>
+            <a:fillRect/>
+          </a:stretch>
+        </p:blipFill>
+        <p:spPr>
+          <a:xfrm>
+            <a:off x="1752423" y="3200723"/>
+            <a:ext cx="1440721" cy="1440721"/>
+          </a:xfrm>
+          <a:prstGeom prst="rect">
+            <a:avLst/>
+          </a:prstGeom>
+        </p:spPr>
+      </p:pic>
+      <p:pic>
+        <p:nvPicPr>
+          <p:cNvPr id="5" name="Grafik 4">
+            <a:extLst>
+              <a:ext uri="{FF2B5EF4-FFF2-40B4-BE49-F238E27FC236}">
+                <a16:creationId xmlns:a16="http://schemas.microsoft.com/office/drawing/2014/main" id="{EC24CA97-0DDE-6185-FE76-437B21ACA1EB}"/>
+              </a:ext>
+            </a:extLst>
+          </p:cNvPr>
+          <p:cNvPicPr>
+            <a:picLocks noChangeAspect="1"/>
+          </p:cNvPicPr>
+          <p:nvPr/>
+        </p:nvPicPr>
+        <p:blipFill>
+          <a:blip r:embed="rId4"/>
+          <a:stretch>
+            <a:fillRect/>
+          </a:stretch>
+        </p:blipFill>
+        <p:spPr>
+          <a:xfrm>
+            <a:off x="1752422" y="1152475"/>
+            <a:ext cx="1440722" cy="1440722"/>
+          </a:xfrm>
+          <a:prstGeom prst="rect">
+            <a:avLst/>
+          </a:prstGeom>
+        </p:spPr>
+      </p:pic>
+      <p:pic>
+        <p:nvPicPr>
+          <p:cNvPr id="11" name="Grafik 10">
+            <a:extLst>
+              <a:ext uri="{FF2B5EF4-FFF2-40B4-BE49-F238E27FC236}">
+                <a16:creationId xmlns:a16="http://schemas.microsoft.com/office/drawing/2014/main" id="{64E35C70-343F-9FA6-AD98-A998A49F1A0F}"/>
+              </a:ext>
+            </a:extLst>
+          </p:cNvPr>
+          <p:cNvPicPr>
+            <a:picLocks noChangeAspect="1"/>
+          </p:cNvPicPr>
+          <p:nvPr/>
+        </p:nvPicPr>
+        <p:blipFill>
+          <a:blip r:embed="rId5"/>
+          <a:stretch>
+            <a:fillRect/>
+          </a:stretch>
+        </p:blipFill>
+        <p:spPr>
+          <a:xfrm>
+            <a:off x="311701" y="3200722"/>
+            <a:ext cx="1440721" cy="1440721"/>
+          </a:xfrm>
+          <a:prstGeom prst="rect">
+            <a:avLst/>
+          </a:prstGeom>
+        </p:spPr>
+      </p:pic>
+      <p:sp>
+        <p:nvSpPr>
+          <p:cNvPr id="2" name="Rechteck 1">
+            <a:extLst>
+              <a:ext uri="{FF2B5EF4-FFF2-40B4-BE49-F238E27FC236}">
+                <a16:creationId xmlns:a16="http://schemas.microsoft.com/office/drawing/2014/main" id="{325012E1-B28E-78F7-1A1C-B3716329A118}"/>
+              </a:ext>
+            </a:extLst>
+          </p:cNvPr>
+          <p:cNvSpPr/>
+          <p:nvPr/>
+        </p:nvSpPr>
+        <p:spPr>
+          <a:xfrm>
+            <a:off x="311700" y="1163198"/>
+            <a:ext cx="1440721" cy="1419276"/>
+          </a:xfrm>
+          <a:prstGeom prst="rect">
+            <a:avLst/>
+          </a:prstGeom>
+        </p:spPr>
+        <p:style>
+          <a:lnRef idx="2">
+            <a:schemeClr val="accent1">
+              <a:shade val="50000"/>
+            </a:schemeClr>
+          </a:lnRef>
+          <a:fillRef idx="1">
+            <a:schemeClr val="accent1"/>
+          </a:fillRef>
+          <a:effectRef idx="0">
+            <a:schemeClr val="accent1"/>
+          </a:effectRef>
+          <a:fontRef idx="minor">
+            <a:schemeClr val="lt1"/>
+          </a:fontRef>
+        </p:style>
+        <p:txBody>
+          <a:bodyPr rtlCol="0" anchor="ctr"/>
+          <a:lstStyle/>
           <a:p>
-            <a:pPr indent="-317500" lvl="1" marL="914400" rtl="0" algn="l">
-              <a:spcBef>
-                <a:spcPts val="0"/>
-              </a:spcBef>
-              <a:spcAft>
-                <a:spcPts val="0"/>
-              </a:spcAft>
-              <a:buSzPts val="1400"/>
-              <a:buChar char="○"/>
-            </a:pPr>
-            <a:r>
-              <a:rPr lang="en-GB"/>
-              <a:t>More attributes (at least 200)</a:t>
-            </a:r>
-            <a:endParaRPr/>
-          </a:p>
-          <a:p>
-            <a:pPr indent="-317500" lvl="1" marL="914400" rtl="0" algn="l">
-              <a:spcBef>
-                <a:spcPts val="0"/>
-              </a:spcBef>
-              <a:spcAft>
-                <a:spcPts val="0"/>
-              </a:spcAft>
-              <a:buSzPts val="1400"/>
-              <a:buChar char="○"/>
-            </a:pPr>
-            <a:r>
-              <a:rPr lang="en-GB"/>
-              <a:t>Exclude bad images</a:t>
-            </a:r>
-            <a:endParaRPr/>
-          </a:p>
-          <a:p>
-            <a:pPr indent="-317500" lvl="1" marL="914400" rtl="0" algn="l">
-              <a:spcBef>
-                <a:spcPts val="0"/>
-              </a:spcBef>
-              <a:spcAft>
-                <a:spcPts val="0"/>
-              </a:spcAft>
-              <a:buSzPts val="1400"/>
-              <a:buChar char="○"/>
-            </a:pPr>
-            <a:r>
-              <a:rPr lang="en-GB"/>
-              <a:t>Maybe create dataset completely based on passport images</a:t>
-            </a:r>
-            <a:endParaRPr/>
+            <a:pPr algn="ctr"/>
+            <a:r>
+              <a:rPr lang="de-DE" sz="800" dirty="0" err="1"/>
+              <a:t>Passport</a:t>
+            </a:r>
+            <a:r>
+              <a:rPr lang="de-DE" sz="800" dirty="0"/>
+              <a:t> </a:t>
+            </a:r>
+            <a:r>
+              <a:rPr lang="de-DE" sz="800" dirty="0" err="1"/>
+              <a:t>of</a:t>
+            </a:r>
+            <a:r>
+              <a:rPr lang="de-DE" sz="800" dirty="0"/>
+              <a:t> Daniel (</a:t>
+            </a:r>
+            <a:r>
+              <a:rPr lang="de-DE" sz="800" dirty="0" err="1"/>
+              <a:t>removed</a:t>
+            </a:r>
+            <a:r>
+              <a:rPr lang="de-DE" sz="800" dirty="0"/>
+              <a:t> </a:t>
+            </a:r>
+            <a:r>
+              <a:rPr lang="de-DE" sz="800" dirty="0" err="1"/>
+              <a:t>for</a:t>
+            </a:r>
+            <a:r>
+              <a:rPr lang="de-DE" sz="800" dirty="0"/>
+              <a:t> </a:t>
+            </a:r>
+            <a:r>
+              <a:rPr lang="de-DE" sz="800" dirty="0" err="1"/>
+              <a:t>privacy</a:t>
+            </a:r>
+            <a:r>
+              <a:rPr lang="de-DE" sz="800" dirty="0"/>
+              <a:t> </a:t>
+            </a:r>
+            <a:r>
+              <a:rPr lang="de-DE" sz="800" dirty="0" err="1"/>
+              <a:t>reasons</a:t>
+            </a:r>
+            <a:r>
+              <a:rPr lang="de-DE" sz="800" dirty="0"/>
+              <a:t>)</a:t>
+            </a:r>
+            <a:endParaRPr lang="en-US" sz="800" dirty="0"/>
           </a:p>
         </p:txBody>
       </p:sp>
     </p:spTree>
+    <p:extLst>
+      <p:ext uri="{BB962C8B-B14F-4D97-AF65-F5344CB8AC3E}">
+        <p14:creationId xmlns:p14="http://schemas.microsoft.com/office/powerpoint/2010/main" val="4051521544"/>
+      </p:ext>
+    </p:extLst>
   </p:cSld>
   <p:clrMapOvr>
     <a:masterClrMapping/>
@@ -8240,7 +9873,7 @@
 </file>
 
 <file path=ppt/theme/theme1.xml><?xml version="1.0" encoding="utf-8"?>
-<a:theme xmlns:a="http://schemas.openxmlformats.org/drawingml/2006/main" xmlns:r="http://schemas.openxmlformats.org/officeDocument/2006/relationships" name="Simple Light">
+<a:theme xmlns:a="http://schemas.openxmlformats.org/drawingml/2006/main" name="Simple Light">
   <a:themeElements>
     <a:clrScheme name="Simple Light">
       <a:dk1>
@@ -8515,11 +10148,13 @@
       </a:bgFillStyleLst>
     </a:fmtScheme>
   </a:themeElements>
+  <a:objectDefaults/>
+  <a:extraClrSchemeLst/>
 </a:theme>
 </file>
 
 <file path=ppt/theme/theme2.xml><?xml version="1.0" encoding="utf-8"?>
-<a:theme xmlns:a="http://schemas.openxmlformats.org/drawingml/2006/main" xmlns:r="http://schemas.openxmlformats.org/officeDocument/2006/relationships">
+<a:theme xmlns:a="http://schemas.openxmlformats.org/drawingml/2006/main">
   <a:themeElements>
     <a:clrScheme name="Default">
       <a:dk1>
@@ -8794,5 +10429,7 @@
       </a:bgFillStyleLst>
     </a:fmtScheme>
   </a:themeElements>
+  <a:objectDefaults/>
+  <a:extraClrSchemeLst/>
 </a:theme>
 </file>